--- a/R/coyote_Fox_Bobcat_uniformenv.pptx
+++ b/R/coyote_Fox_Bobcat_uniformenv.pptx
@@ -8958,10 +8958,10 @@
         </p:nvGrpSpPr>
         <p:grpSpPr>
           <a:xfrm>
-            <a:off x="292309" y="428625"/>
-            <a:ext cx="9323972" cy="6781800"/>
-            <a:chOff x="2408193" y="1300162"/>
-            <a:chExt cx="5679325" cy="4962524"/>
+            <a:off x="396081" y="352425"/>
+            <a:ext cx="9144000" cy="7010400"/>
+            <a:chOff x="2610644" y="1300162"/>
+            <a:chExt cx="5476874" cy="4962524"/>
           </a:xfrm>
         </p:grpSpPr>
         <p:sp>
@@ -8997,7 +8997,37 @@
             <a:bodyPr/>
             <a:lstStyle/>
             <a:p>
-              <a:endParaRPr/>
+              <a:pPr marL="0" marR="0" lvl="0" indent="0" algn="l" defTabSz="995964" rtl="0" eaLnBrk="1" fontAlgn="auto" latinLnBrk="0" hangingPunct="1">
+                <a:lnSpc>
+                  <a:spcPct val="100000"/>
+                </a:lnSpc>
+                <a:spcBef>
+                  <a:spcPts val="0"/>
+                </a:spcBef>
+                <a:spcAft>
+                  <a:spcPts val="0"/>
+                </a:spcAft>
+                <a:buClrTx/>
+                <a:buSzTx/>
+                <a:buFontTx/>
+                <a:buNone/>
+                <a:tabLst/>
+                <a:defRPr/>
+              </a:pPr>
+              <a:endParaRPr kumimoji="0" sz="2000" b="0" i="0" u="none" strike="noStrike" kern="1200" cap="none" spc="0" normalizeH="0" baseline="0" noProof="0">
+                <a:ln>
+                  <a:noFill/>
+                </a:ln>
+                <a:solidFill>
+                  <a:prstClr val="black"/>
+                </a:solidFill>
+                <a:effectLst/>
+                <a:uLnTx/>
+                <a:uFillTx/>
+                <a:latin typeface="Calibri"/>
+                <a:ea typeface="+mn-ea"/>
+                <a:cs typeface="+mn-cs"/>
+              </a:endParaRPr>
             </a:p>
           </p:txBody>
         </p:sp>
@@ -9034,7 +9064,37 @@
             <a:bodyPr/>
             <a:lstStyle/>
             <a:p>
-              <a:endParaRPr/>
+              <a:pPr marL="0" marR="0" lvl="0" indent="0" algn="l" defTabSz="995964" rtl="0" eaLnBrk="1" fontAlgn="auto" latinLnBrk="0" hangingPunct="1">
+                <a:lnSpc>
+                  <a:spcPct val="100000"/>
+                </a:lnSpc>
+                <a:spcBef>
+                  <a:spcPts val="0"/>
+                </a:spcBef>
+                <a:spcAft>
+                  <a:spcPts val="0"/>
+                </a:spcAft>
+                <a:buClrTx/>
+                <a:buSzTx/>
+                <a:buFontTx/>
+                <a:buNone/>
+                <a:tabLst/>
+                <a:defRPr/>
+              </a:pPr>
+              <a:endParaRPr kumimoji="0" sz="2000" b="0" i="0" u="none" strike="noStrike" kern="1200" cap="none" spc="0" normalizeH="0" baseline="0" noProof="0">
+                <a:ln>
+                  <a:noFill/>
+                </a:ln>
+                <a:solidFill>
+                  <a:prstClr val="black"/>
+                </a:solidFill>
+                <a:effectLst/>
+                <a:uLnTx/>
+                <a:uFillTx/>
+                <a:latin typeface="Calibri"/>
+                <a:ea typeface="+mn-ea"/>
+                <a:cs typeface="+mn-cs"/>
+              </a:endParaRPr>
             </a:p>
           </p:txBody>
         </p:sp>
@@ -9046,8 +9106,8 @@
           </p:nvSpPr>
           <p:spPr>
             <a:xfrm>
-              <a:off x="3118126" y="1369751"/>
-              <a:ext cx="3884726" cy="3748967"/>
+              <a:off x="3089787" y="1369751"/>
+              <a:ext cx="3913066" cy="3748967"/>
             </a:xfrm>
             <a:prstGeom prst="rect">
               <a:avLst/>
@@ -9062,7 +9122,37 @@
             <a:bodyPr/>
             <a:lstStyle/>
             <a:p>
-              <a:endParaRPr/>
+              <a:pPr marL="0" marR="0" lvl="0" indent="0" algn="l" defTabSz="995964" rtl="0" eaLnBrk="1" fontAlgn="auto" latinLnBrk="0" hangingPunct="1">
+                <a:lnSpc>
+                  <a:spcPct val="100000"/>
+                </a:lnSpc>
+                <a:spcBef>
+                  <a:spcPts val="0"/>
+                </a:spcBef>
+                <a:spcAft>
+                  <a:spcPts val="0"/>
+                </a:spcAft>
+                <a:buClrTx/>
+                <a:buSzTx/>
+                <a:buFontTx/>
+                <a:buNone/>
+                <a:tabLst/>
+                <a:defRPr/>
+              </a:pPr>
+              <a:endParaRPr kumimoji="0" sz="2000" b="0" i="0" u="none" strike="noStrike" kern="1200" cap="none" spc="0" normalizeH="0" baseline="0" noProof="0">
+                <a:ln>
+                  <a:noFill/>
+                </a:ln>
+                <a:solidFill>
+                  <a:prstClr val="black"/>
+                </a:solidFill>
+                <a:effectLst/>
+                <a:uLnTx/>
+                <a:uFillTx/>
+                <a:latin typeface="Calibri"/>
+                <a:ea typeface="+mn-ea"/>
+                <a:cs typeface="+mn-cs"/>
+              </a:endParaRPr>
             </a:p>
           </p:txBody>
         </p:sp>
@@ -9074,8 +9164,8 @@
           </p:nvSpPr>
           <p:spPr>
             <a:xfrm>
-              <a:off x="3118126" y="4853533"/>
-              <a:ext cx="3884726" cy="0"/>
+              <a:off x="3089787" y="4594714"/>
+              <a:ext cx="3913066" cy="0"/>
             </a:xfrm>
             <a:custGeom>
               <a:avLst/>
@@ -9084,15 +9174,15 @@
               <a:cxnLst/>
               <a:rect l="0" t="0" r="0" b="0"/>
               <a:pathLst>
-                <a:path w="3884726">
+                <a:path w="3913066">
                   <a:moveTo>
                     <a:pt x="0" y="0"/>
                   </a:moveTo>
                   <a:lnTo>
-                    <a:pt x="3884726" y="0"/>
-                  </a:lnTo>
-                  <a:lnTo>
-                    <a:pt x="3884726" y="0"/>
+                    <a:pt x="3913066" y="0"/>
+                  </a:lnTo>
+                  <a:lnTo>
+                    <a:pt x="3913066" y="0"/>
                   </a:lnTo>
                 </a:path>
               </a:pathLst>
@@ -9111,7 +9201,37 @@
             <a:bodyPr/>
             <a:lstStyle/>
             <a:p>
-              <a:endParaRPr/>
+              <a:pPr marL="0" marR="0" lvl="0" indent="0" algn="l" defTabSz="995964" rtl="0" eaLnBrk="1" fontAlgn="auto" latinLnBrk="0" hangingPunct="1">
+                <a:lnSpc>
+                  <a:spcPct val="100000"/>
+                </a:lnSpc>
+                <a:spcBef>
+                  <a:spcPts val="0"/>
+                </a:spcBef>
+                <a:spcAft>
+                  <a:spcPts val="0"/>
+                </a:spcAft>
+                <a:buClrTx/>
+                <a:buSzTx/>
+                <a:buFontTx/>
+                <a:buNone/>
+                <a:tabLst/>
+                <a:defRPr/>
+              </a:pPr>
+              <a:endParaRPr kumimoji="0" sz="2000" b="0" i="0" u="none" strike="noStrike" kern="1200" cap="none" spc="0" normalizeH="0" baseline="0" noProof="0">
+                <a:ln>
+                  <a:noFill/>
+                </a:ln>
+                <a:solidFill>
+                  <a:prstClr val="black"/>
+                </a:solidFill>
+                <a:effectLst/>
+                <a:uLnTx/>
+                <a:uFillTx/>
+                <a:latin typeface="Calibri"/>
+                <a:ea typeface="+mn-ea"/>
+                <a:cs typeface="+mn-cs"/>
+              </a:endParaRPr>
             </a:p>
           </p:txBody>
         </p:sp>
@@ -9123,8 +9243,8 @@
           </p:nvSpPr>
           <p:spPr>
             <a:xfrm>
-              <a:off x="3118126" y="3786191"/>
-              <a:ext cx="3884726" cy="0"/>
+              <a:off x="3089787" y="3584848"/>
+              <a:ext cx="3913066" cy="0"/>
             </a:xfrm>
             <a:custGeom>
               <a:avLst/>
@@ -9133,15 +9253,15 @@
               <a:cxnLst/>
               <a:rect l="0" t="0" r="0" b="0"/>
               <a:pathLst>
-                <a:path w="3884726">
+                <a:path w="3913066">
                   <a:moveTo>
                     <a:pt x="0" y="0"/>
                   </a:moveTo>
                   <a:lnTo>
-                    <a:pt x="3884726" y="0"/>
-                  </a:lnTo>
-                  <a:lnTo>
-                    <a:pt x="3884726" y="0"/>
+                    <a:pt x="3913066" y="0"/>
+                  </a:lnTo>
+                  <a:lnTo>
+                    <a:pt x="3913066" y="0"/>
                   </a:lnTo>
                 </a:path>
               </a:pathLst>
@@ -9160,7 +9280,37 @@
             <a:bodyPr/>
             <a:lstStyle/>
             <a:p>
-              <a:endParaRPr/>
+              <a:pPr marL="0" marR="0" lvl="0" indent="0" algn="l" defTabSz="995964" rtl="0" eaLnBrk="1" fontAlgn="auto" latinLnBrk="0" hangingPunct="1">
+                <a:lnSpc>
+                  <a:spcPct val="100000"/>
+                </a:lnSpc>
+                <a:spcBef>
+                  <a:spcPts val="0"/>
+                </a:spcBef>
+                <a:spcAft>
+                  <a:spcPts val="0"/>
+                </a:spcAft>
+                <a:buClrTx/>
+                <a:buSzTx/>
+                <a:buFontTx/>
+                <a:buNone/>
+                <a:tabLst/>
+                <a:defRPr/>
+              </a:pPr>
+              <a:endParaRPr kumimoji="0" sz="2000" b="0" i="0" u="none" strike="noStrike" kern="1200" cap="none" spc="0" normalizeH="0" baseline="0" noProof="0">
+                <a:ln>
+                  <a:noFill/>
+                </a:ln>
+                <a:solidFill>
+                  <a:prstClr val="black"/>
+                </a:solidFill>
+                <a:effectLst/>
+                <a:uLnTx/>
+                <a:uFillTx/>
+                <a:latin typeface="Calibri"/>
+                <a:ea typeface="+mn-ea"/>
+                <a:cs typeface="+mn-cs"/>
+              </a:endParaRPr>
             </a:p>
           </p:txBody>
         </p:sp>
@@ -9172,8 +9322,8 @@
           </p:nvSpPr>
           <p:spPr>
             <a:xfrm>
-              <a:off x="3118126" y="2718849"/>
-              <a:ext cx="3884726" cy="0"/>
+              <a:off x="3089787" y="2574981"/>
+              <a:ext cx="3913066" cy="0"/>
             </a:xfrm>
             <a:custGeom>
               <a:avLst/>
@@ -9182,15 +9332,15 @@
               <a:cxnLst/>
               <a:rect l="0" t="0" r="0" b="0"/>
               <a:pathLst>
-                <a:path w="3884726">
+                <a:path w="3913066">
                   <a:moveTo>
                     <a:pt x="0" y="0"/>
                   </a:moveTo>
                   <a:lnTo>
-                    <a:pt x="3884726" y="0"/>
-                  </a:lnTo>
-                  <a:lnTo>
-                    <a:pt x="3884726" y="0"/>
+                    <a:pt x="3913066" y="0"/>
+                  </a:lnTo>
+                  <a:lnTo>
+                    <a:pt x="3913066" y="0"/>
                   </a:lnTo>
                 </a:path>
               </a:pathLst>
@@ -9209,7 +9359,37 @@
             <a:bodyPr/>
             <a:lstStyle/>
             <a:p>
-              <a:endParaRPr/>
+              <a:pPr marL="0" marR="0" lvl="0" indent="0" algn="l" defTabSz="995964" rtl="0" eaLnBrk="1" fontAlgn="auto" latinLnBrk="0" hangingPunct="1">
+                <a:lnSpc>
+                  <a:spcPct val="100000"/>
+                </a:lnSpc>
+                <a:spcBef>
+                  <a:spcPts val="0"/>
+                </a:spcBef>
+                <a:spcAft>
+                  <a:spcPts val="0"/>
+                </a:spcAft>
+                <a:buClrTx/>
+                <a:buSzTx/>
+                <a:buFontTx/>
+                <a:buNone/>
+                <a:tabLst/>
+                <a:defRPr/>
+              </a:pPr>
+              <a:endParaRPr kumimoji="0" sz="2000" b="0" i="0" u="none" strike="noStrike" kern="1200" cap="none" spc="0" normalizeH="0" baseline="0" noProof="0">
+                <a:ln>
+                  <a:noFill/>
+                </a:ln>
+                <a:solidFill>
+                  <a:prstClr val="black"/>
+                </a:solidFill>
+                <a:effectLst/>
+                <a:uLnTx/>
+                <a:uFillTx/>
+                <a:latin typeface="Calibri"/>
+                <a:ea typeface="+mn-ea"/>
+                <a:cs typeface="+mn-cs"/>
+              </a:endParaRPr>
             </a:p>
           </p:txBody>
         </p:sp>
@@ -9221,8 +9401,8 @@
           </p:nvSpPr>
           <p:spPr>
             <a:xfrm>
-              <a:off x="3118126" y="1651508"/>
-              <a:ext cx="3884726" cy="0"/>
+              <a:off x="3089787" y="1565115"/>
+              <a:ext cx="3913066" cy="0"/>
             </a:xfrm>
             <a:custGeom>
               <a:avLst/>
@@ -9231,15 +9411,15 @@
               <a:cxnLst/>
               <a:rect l="0" t="0" r="0" b="0"/>
               <a:pathLst>
-                <a:path w="3884726">
+                <a:path w="3913066">
                   <a:moveTo>
                     <a:pt x="0" y="0"/>
                   </a:moveTo>
                   <a:lnTo>
-                    <a:pt x="3884726" y="0"/>
-                  </a:lnTo>
-                  <a:lnTo>
-                    <a:pt x="3884726" y="0"/>
+                    <a:pt x="3913066" y="0"/>
+                  </a:lnTo>
+                  <a:lnTo>
+                    <a:pt x="3913066" y="0"/>
                   </a:lnTo>
                 </a:path>
               </a:pathLst>
@@ -9258,7 +9438,37 @@
             <a:bodyPr/>
             <a:lstStyle/>
             <a:p>
-              <a:endParaRPr/>
+              <a:pPr marL="0" marR="0" lvl="0" indent="0" algn="l" defTabSz="995964" rtl="0" eaLnBrk="1" fontAlgn="auto" latinLnBrk="0" hangingPunct="1">
+                <a:lnSpc>
+                  <a:spcPct val="100000"/>
+                </a:lnSpc>
+                <a:spcBef>
+                  <a:spcPts val="0"/>
+                </a:spcBef>
+                <a:spcAft>
+                  <a:spcPts val="0"/>
+                </a:spcAft>
+                <a:buClrTx/>
+                <a:buSzTx/>
+                <a:buFontTx/>
+                <a:buNone/>
+                <a:tabLst/>
+                <a:defRPr/>
+              </a:pPr>
+              <a:endParaRPr kumimoji="0" sz="2000" b="0" i="0" u="none" strike="noStrike" kern="1200" cap="none" spc="0" normalizeH="0" baseline="0" noProof="0">
+                <a:ln>
+                  <a:noFill/>
+                </a:ln>
+                <a:solidFill>
+                  <a:prstClr val="black"/>
+                </a:solidFill>
+                <a:effectLst/>
+                <a:uLnTx/>
+                <a:uFillTx/>
+                <a:latin typeface="Calibri"/>
+                <a:ea typeface="+mn-ea"/>
+                <a:cs typeface="+mn-cs"/>
+              </a:endParaRPr>
             </a:p>
           </p:txBody>
         </p:sp>
@@ -9270,8 +9480,8 @@
           </p:nvSpPr>
           <p:spPr>
             <a:xfrm>
-              <a:off x="3118126" y="4319862"/>
-              <a:ext cx="3884726" cy="0"/>
+              <a:off x="3089787" y="5099647"/>
+              <a:ext cx="3913066" cy="0"/>
             </a:xfrm>
             <a:custGeom>
               <a:avLst/>
@@ -9280,15 +9490,15 @@
               <a:cxnLst/>
               <a:rect l="0" t="0" r="0" b="0"/>
               <a:pathLst>
-                <a:path w="3884726">
+                <a:path w="3913066">
                   <a:moveTo>
                     <a:pt x="0" y="0"/>
                   </a:moveTo>
                   <a:lnTo>
-                    <a:pt x="3884726" y="0"/>
-                  </a:lnTo>
-                  <a:lnTo>
-                    <a:pt x="3884726" y="0"/>
+                    <a:pt x="3913066" y="0"/>
+                  </a:lnTo>
+                  <a:lnTo>
+                    <a:pt x="3913066" y="0"/>
                   </a:lnTo>
                 </a:path>
               </a:pathLst>
@@ -9307,7 +9517,37 @@
             <a:bodyPr/>
             <a:lstStyle/>
             <a:p>
-              <a:endParaRPr/>
+              <a:pPr marL="0" marR="0" lvl="0" indent="0" algn="l" defTabSz="995964" rtl="0" eaLnBrk="1" fontAlgn="auto" latinLnBrk="0" hangingPunct="1">
+                <a:lnSpc>
+                  <a:spcPct val="100000"/>
+                </a:lnSpc>
+                <a:spcBef>
+                  <a:spcPts val="0"/>
+                </a:spcBef>
+                <a:spcAft>
+                  <a:spcPts val="0"/>
+                </a:spcAft>
+                <a:buClrTx/>
+                <a:buSzTx/>
+                <a:buFontTx/>
+                <a:buNone/>
+                <a:tabLst/>
+                <a:defRPr/>
+              </a:pPr>
+              <a:endParaRPr kumimoji="0" sz="2000" b="0" i="0" u="none" strike="noStrike" kern="1200" cap="none" spc="0" normalizeH="0" baseline="0" noProof="0">
+                <a:ln>
+                  <a:noFill/>
+                </a:ln>
+                <a:solidFill>
+                  <a:prstClr val="black"/>
+                </a:solidFill>
+                <a:effectLst/>
+                <a:uLnTx/>
+                <a:uFillTx/>
+                <a:latin typeface="Calibri"/>
+                <a:ea typeface="+mn-ea"/>
+                <a:cs typeface="+mn-cs"/>
+              </a:endParaRPr>
             </a:p>
           </p:txBody>
         </p:sp>
@@ -9319,8 +9559,8 @@
           </p:nvSpPr>
           <p:spPr>
             <a:xfrm>
-              <a:off x="3118126" y="3252520"/>
-              <a:ext cx="3884726" cy="0"/>
+              <a:off x="3089787" y="4089781"/>
+              <a:ext cx="3913066" cy="0"/>
             </a:xfrm>
             <a:custGeom>
               <a:avLst/>
@@ -9329,15 +9569,15 @@
               <a:cxnLst/>
               <a:rect l="0" t="0" r="0" b="0"/>
               <a:pathLst>
-                <a:path w="3884726">
+                <a:path w="3913066">
                   <a:moveTo>
                     <a:pt x="0" y="0"/>
                   </a:moveTo>
                   <a:lnTo>
-                    <a:pt x="3884726" y="0"/>
-                  </a:lnTo>
-                  <a:lnTo>
-                    <a:pt x="3884726" y="0"/>
+                    <a:pt x="3913066" y="0"/>
+                  </a:lnTo>
+                  <a:lnTo>
+                    <a:pt x="3913066" y="0"/>
                   </a:lnTo>
                 </a:path>
               </a:pathLst>
@@ -9356,7 +9596,37 @@
             <a:bodyPr/>
             <a:lstStyle/>
             <a:p>
-              <a:endParaRPr/>
+              <a:pPr marL="0" marR="0" lvl="0" indent="0" algn="l" defTabSz="995964" rtl="0" eaLnBrk="1" fontAlgn="auto" latinLnBrk="0" hangingPunct="1">
+                <a:lnSpc>
+                  <a:spcPct val="100000"/>
+                </a:lnSpc>
+                <a:spcBef>
+                  <a:spcPts val="0"/>
+                </a:spcBef>
+                <a:spcAft>
+                  <a:spcPts val="0"/>
+                </a:spcAft>
+                <a:buClrTx/>
+                <a:buSzTx/>
+                <a:buFontTx/>
+                <a:buNone/>
+                <a:tabLst/>
+                <a:defRPr/>
+              </a:pPr>
+              <a:endParaRPr kumimoji="0" sz="2000" b="0" i="0" u="none" strike="noStrike" kern="1200" cap="none" spc="0" normalizeH="0" baseline="0" noProof="0">
+                <a:ln>
+                  <a:noFill/>
+                </a:ln>
+                <a:solidFill>
+                  <a:prstClr val="black"/>
+                </a:solidFill>
+                <a:effectLst/>
+                <a:uLnTx/>
+                <a:uFillTx/>
+                <a:latin typeface="Calibri"/>
+                <a:ea typeface="+mn-ea"/>
+                <a:cs typeface="+mn-cs"/>
+              </a:endParaRPr>
             </a:p>
           </p:txBody>
         </p:sp>
@@ -9368,8 +9638,8 @@
           </p:nvSpPr>
           <p:spPr>
             <a:xfrm>
-              <a:off x="3118126" y="2185178"/>
-              <a:ext cx="3884726" cy="0"/>
+              <a:off x="3089787" y="3079915"/>
+              <a:ext cx="3913066" cy="0"/>
             </a:xfrm>
             <a:custGeom>
               <a:avLst/>
@@ -9378,15 +9648,15 @@
               <a:cxnLst/>
               <a:rect l="0" t="0" r="0" b="0"/>
               <a:pathLst>
-                <a:path w="3884726">
+                <a:path w="3913066">
                   <a:moveTo>
                     <a:pt x="0" y="0"/>
                   </a:moveTo>
                   <a:lnTo>
-                    <a:pt x="3884726" y="0"/>
-                  </a:lnTo>
-                  <a:lnTo>
-                    <a:pt x="3884726" y="0"/>
+                    <a:pt x="3913066" y="0"/>
+                  </a:lnTo>
+                  <a:lnTo>
+                    <a:pt x="3913066" y="0"/>
                   </a:lnTo>
                 </a:path>
               </a:pathLst>
@@ -9405,7 +9675,37 @@
             <a:bodyPr/>
             <a:lstStyle/>
             <a:p>
-              <a:endParaRPr/>
+              <a:pPr marL="0" marR="0" lvl="0" indent="0" algn="l" defTabSz="995964" rtl="0" eaLnBrk="1" fontAlgn="auto" latinLnBrk="0" hangingPunct="1">
+                <a:lnSpc>
+                  <a:spcPct val="100000"/>
+                </a:lnSpc>
+                <a:spcBef>
+                  <a:spcPts val="0"/>
+                </a:spcBef>
+                <a:spcAft>
+                  <a:spcPts val="0"/>
+                </a:spcAft>
+                <a:buClrTx/>
+                <a:buSzTx/>
+                <a:buFontTx/>
+                <a:buNone/>
+                <a:tabLst/>
+                <a:defRPr/>
+              </a:pPr>
+              <a:endParaRPr kumimoji="0" sz="2000" b="0" i="0" u="none" strike="noStrike" kern="1200" cap="none" spc="0" normalizeH="0" baseline="0" noProof="0">
+                <a:ln>
+                  <a:noFill/>
+                </a:ln>
+                <a:solidFill>
+                  <a:prstClr val="black"/>
+                </a:solidFill>
+                <a:effectLst/>
+                <a:uLnTx/>
+                <a:uFillTx/>
+                <a:latin typeface="Calibri"/>
+                <a:ea typeface="+mn-ea"/>
+                <a:cs typeface="+mn-cs"/>
+              </a:endParaRPr>
             </a:p>
           </p:txBody>
         </p:sp>
@@ -9417,7 +9717,86 @@
           </p:nvSpPr>
           <p:spPr>
             <a:xfrm>
-              <a:off x="3271471" y="1369751"/>
+              <a:off x="3089787" y="2070048"/>
+              <a:ext cx="3913066" cy="0"/>
+            </a:xfrm>
+            <a:custGeom>
+              <a:avLst/>
+              <a:gdLst/>
+              <a:ahLst/>
+              <a:cxnLst/>
+              <a:rect l="0" t="0" r="0" b="0"/>
+              <a:pathLst>
+                <a:path w="3913066">
+                  <a:moveTo>
+                    <a:pt x="0" y="0"/>
+                  </a:moveTo>
+                  <a:lnTo>
+                    <a:pt x="3913066" y="0"/>
+                  </a:lnTo>
+                  <a:lnTo>
+                    <a:pt x="3913066" y="0"/>
+                  </a:lnTo>
+                </a:path>
+              </a:pathLst>
+            </a:custGeom>
+            <a:ln w="13550" cap="flat">
+              <a:solidFill>
+                <a:srgbClr val="FFFFFF">
+                  <a:alpha val="100000"/>
+                </a:srgbClr>
+              </a:solidFill>
+              <a:prstDash val="solid"/>
+              <a:round/>
+            </a:ln>
+          </p:spPr>
+          <p:txBody>
+            <a:bodyPr/>
+            <a:lstStyle/>
+            <a:p>
+              <a:pPr marL="0" marR="0" lvl="0" indent="0" algn="l" defTabSz="995964" rtl="0" eaLnBrk="1" fontAlgn="auto" latinLnBrk="0" hangingPunct="1">
+                <a:lnSpc>
+                  <a:spcPct val="100000"/>
+                </a:lnSpc>
+                <a:spcBef>
+                  <a:spcPts val="0"/>
+                </a:spcBef>
+                <a:spcAft>
+                  <a:spcPts val="0"/>
+                </a:spcAft>
+                <a:buClrTx/>
+                <a:buSzTx/>
+                <a:buFontTx/>
+                <a:buNone/>
+                <a:tabLst/>
+                <a:defRPr/>
+              </a:pPr>
+              <a:endParaRPr kumimoji="0" sz="2000" b="0" i="0" u="none" strike="noStrike" kern="1200" cap="none" spc="0" normalizeH="0" baseline="0" noProof="0">
+                <a:ln>
+                  <a:noFill/>
+                </a:ln>
+                <a:solidFill>
+                  <a:prstClr val="black"/>
+                </a:solidFill>
+                <a:effectLst/>
+                <a:uLnTx/>
+                <a:uFillTx/>
+                <a:latin typeface="Calibri"/>
+                <a:ea typeface="+mn-ea"/>
+                <a:cs typeface="+mn-cs"/>
+              </a:endParaRPr>
+            </a:p>
+          </p:txBody>
+        </p:sp>
+        <p:sp>
+          <p:nvSpPr>
+            <p:cNvPr id="14" name="pl14"/>
+            <p:cNvSpPr/>
+            <p:nvPr/>
+          </p:nvSpPr>
+          <p:spPr>
+            <a:xfrm>
+              <a:off x="3282233" y="1369751"/>
               <a:ext cx="0" cy="3748967"/>
             </a:xfrm>
             <a:custGeom>
@@ -9454,19 +9833,49 @@
             <a:bodyPr/>
             <a:lstStyle/>
             <a:p>
-              <a:endParaRPr/>
-            </a:p>
-          </p:txBody>
-        </p:sp>
-        <p:sp>
-          <p:nvSpPr>
-            <p:cNvPr id="14" name="pl14"/>
-            <p:cNvSpPr/>
-            <p:nvPr/>
-          </p:nvSpPr>
-          <p:spPr>
-            <a:xfrm>
-              <a:off x="3527045" y="1369751"/>
+              <a:pPr marL="0" marR="0" lvl="0" indent="0" algn="l" defTabSz="995964" rtl="0" eaLnBrk="1" fontAlgn="auto" latinLnBrk="0" hangingPunct="1">
+                <a:lnSpc>
+                  <a:spcPct val="100000"/>
+                </a:lnSpc>
+                <a:spcBef>
+                  <a:spcPts val="0"/>
+                </a:spcBef>
+                <a:spcAft>
+                  <a:spcPts val="0"/>
+                </a:spcAft>
+                <a:buClrTx/>
+                <a:buSzTx/>
+                <a:buFontTx/>
+                <a:buNone/>
+                <a:tabLst/>
+                <a:defRPr/>
+              </a:pPr>
+              <a:endParaRPr kumimoji="0" sz="2000" b="0" i="0" u="none" strike="noStrike" kern="1200" cap="none" spc="0" normalizeH="0" baseline="0" noProof="0">
+                <a:ln>
+                  <a:noFill/>
+                </a:ln>
+                <a:solidFill>
+                  <a:prstClr val="black"/>
+                </a:solidFill>
+                <a:effectLst/>
+                <a:uLnTx/>
+                <a:uFillTx/>
+                <a:latin typeface="Calibri"/>
+                <a:ea typeface="+mn-ea"/>
+                <a:cs typeface="+mn-cs"/>
+              </a:endParaRPr>
+            </a:p>
+          </p:txBody>
+        </p:sp>
+        <p:sp>
+          <p:nvSpPr>
+            <p:cNvPr id="15" name="pl15"/>
+            <p:cNvSpPr/>
+            <p:nvPr/>
+          </p:nvSpPr>
+          <p:spPr>
+            <a:xfrm>
+              <a:off x="3602976" y="1369751"/>
               <a:ext cx="0" cy="3748967"/>
             </a:xfrm>
             <a:custGeom>
@@ -9503,19 +9912,49 @@
             <a:bodyPr/>
             <a:lstStyle/>
             <a:p>
-              <a:endParaRPr/>
-            </a:p>
-          </p:txBody>
-        </p:sp>
-        <p:sp>
-          <p:nvSpPr>
-            <p:cNvPr id="15" name="pl15"/>
-            <p:cNvSpPr/>
-            <p:nvPr/>
-          </p:nvSpPr>
-          <p:spPr>
-            <a:xfrm>
-              <a:off x="3782619" y="1369751"/>
+              <a:pPr marL="0" marR="0" lvl="0" indent="0" algn="l" defTabSz="995964" rtl="0" eaLnBrk="1" fontAlgn="auto" latinLnBrk="0" hangingPunct="1">
+                <a:lnSpc>
+                  <a:spcPct val="100000"/>
+                </a:lnSpc>
+                <a:spcBef>
+                  <a:spcPts val="0"/>
+                </a:spcBef>
+                <a:spcAft>
+                  <a:spcPts val="0"/>
+                </a:spcAft>
+                <a:buClrTx/>
+                <a:buSzTx/>
+                <a:buFontTx/>
+                <a:buNone/>
+                <a:tabLst/>
+                <a:defRPr/>
+              </a:pPr>
+              <a:endParaRPr kumimoji="0" sz="2000" b="0" i="0" u="none" strike="noStrike" kern="1200" cap="none" spc="0" normalizeH="0" baseline="0" noProof="0">
+                <a:ln>
+                  <a:noFill/>
+                </a:ln>
+                <a:solidFill>
+                  <a:prstClr val="black"/>
+                </a:solidFill>
+                <a:effectLst/>
+                <a:uLnTx/>
+                <a:uFillTx/>
+                <a:latin typeface="Calibri"/>
+                <a:ea typeface="+mn-ea"/>
+                <a:cs typeface="+mn-cs"/>
+              </a:endParaRPr>
+            </a:p>
+          </p:txBody>
+        </p:sp>
+        <p:sp>
+          <p:nvSpPr>
+            <p:cNvPr id="16" name="pl16"/>
+            <p:cNvSpPr/>
+            <p:nvPr/>
+          </p:nvSpPr>
+          <p:spPr>
+            <a:xfrm>
+              <a:off x="3923719" y="1369751"/>
               <a:ext cx="0" cy="3748967"/>
             </a:xfrm>
             <a:custGeom>
@@ -9552,19 +9991,49 @@
             <a:bodyPr/>
             <a:lstStyle/>
             <a:p>
-              <a:endParaRPr/>
-            </a:p>
-          </p:txBody>
-        </p:sp>
-        <p:sp>
-          <p:nvSpPr>
-            <p:cNvPr id="16" name="pl16"/>
-            <p:cNvSpPr/>
-            <p:nvPr/>
-          </p:nvSpPr>
-          <p:spPr>
-            <a:xfrm>
-              <a:off x="4038193" y="1369751"/>
+              <a:pPr marL="0" marR="0" lvl="0" indent="0" algn="l" defTabSz="995964" rtl="0" eaLnBrk="1" fontAlgn="auto" latinLnBrk="0" hangingPunct="1">
+                <a:lnSpc>
+                  <a:spcPct val="100000"/>
+                </a:lnSpc>
+                <a:spcBef>
+                  <a:spcPts val="0"/>
+                </a:spcBef>
+                <a:spcAft>
+                  <a:spcPts val="0"/>
+                </a:spcAft>
+                <a:buClrTx/>
+                <a:buSzTx/>
+                <a:buFontTx/>
+                <a:buNone/>
+                <a:tabLst/>
+                <a:defRPr/>
+              </a:pPr>
+              <a:endParaRPr kumimoji="0" sz="2000" b="0" i="0" u="none" strike="noStrike" kern="1200" cap="none" spc="0" normalizeH="0" baseline="0" noProof="0">
+                <a:ln>
+                  <a:noFill/>
+                </a:ln>
+                <a:solidFill>
+                  <a:prstClr val="black"/>
+                </a:solidFill>
+                <a:effectLst/>
+                <a:uLnTx/>
+                <a:uFillTx/>
+                <a:latin typeface="Calibri"/>
+                <a:ea typeface="+mn-ea"/>
+                <a:cs typeface="+mn-cs"/>
+              </a:endParaRPr>
+            </a:p>
+          </p:txBody>
+        </p:sp>
+        <p:sp>
+          <p:nvSpPr>
+            <p:cNvPr id="17" name="pl17"/>
+            <p:cNvSpPr/>
+            <p:nvPr/>
+          </p:nvSpPr>
+          <p:spPr>
+            <a:xfrm>
+              <a:off x="4244462" y="1369751"/>
               <a:ext cx="0" cy="3748967"/>
             </a:xfrm>
             <a:custGeom>
@@ -9601,19 +10070,49 @@
             <a:bodyPr/>
             <a:lstStyle/>
             <a:p>
-              <a:endParaRPr/>
-            </a:p>
-          </p:txBody>
-        </p:sp>
-        <p:sp>
-          <p:nvSpPr>
-            <p:cNvPr id="17" name="pl17"/>
-            <p:cNvSpPr/>
-            <p:nvPr/>
-          </p:nvSpPr>
-          <p:spPr>
-            <a:xfrm>
-              <a:off x="4293767" y="1369751"/>
+              <a:pPr marL="0" marR="0" lvl="0" indent="0" algn="l" defTabSz="995964" rtl="0" eaLnBrk="1" fontAlgn="auto" latinLnBrk="0" hangingPunct="1">
+                <a:lnSpc>
+                  <a:spcPct val="100000"/>
+                </a:lnSpc>
+                <a:spcBef>
+                  <a:spcPts val="0"/>
+                </a:spcBef>
+                <a:spcAft>
+                  <a:spcPts val="0"/>
+                </a:spcAft>
+                <a:buClrTx/>
+                <a:buSzTx/>
+                <a:buFontTx/>
+                <a:buNone/>
+                <a:tabLst/>
+                <a:defRPr/>
+              </a:pPr>
+              <a:endParaRPr kumimoji="0" sz="2000" b="0" i="0" u="none" strike="noStrike" kern="1200" cap="none" spc="0" normalizeH="0" baseline="0" noProof="0">
+                <a:ln>
+                  <a:noFill/>
+                </a:ln>
+                <a:solidFill>
+                  <a:prstClr val="black"/>
+                </a:solidFill>
+                <a:effectLst/>
+                <a:uLnTx/>
+                <a:uFillTx/>
+                <a:latin typeface="Calibri"/>
+                <a:ea typeface="+mn-ea"/>
+                <a:cs typeface="+mn-cs"/>
+              </a:endParaRPr>
+            </a:p>
+          </p:txBody>
+        </p:sp>
+        <p:sp>
+          <p:nvSpPr>
+            <p:cNvPr id="18" name="pl18"/>
+            <p:cNvSpPr/>
+            <p:nvPr/>
+          </p:nvSpPr>
+          <p:spPr>
+            <a:xfrm>
+              <a:off x="4565205" y="1369751"/>
               <a:ext cx="0" cy="3748967"/>
             </a:xfrm>
             <a:custGeom>
@@ -9650,19 +10149,49 @@
             <a:bodyPr/>
             <a:lstStyle/>
             <a:p>
-              <a:endParaRPr/>
-            </a:p>
-          </p:txBody>
-        </p:sp>
-        <p:sp>
-          <p:nvSpPr>
-            <p:cNvPr id="18" name="pl18"/>
-            <p:cNvSpPr/>
-            <p:nvPr/>
-          </p:nvSpPr>
-          <p:spPr>
-            <a:xfrm>
-              <a:off x="4549342" y="1369751"/>
+              <a:pPr marL="0" marR="0" lvl="0" indent="0" algn="l" defTabSz="995964" rtl="0" eaLnBrk="1" fontAlgn="auto" latinLnBrk="0" hangingPunct="1">
+                <a:lnSpc>
+                  <a:spcPct val="100000"/>
+                </a:lnSpc>
+                <a:spcBef>
+                  <a:spcPts val="0"/>
+                </a:spcBef>
+                <a:spcAft>
+                  <a:spcPts val="0"/>
+                </a:spcAft>
+                <a:buClrTx/>
+                <a:buSzTx/>
+                <a:buFontTx/>
+                <a:buNone/>
+                <a:tabLst/>
+                <a:defRPr/>
+              </a:pPr>
+              <a:endParaRPr kumimoji="0" sz="2000" b="0" i="0" u="none" strike="noStrike" kern="1200" cap="none" spc="0" normalizeH="0" baseline="0" noProof="0">
+                <a:ln>
+                  <a:noFill/>
+                </a:ln>
+                <a:solidFill>
+                  <a:prstClr val="black"/>
+                </a:solidFill>
+                <a:effectLst/>
+                <a:uLnTx/>
+                <a:uFillTx/>
+                <a:latin typeface="Calibri"/>
+                <a:ea typeface="+mn-ea"/>
+                <a:cs typeface="+mn-cs"/>
+              </a:endParaRPr>
+            </a:p>
+          </p:txBody>
+        </p:sp>
+        <p:sp>
+          <p:nvSpPr>
+            <p:cNvPr id="19" name="pl19"/>
+            <p:cNvSpPr/>
+            <p:nvPr/>
+          </p:nvSpPr>
+          <p:spPr>
+            <a:xfrm>
+              <a:off x="4885949" y="1369751"/>
               <a:ext cx="0" cy="3748967"/>
             </a:xfrm>
             <a:custGeom>
@@ -9699,19 +10228,49 @@
             <a:bodyPr/>
             <a:lstStyle/>
             <a:p>
-              <a:endParaRPr/>
-            </a:p>
-          </p:txBody>
-        </p:sp>
-        <p:sp>
-          <p:nvSpPr>
-            <p:cNvPr id="19" name="pl19"/>
-            <p:cNvSpPr/>
-            <p:nvPr/>
-          </p:nvSpPr>
-          <p:spPr>
-            <a:xfrm>
-              <a:off x="4804916" y="1369751"/>
+              <a:pPr marL="0" marR="0" lvl="0" indent="0" algn="l" defTabSz="995964" rtl="0" eaLnBrk="1" fontAlgn="auto" latinLnBrk="0" hangingPunct="1">
+                <a:lnSpc>
+                  <a:spcPct val="100000"/>
+                </a:lnSpc>
+                <a:spcBef>
+                  <a:spcPts val="0"/>
+                </a:spcBef>
+                <a:spcAft>
+                  <a:spcPts val="0"/>
+                </a:spcAft>
+                <a:buClrTx/>
+                <a:buSzTx/>
+                <a:buFontTx/>
+                <a:buNone/>
+                <a:tabLst/>
+                <a:defRPr/>
+              </a:pPr>
+              <a:endParaRPr kumimoji="0" sz="2000" b="0" i="0" u="none" strike="noStrike" kern="1200" cap="none" spc="0" normalizeH="0" baseline="0" noProof="0">
+                <a:ln>
+                  <a:noFill/>
+                </a:ln>
+                <a:solidFill>
+                  <a:prstClr val="black"/>
+                </a:solidFill>
+                <a:effectLst/>
+                <a:uLnTx/>
+                <a:uFillTx/>
+                <a:latin typeface="Calibri"/>
+                <a:ea typeface="+mn-ea"/>
+                <a:cs typeface="+mn-cs"/>
+              </a:endParaRPr>
+            </a:p>
+          </p:txBody>
+        </p:sp>
+        <p:sp>
+          <p:nvSpPr>
+            <p:cNvPr id="20" name="pl20"/>
+            <p:cNvSpPr/>
+            <p:nvPr/>
+          </p:nvSpPr>
+          <p:spPr>
+            <a:xfrm>
+              <a:off x="5206692" y="1369751"/>
               <a:ext cx="0" cy="3748967"/>
             </a:xfrm>
             <a:custGeom>
@@ -9748,19 +10307,49 @@
             <a:bodyPr/>
             <a:lstStyle/>
             <a:p>
-              <a:endParaRPr/>
-            </a:p>
-          </p:txBody>
-        </p:sp>
-        <p:sp>
-          <p:nvSpPr>
-            <p:cNvPr id="20" name="pl20"/>
-            <p:cNvSpPr/>
-            <p:nvPr/>
-          </p:nvSpPr>
-          <p:spPr>
-            <a:xfrm>
-              <a:off x="5060490" y="1369751"/>
+              <a:pPr marL="0" marR="0" lvl="0" indent="0" algn="l" defTabSz="995964" rtl="0" eaLnBrk="1" fontAlgn="auto" latinLnBrk="0" hangingPunct="1">
+                <a:lnSpc>
+                  <a:spcPct val="100000"/>
+                </a:lnSpc>
+                <a:spcBef>
+                  <a:spcPts val="0"/>
+                </a:spcBef>
+                <a:spcAft>
+                  <a:spcPts val="0"/>
+                </a:spcAft>
+                <a:buClrTx/>
+                <a:buSzTx/>
+                <a:buFontTx/>
+                <a:buNone/>
+                <a:tabLst/>
+                <a:defRPr/>
+              </a:pPr>
+              <a:endParaRPr kumimoji="0" sz="2000" b="0" i="0" u="none" strike="noStrike" kern="1200" cap="none" spc="0" normalizeH="0" baseline="0" noProof="0">
+                <a:ln>
+                  <a:noFill/>
+                </a:ln>
+                <a:solidFill>
+                  <a:prstClr val="black"/>
+                </a:solidFill>
+                <a:effectLst/>
+                <a:uLnTx/>
+                <a:uFillTx/>
+                <a:latin typeface="Calibri"/>
+                <a:ea typeface="+mn-ea"/>
+                <a:cs typeface="+mn-cs"/>
+              </a:endParaRPr>
+            </a:p>
+          </p:txBody>
+        </p:sp>
+        <p:sp>
+          <p:nvSpPr>
+            <p:cNvPr id="21" name="pl21"/>
+            <p:cNvSpPr/>
+            <p:nvPr/>
+          </p:nvSpPr>
+          <p:spPr>
+            <a:xfrm>
+              <a:off x="5527435" y="1369751"/>
               <a:ext cx="0" cy="3748967"/>
             </a:xfrm>
             <a:custGeom>
@@ -9797,19 +10386,49 @@
             <a:bodyPr/>
             <a:lstStyle/>
             <a:p>
-              <a:endParaRPr/>
-            </a:p>
-          </p:txBody>
-        </p:sp>
-        <p:sp>
-          <p:nvSpPr>
-            <p:cNvPr id="21" name="pl21"/>
-            <p:cNvSpPr/>
-            <p:nvPr/>
-          </p:nvSpPr>
-          <p:spPr>
-            <a:xfrm>
-              <a:off x="5316064" y="1369751"/>
+              <a:pPr marL="0" marR="0" lvl="0" indent="0" algn="l" defTabSz="995964" rtl="0" eaLnBrk="1" fontAlgn="auto" latinLnBrk="0" hangingPunct="1">
+                <a:lnSpc>
+                  <a:spcPct val="100000"/>
+                </a:lnSpc>
+                <a:spcBef>
+                  <a:spcPts val="0"/>
+                </a:spcBef>
+                <a:spcAft>
+                  <a:spcPts val="0"/>
+                </a:spcAft>
+                <a:buClrTx/>
+                <a:buSzTx/>
+                <a:buFontTx/>
+                <a:buNone/>
+                <a:tabLst/>
+                <a:defRPr/>
+              </a:pPr>
+              <a:endParaRPr kumimoji="0" sz="2000" b="0" i="0" u="none" strike="noStrike" kern="1200" cap="none" spc="0" normalizeH="0" baseline="0" noProof="0">
+                <a:ln>
+                  <a:noFill/>
+                </a:ln>
+                <a:solidFill>
+                  <a:prstClr val="black"/>
+                </a:solidFill>
+                <a:effectLst/>
+                <a:uLnTx/>
+                <a:uFillTx/>
+                <a:latin typeface="Calibri"/>
+                <a:ea typeface="+mn-ea"/>
+                <a:cs typeface="+mn-cs"/>
+              </a:endParaRPr>
+            </a:p>
+          </p:txBody>
+        </p:sp>
+        <p:sp>
+          <p:nvSpPr>
+            <p:cNvPr id="22" name="pl22"/>
+            <p:cNvSpPr/>
+            <p:nvPr/>
+          </p:nvSpPr>
+          <p:spPr>
+            <a:xfrm>
+              <a:off x="5848178" y="1369751"/>
               <a:ext cx="0" cy="3748967"/>
             </a:xfrm>
             <a:custGeom>
@@ -9846,19 +10465,49 @@
             <a:bodyPr/>
             <a:lstStyle/>
             <a:p>
-              <a:endParaRPr/>
-            </a:p>
-          </p:txBody>
-        </p:sp>
-        <p:sp>
-          <p:nvSpPr>
-            <p:cNvPr id="22" name="pl22"/>
-            <p:cNvSpPr/>
-            <p:nvPr/>
-          </p:nvSpPr>
-          <p:spPr>
-            <a:xfrm>
-              <a:off x="5571638" y="1369751"/>
+              <a:pPr marL="0" marR="0" lvl="0" indent="0" algn="l" defTabSz="995964" rtl="0" eaLnBrk="1" fontAlgn="auto" latinLnBrk="0" hangingPunct="1">
+                <a:lnSpc>
+                  <a:spcPct val="100000"/>
+                </a:lnSpc>
+                <a:spcBef>
+                  <a:spcPts val="0"/>
+                </a:spcBef>
+                <a:spcAft>
+                  <a:spcPts val="0"/>
+                </a:spcAft>
+                <a:buClrTx/>
+                <a:buSzTx/>
+                <a:buFontTx/>
+                <a:buNone/>
+                <a:tabLst/>
+                <a:defRPr/>
+              </a:pPr>
+              <a:endParaRPr kumimoji="0" sz="2000" b="0" i="0" u="none" strike="noStrike" kern="1200" cap="none" spc="0" normalizeH="0" baseline="0" noProof="0">
+                <a:ln>
+                  <a:noFill/>
+                </a:ln>
+                <a:solidFill>
+                  <a:prstClr val="black"/>
+                </a:solidFill>
+                <a:effectLst/>
+                <a:uLnTx/>
+                <a:uFillTx/>
+                <a:latin typeface="Calibri"/>
+                <a:ea typeface="+mn-ea"/>
+                <a:cs typeface="+mn-cs"/>
+              </a:endParaRPr>
+            </a:p>
+          </p:txBody>
+        </p:sp>
+        <p:sp>
+          <p:nvSpPr>
+            <p:cNvPr id="23" name="pl23"/>
+            <p:cNvSpPr/>
+            <p:nvPr/>
+          </p:nvSpPr>
+          <p:spPr>
+            <a:xfrm>
+              <a:off x="6168921" y="1369751"/>
               <a:ext cx="0" cy="3748967"/>
             </a:xfrm>
             <a:custGeom>
@@ -9895,19 +10544,49 @@
             <a:bodyPr/>
             <a:lstStyle/>
             <a:p>
-              <a:endParaRPr/>
-            </a:p>
-          </p:txBody>
-        </p:sp>
-        <p:sp>
-          <p:nvSpPr>
-            <p:cNvPr id="23" name="pl23"/>
-            <p:cNvSpPr/>
-            <p:nvPr/>
-          </p:nvSpPr>
-          <p:spPr>
-            <a:xfrm>
-              <a:off x="5827212" y="1369751"/>
+              <a:pPr marL="0" marR="0" lvl="0" indent="0" algn="l" defTabSz="995964" rtl="0" eaLnBrk="1" fontAlgn="auto" latinLnBrk="0" hangingPunct="1">
+                <a:lnSpc>
+                  <a:spcPct val="100000"/>
+                </a:lnSpc>
+                <a:spcBef>
+                  <a:spcPts val="0"/>
+                </a:spcBef>
+                <a:spcAft>
+                  <a:spcPts val="0"/>
+                </a:spcAft>
+                <a:buClrTx/>
+                <a:buSzTx/>
+                <a:buFontTx/>
+                <a:buNone/>
+                <a:tabLst/>
+                <a:defRPr/>
+              </a:pPr>
+              <a:endParaRPr kumimoji="0" sz="2000" b="0" i="0" u="none" strike="noStrike" kern="1200" cap="none" spc="0" normalizeH="0" baseline="0" noProof="0">
+                <a:ln>
+                  <a:noFill/>
+                </a:ln>
+                <a:solidFill>
+                  <a:prstClr val="black"/>
+                </a:solidFill>
+                <a:effectLst/>
+                <a:uLnTx/>
+                <a:uFillTx/>
+                <a:latin typeface="Calibri"/>
+                <a:ea typeface="+mn-ea"/>
+                <a:cs typeface="+mn-cs"/>
+              </a:endParaRPr>
+            </a:p>
+          </p:txBody>
+        </p:sp>
+        <p:sp>
+          <p:nvSpPr>
+            <p:cNvPr id="24" name="pl24"/>
+            <p:cNvSpPr/>
+            <p:nvPr/>
+          </p:nvSpPr>
+          <p:spPr>
+            <a:xfrm>
+              <a:off x="6489664" y="1369751"/>
               <a:ext cx="0" cy="3748967"/>
             </a:xfrm>
             <a:custGeom>
@@ -9944,19 +10623,49 @@
             <a:bodyPr/>
             <a:lstStyle/>
             <a:p>
-              <a:endParaRPr/>
-            </a:p>
-          </p:txBody>
-        </p:sp>
-        <p:sp>
-          <p:nvSpPr>
-            <p:cNvPr id="24" name="pl24"/>
-            <p:cNvSpPr/>
-            <p:nvPr/>
-          </p:nvSpPr>
-          <p:spPr>
-            <a:xfrm>
-              <a:off x="6082786" y="1369751"/>
+              <a:pPr marL="0" marR="0" lvl="0" indent="0" algn="l" defTabSz="995964" rtl="0" eaLnBrk="1" fontAlgn="auto" latinLnBrk="0" hangingPunct="1">
+                <a:lnSpc>
+                  <a:spcPct val="100000"/>
+                </a:lnSpc>
+                <a:spcBef>
+                  <a:spcPts val="0"/>
+                </a:spcBef>
+                <a:spcAft>
+                  <a:spcPts val="0"/>
+                </a:spcAft>
+                <a:buClrTx/>
+                <a:buSzTx/>
+                <a:buFontTx/>
+                <a:buNone/>
+                <a:tabLst/>
+                <a:defRPr/>
+              </a:pPr>
+              <a:endParaRPr kumimoji="0" sz="2000" b="0" i="0" u="none" strike="noStrike" kern="1200" cap="none" spc="0" normalizeH="0" baseline="0" noProof="0">
+                <a:ln>
+                  <a:noFill/>
+                </a:ln>
+                <a:solidFill>
+                  <a:prstClr val="black"/>
+                </a:solidFill>
+                <a:effectLst/>
+                <a:uLnTx/>
+                <a:uFillTx/>
+                <a:latin typeface="Calibri"/>
+                <a:ea typeface="+mn-ea"/>
+                <a:cs typeface="+mn-cs"/>
+              </a:endParaRPr>
+            </a:p>
+          </p:txBody>
+        </p:sp>
+        <p:sp>
+          <p:nvSpPr>
+            <p:cNvPr id="25" name="pl25"/>
+            <p:cNvSpPr/>
+            <p:nvPr/>
+          </p:nvSpPr>
+          <p:spPr>
+            <a:xfrm>
+              <a:off x="6810407" y="1369751"/>
               <a:ext cx="0" cy="3748967"/>
             </a:xfrm>
             <a:custGeom>
@@ -9993,20 +10702,50 @@
             <a:bodyPr/>
             <a:lstStyle/>
             <a:p>
-              <a:endParaRPr/>
-            </a:p>
-          </p:txBody>
-        </p:sp>
-        <p:sp>
-          <p:nvSpPr>
-            <p:cNvPr id="25" name="pl25"/>
-            <p:cNvSpPr/>
-            <p:nvPr/>
-          </p:nvSpPr>
-          <p:spPr>
-            <a:xfrm>
-              <a:off x="6338360" y="1369751"/>
-              <a:ext cx="0" cy="3748967"/>
+              <a:pPr marL="0" marR="0" lvl="0" indent="0" algn="l" defTabSz="995964" rtl="0" eaLnBrk="1" fontAlgn="auto" latinLnBrk="0" hangingPunct="1">
+                <a:lnSpc>
+                  <a:spcPct val="100000"/>
+                </a:lnSpc>
+                <a:spcBef>
+                  <a:spcPts val="0"/>
+                </a:spcBef>
+                <a:spcAft>
+                  <a:spcPts val="0"/>
+                </a:spcAft>
+                <a:buClrTx/>
+                <a:buSzTx/>
+                <a:buFontTx/>
+                <a:buNone/>
+                <a:tabLst/>
+                <a:defRPr/>
+              </a:pPr>
+              <a:endParaRPr kumimoji="0" sz="2000" b="0" i="0" u="none" strike="noStrike" kern="1200" cap="none" spc="0" normalizeH="0" baseline="0" noProof="0">
+                <a:ln>
+                  <a:noFill/>
+                </a:ln>
+                <a:solidFill>
+                  <a:prstClr val="black"/>
+                </a:solidFill>
+                <a:effectLst/>
+                <a:uLnTx/>
+                <a:uFillTx/>
+                <a:latin typeface="Calibri"/>
+                <a:ea typeface="+mn-ea"/>
+                <a:cs typeface="+mn-cs"/>
+              </a:endParaRPr>
+            </a:p>
+          </p:txBody>
+        </p:sp>
+        <p:sp>
+          <p:nvSpPr>
+            <p:cNvPr id="26" name="pl26"/>
+            <p:cNvSpPr/>
+            <p:nvPr/>
+          </p:nvSpPr>
+          <p:spPr>
+            <a:xfrm>
+              <a:off x="4549168" y="3334215"/>
+              <a:ext cx="32074" cy="0"/>
             </a:xfrm>
             <a:custGeom>
               <a:avLst/>
@@ -10015,47 +10754,74 @@
               <a:cxnLst/>
               <a:rect l="0" t="0" r="0" b="0"/>
               <a:pathLst>
-                <a:path h="3748967">
+                <a:path w="32074">
                   <a:moveTo>
-                    <a:pt x="0" y="3748967"/>
+                    <a:pt x="0" y="0"/>
                   </a:moveTo>
                   <a:lnTo>
-                    <a:pt x="0" y="0"/>
-                  </a:lnTo>
-                  <a:lnTo>
-                    <a:pt x="0" y="0"/>
+                    <a:pt x="32074" y="0"/>
                   </a:lnTo>
                 </a:path>
               </a:pathLst>
             </a:custGeom>
             <a:ln w="13550" cap="flat">
               <a:solidFill>
-                <a:srgbClr val="FFFFFF">
-                  <a:alpha val="100000"/>
-                </a:srgbClr>
-              </a:solidFill>
-              <a:prstDash val="solid"/>
-              <a:round/>
-            </a:ln>
-          </p:spPr>
-          <p:txBody>
-            <a:bodyPr/>
-            <a:lstStyle/>
-            <a:p>
-              <a:endParaRPr/>
-            </a:p>
-          </p:txBody>
-        </p:sp>
-        <p:sp>
-          <p:nvSpPr>
-            <p:cNvPr id="26" name="pl26"/>
-            <p:cNvSpPr/>
-            <p:nvPr/>
-          </p:nvSpPr>
-          <p:spPr>
-            <a:xfrm>
-              <a:off x="6593935" y="1369751"/>
-              <a:ext cx="0" cy="3748967"/>
+                <a:srgbClr val="F8766D">
+                  <a:alpha val="100000"/>
+                </a:srgbClr>
+              </a:solidFill>
+              <a:prstDash val="solid"/>
+              <a:round/>
+            </a:ln>
+          </p:spPr>
+          <p:txBody>
+            <a:bodyPr/>
+            <a:lstStyle/>
+            <a:p>
+              <a:pPr marL="0" marR="0" lvl="0" indent="0" algn="l" defTabSz="995964" rtl="0" eaLnBrk="1" fontAlgn="auto" latinLnBrk="0" hangingPunct="1">
+                <a:lnSpc>
+                  <a:spcPct val="100000"/>
+                </a:lnSpc>
+                <a:spcBef>
+                  <a:spcPts val="0"/>
+                </a:spcBef>
+                <a:spcAft>
+                  <a:spcPts val="0"/>
+                </a:spcAft>
+                <a:buClrTx/>
+                <a:buSzTx/>
+                <a:buFontTx/>
+                <a:buNone/>
+                <a:tabLst/>
+                <a:defRPr/>
+              </a:pPr>
+              <a:endParaRPr kumimoji="0" sz="2000" b="0" i="0" u="none" strike="noStrike" kern="1200" cap="none" spc="0" normalizeH="0" baseline="0" noProof="0">
+                <a:ln>
+                  <a:noFill/>
+                </a:ln>
+                <a:solidFill>
+                  <a:prstClr val="black"/>
+                </a:solidFill>
+                <a:effectLst/>
+                <a:uLnTx/>
+                <a:uFillTx/>
+                <a:latin typeface="Calibri"/>
+                <a:ea typeface="+mn-ea"/>
+                <a:cs typeface="+mn-cs"/>
+              </a:endParaRPr>
+            </a:p>
+          </p:txBody>
+        </p:sp>
+        <p:sp>
+          <p:nvSpPr>
+            <p:cNvPr id="27" name="pl27"/>
+            <p:cNvSpPr/>
+            <p:nvPr/>
+          </p:nvSpPr>
+          <p:spPr>
+            <a:xfrm>
+              <a:off x="4565205" y="3334215"/>
+              <a:ext cx="0" cy="804802"/>
             </a:xfrm>
             <a:custGeom>
               <a:avLst/>
@@ -10064,47 +10830,74 @@
               <a:cxnLst/>
               <a:rect l="0" t="0" r="0" b="0"/>
               <a:pathLst>
-                <a:path h="3748967">
+                <a:path h="804802">
                   <a:moveTo>
-                    <a:pt x="0" y="3748967"/>
+                    <a:pt x="0" y="0"/>
                   </a:moveTo>
                   <a:lnTo>
-                    <a:pt x="0" y="0"/>
-                  </a:lnTo>
-                  <a:lnTo>
-                    <a:pt x="0" y="0"/>
+                    <a:pt x="0" y="804802"/>
                   </a:lnTo>
                 </a:path>
               </a:pathLst>
             </a:custGeom>
             <a:ln w="13550" cap="flat">
               <a:solidFill>
-                <a:srgbClr val="FFFFFF">
-                  <a:alpha val="100000"/>
-                </a:srgbClr>
-              </a:solidFill>
-              <a:prstDash val="solid"/>
-              <a:round/>
-            </a:ln>
-          </p:spPr>
-          <p:txBody>
-            <a:bodyPr/>
-            <a:lstStyle/>
-            <a:p>
-              <a:endParaRPr/>
-            </a:p>
-          </p:txBody>
-        </p:sp>
-        <p:sp>
-          <p:nvSpPr>
-            <p:cNvPr id="27" name="pl27"/>
-            <p:cNvSpPr/>
-            <p:nvPr/>
-          </p:nvSpPr>
-          <p:spPr>
-            <a:xfrm>
-              <a:off x="6849509" y="1369751"/>
-              <a:ext cx="0" cy="3748967"/>
+                <a:srgbClr val="F8766D">
+                  <a:alpha val="100000"/>
+                </a:srgbClr>
+              </a:solidFill>
+              <a:prstDash val="solid"/>
+              <a:round/>
+            </a:ln>
+          </p:spPr>
+          <p:txBody>
+            <a:bodyPr/>
+            <a:lstStyle/>
+            <a:p>
+              <a:pPr marL="0" marR="0" lvl="0" indent="0" algn="l" defTabSz="995964" rtl="0" eaLnBrk="1" fontAlgn="auto" latinLnBrk="0" hangingPunct="1">
+                <a:lnSpc>
+                  <a:spcPct val="100000"/>
+                </a:lnSpc>
+                <a:spcBef>
+                  <a:spcPts val="0"/>
+                </a:spcBef>
+                <a:spcAft>
+                  <a:spcPts val="0"/>
+                </a:spcAft>
+                <a:buClrTx/>
+                <a:buSzTx/>
+                <a:buFontTx/>
+                <a:buNone/>
+                <a:tabLst/>
+                <a:defRPr/>
+              </a:pPr>
+              <a:endParaRPr kumimoji="0" sz="2000" b="0" i="0" u="none" strike="noStrike" kern="1200" cap="none" spc="0" normalizeH="0" baseline="0" noProof="0">
+                <a:ln>
+                  <a:noFill/>
+                </a:ln>
+                <a:solidFill>
+                  <a:prstClr val="black"/>
+                </a:solidFill>
+                <a:effectLst/>
+                <a:uLnTx/>
+                <a:uFillTx/>
+                <a:latin typeface="Calibri"/>
+                <a:ea typeface="+mn-ea"/>
+                <a:cs typeface="+mn-cs"/>
+              </a:endParaRPr>
+            </a:p>
+          </p:txBody>
+        </p:sp>
+        <p:sp>
+          <p:nvSpPr>
+            <p:cNvPr id="28" name="pl28"/>
+            <p:cNvSpPr/>
+            <p:nvPr/>
+          </p:nvSpPr>
+          <p:spPr>
+            <a:xfrm>
+              <a:off x="4549168" y="4139018"/>
+              <a:ext cx="32074" cy="0"/>
             </a:xfrm>
             <a:custGeom>
               <a:avLst/>
@@ -10113,47 +10906,74 @@
               <a:cxnLst/>
               <a:rect l="0" t="0" r="0" b="0"/>
               <a:pathLst>
-                <a:path h="3748967">
+                <a:path w="32074">
                   <a:moveTo>
-                    <a:pt x="0" y="3748967"/>
+                    <a:pt x="0" y="0"/>
                   </a:moveTo>
                   <a:lnTo>
-                    <a:pt x="0" y="0"/>
-                  </a:lnTo>
-                  <a:lnTo>
-                    <a:pt x="0" y="0"/>
+                    <a:pt x="32074" y="0"/>
                   </a:lnTo>
                 </a:path>
               </a:pathLst>
             </a:custGeom>
             <a:ln w="13550" cap="flat">
               <a:solidFill>
-                <a:srgbClr val="FFFFFF">
-                  <a:alpha val="100000"/>
-                </a:srgbClr>
-              </a:solidFill>
-              <a:prstDash val="solid"/>
-              <a:round/>
-            </a:ln>
-          </p:spPr>
-          <p:txBody>
-            <a:bodyPr/>
-            <a:lstStyle/>
-            <a:p>
-              <a:endParaRPr/>
-            </a:p>
-          </p:txBody>
-        </p:sp>
-        <p:sp>
-          <p:nvSpPr>
-            <p:cNvPr id="31" name="pl31"/>
-            <p:cNvSpPr/>
-            <p:nvPr/>
-          </p:nvSpPr>
-          <p:spPr>
-            <a:xfrm>
-              <a:off x="4536563" y="4000435"/>
-              <a:ext cx="25557" cy="0"/>
+                <a:srgbClr val="F8766D">
+                  <a:alpha val="100000"/>
+                </a:srgbClr>
+              </a:solidFill>
+              <a:prstDash val="solid"/>
+              <a:round/>
+            </a:ln>
+          </p:spPr>
+          <p:txBody>
+            <a:bodyPr/>
+            <a:lstStyle/>
+            <a:p>
+              <a:pPr marL="0" marR="0" lvl="0" indent="0" algn="l" defTabSz="995964" rtl="0" eaLnBrk="1" fontAlgn="auto" latinLnBrk="0" hangingPunct="1">
+                <a:lnSpc>
+                  <a:spcPct val="100000"/>
+                </a:lnSpc>
+                <a:spcBef>
+                  <a:spcPts val="0"/>
+                </a:spcBef>
+                <a:spcAft>
+                  <a:spcPts val="0"/>
+                </a:spcAft>
+                <a:buClrTx/>
+                <a:buSzTx/>
+                <a:buFontTx/>
+                <a:buNone/>
+                <a:tabLst/>
+                <a:defRPr/>
+              </a:pPr>
+              <a:endParaRPr kumimoji="0" sz="2000" b="0" i="0" u="none" strike="noStrike" kern="1200" cap="none" spc="0" normalizeH="0" baseline="0" noProof="0">
+                <a:ln>
+                  <a:noFill/>
+                </a:ln>
+                <a:solidFill>
+                  <a:prstClr val="black"/>
+                </a:solidFill>
+                <a:effectLst/>
+                <a:uLnTx/>
+                <a:uFillTx/>
+                <a:latin typeface="Calibri"/>
+                <a:ea typeface="+mn-ea"/>
+                <a:cs typeface="+mn-cs"/>
+              </a:endParaRPr>
+            </a:p>
+          </p:txBody>
+        </p:sp>
+        <p:sp>
+          <p:nvSpPr>
+            <p:cNvPr id="29" name="pl29"/>
+            <p:cNvSpPr/>
+            <p:nvPr/>
+          </p:nvSpPr>
+          <p:spPr>
+            <a:xfrm>
+              <a:off x="4228425" y="3779328"/>
+              <a:ext cx="32074" cy="0"/>
             </a:xfrm>
             <a:custGeom>
               <a:avLst/>
@@ -10162,12 +10982,12 @@
               <a:cxnLst/>
               <a:rect l="0" t="0" r="0" b="0"/>
               <a:pathLst>
-                <a:path w="25557">
+                <a:path w="32074">
                   <a:moveTo>
                     <a:pt x="0" y="0"/>
                   </a:moveTo>
                   <a:lnTo>
-                    <a:pt x="25557" y="0"/>
+                    <a:pt x="32074" y="0"/>
                   </a:lnTo>
                 </a:path>
               </a:pathLst>
@@ -10186,20 +11006,50 @@
             <a:bodyPr/>
             <a:lstStyle/>
             <a:p>
-              <a:endParaRPr/>
-            </a:p>
-          </p:txBody>
-        </p:sp>
-        <p:sp>
-          <p:nvSpPr>
-            <p:cNvPr id="32" name="pl32"/>
-            <p:cNvSpPr/>
-            <p:nvPr/>
-          </p:nvSpPr>
-          <p:spPr>
-            <a:xfrm>
-              <a:off x="4549342" y="4000435"/>
-              <a:ext cx="0" cy="340242"/>
+              <a:pPr marL="0" marR="0" lvl="0" indent="0" algn="l" defTabSz="995964" rtl="0" eaLnBrk="1" fontAlgn="auto" latinLnBrk="0" hangingPunct="1">
+                <a:lnSpc>
+                  <a:spcPct val="100000"/>
+                </a:lnSpc>
+                <a:spcBef>
+                  <a:spcPts val="0"/>
+                </a:spcBef>
+                <a:spcAft>
+                  <a:spcPts val="0"/>
+                </a:spcAft>
+                <a:buClrTx/>
+                <a:buSzTx/>
+                <a:buFontTx/>
+                <a:buNone/>
+                <a:tabLst/>
+                <a:defRPr/>
+              </a:pPr>
+              <a:endParaRPr kumimoji="0" sz="2000" b="0" i="0" u="none" strike="noStrike" kern="1200" cap="none" spc="0" normalizeH="0" baseline="0" noProof="0">
+                <a:ln>
+                  <a:noFill/>
+                </a:ln>
+                <a:solidFill>
+                  <a:prstClr val="black"/>
+                </a:solidFill>
+                <a:effectLst/>
+                <a:uLnTx/>
+                <a:uFillTx/>
+                <a:latin typeface="Calibri"/>
+                <a:ea typeface="+mn-ea"/>
+                <a:cs typeface="+mn-cs"/>
+              </a:endParaRPr>
+            </a:p>
+          </p:txBody>
+        </p:sp>
+        <p:sp>
+          <p:nvSpPr>
+            <p:cNvPr id="30" name="pl30"/>
+            <p:cNvSpPr/>
+            <p:nvPr/>
+          </p:nvSpPr>
+          <p:spPr>
+            <a:xfrm>
+              <a:off x="4244462" y="3779328"/>
+              <a:ext cx="0" cy="389186"/>
             </a:xfrm>
             <a:custGeom>
               <a:avLst/>
@@ -10208,12 +11058,12 @@
               <a:cxnLst/>
               <a:rect l="0" t="0" r="0" b="0"/>
               <a:pathLst>
-                <a:path h="340242">
+                <a:path h="389186">
                   <a:moveTo>
                     <a:pt x="0" y="0"/>
                   </a:moveTo>
                   <a:lnTo>
-                    <a:pt x="0" y="340242"/>
+                    <a:pt x="0" y="389186"/>
                   </a:lnTo>
                 </a:path>
               </a:pathLst>
@@ -10232,20 +11082,50 @@
             <a:bodyPr/>
             <a:lstStyle/>
             <a:p>
-              <a:endParaRPr/>
-            </a:p>
-          </p:txBody>
-        </p:sp>
-        <p:sp>
-          <p:nvSpPr>
-            <p:cNvPr id="33" name="pl33"/>
-            <p:cNvSpPr/>
-            <p:nvPr/>
-          </p:nvSpPr>
-          <p:spPr>
-            <a:xfrm>
-              <a:off x="4536563" y="4340678"/>
-              <a:ext cx="25557" cy="0"/>
+              <a:pPr marL="0" marR="0" lvl="0" indent="0" algn="l" defTabSz="995964" rtl="0" eaLnBrk="1" fontAlgn="auto" latinLnBrk="0" hangingPunct="1">
+                <a:lnSpc>
+                  <a:spcPct val="100000"/>
+                </a:lnSpc>
+                <a:spcBef>
+                  <a:spcPts val="0"/>
+                </a:spcBef>
+                <a:spcAft>
+                  <a:spcPts val="0"/>
+                </a:spcAft>
+                <a:buClrTx/>
+                <a:buSzTx/>
+                <a:buFontTx/>
+                <a:buNone/>
+                <a:tabLst/>
+                <a:defRPr/>
+              </a:pPr>
+              <a:endParaRPr kumimoji="0" sz="2000" b="0" i="0" u="none" strike="noStrike" kern="1200" cap="none" spc="0" normalizeH="0" baseline="0" noProof="0">
+                <a:ln>
+                  <a:noFill/>
+                </a:ln>
+                <a:solidFill>
+                  <a:prstClr val="black"/>
+                </a:solidFill>
+                <a:effectLst/>
+                <a:uLnTx/>
+                <a:uFillTx/>
+                <a:latin typeface="Calibri"/>
+                <a:ea typeface="+mn-ea"/>
+                <a:cs typeface="+mn-cs"/>
+              </a:endParaRPr>
+            </a:p>
+          </p:txBody>
+        </p:sp>
+        <p:sp>
+          <p:nvSpPr>
+            <p:cNvPr id="31" name="pl31"/>
+            <p:cNvSpPr/>
+            <p:nvPr/>
+          </p:nvSpPr>
+          <p:spPr>
+            <a:xfrm>
+              <a:off x="4228425" y="4168514"/>
+              <a:ext cx="32074" cy="0"/>
             </a:xfrm>
             <a:custGeom>
               <a:avLst/>
@@ -10254,12 +11134,12 @@
               <a:cxnLst/>
               <a:rect l="0" t="0" r="0" b="0"/>
               <a:pathLst>
-                <a:path w="25557">
+                <a:path w="32074">
                   <a:moveTo>
                     <a:pt x="0" y="0"/>
                   </a:moveTo>
                   <a:lnTo>
-                    <a:pt x="25557" y="0"/>
+                    <a:pt x="32074" y="0"/>
                   </a:lnTo>
                 </a:path>
               </a:pathLst>
@@ -10278,20 +11158,50 @@
             <a:bodyPr/>
             <a:lstStyle/>
             <a:p>
-              <a:endParaRPr/>
-            </a:p>
-          </p:txBody>
-        </p:sp>
-        <p:sp>
-          <p:nvSpPr>
-            <p:cNvPr id="34" name="pl34"/>
-            <p:cNvSpPr/>
-            <p:nvPr/>
-          </p:nvSpPr>
-          <p:spPr>
-            <a:xfrm>
-              <a:off x="4280989" y="4188613"/>
-              <a:ext cx="25557" cy="0"/>
+              <a:pPr marL="0" marR="0" lvl="0" indent="0" algn="l" defTabSz="995964" rtl="0" eaLnBrk="1" fontAlgn="auto" latinLnBrk="0" hangingPunct="1">
+                <a:lnSpc>
+                  <a:spcPct val="100000"/>
+                </a:lnSpc>
+                <a:spcBef>
+                  <a:spcPts val="0"/>
+                </a:spcBef>
+                <a:spcAft>
+                  <a:spcPts val="0"/>
+                </a:spcAft>
+                <a:buClrTx/>
+                <a:buSzTx/>
+                <a:buFontTx/>
+                <a:buNone/>
+                <a:tabLst/>
+                <a:defRPr/>
+              </a:pPr>
+              <a:endParaRPr kumimoji="0" sz="2000" b="0" i="0" u="none" strike="noStrike" kern="1200" cap="none" spc="0" normalizeH="0" baseline="0" noProof="0">
+                <a:ln>
+                  <a:noFill/>
+                </a:ln>
+                <a:solidFill>
+                  <a:prstClr val="black"/>
+                </a:solidFill>
+                <a:effectLst/>
+                <a:uLnTx/>
+                <a:uFillTx/>
+                <a:latin typeface="Calibri"/>
+                <a:ea typeface="+mn-ea"/>
+                <a:cs typeface="+mn-cs"/>
+              </a:endParaRPr>
+            </a:p>
+          </p:txBody>
+        </p:sp>
+        <p:sp>
+          <p:nvSpPr>
+            <p:cNvPr id="32" name="pl32"/>
+            <p:cNvSpPr/>
+            <p:nvPr/>
+          </p:nvSpPr>
+          <p:spPr>
+            <a:xfrm>
+              <a:off x="4869911" y="4080456"/>
+              <a:ext cx="32074" cy="0"/>
             </a:xfrm>
             <a:custGeom>
               <a:avLst/>
@@ -10300,12 +11210,12 @@
               <a:cxnLst/>
               <a:rect l="0" t="0" r="0" b="0"/>
               <a:pathLst>
-                <a:path w="25557">
+                <a:path w="32074">
                   <a:moveTo>
                     <a:pt x="0" y="0"/>
                   </a:moveTo>
                   <a:lnTo>
-                    <a:pt x="25557" y="0"/>
+                    <a:pt x="32074" y="0"/>
                   </a:lnTo>
                 </a:path>
               </a:pathLst>
@@ -10324,20 +11234,50 @@
             <a:bodyPr/>
             <a:lstStyle/>
             <a:p>
-              <a:endParaRPr/>
-            </a:p>
-          </p:txBody>
-        </p:sp>
-        <p:sp>
-          <p:nvSpPr>
-            <p:cNvPr id="35" name="pl35"/>
-            <p:cNvSpPr/>
-            <p:nvPr/>
-          </p:nvSpPr>
-          <p:spPr>
-            <a:xfrm>
-              <a:off x="4293767" y="4188613"/>
-              <a:ext cx="0" cy="164534"/>
+              <a:pPr marL="0" marR="0" lvl="0" indent="0" algn="l" defTabSz="995964" rtl="0" eaLnBrk="1" fontAlgn="auto" latinLnBrk="0" hangingPunct="1">
+                <a:lnSpc>
+                  <a:spcPct val="100000"/>
+                </a:lnSpc>
+                <a:spcBef>
+                  <a:spcPts val="0"/>
+                </a:spcBef>
+                <a:spcAft>
+                  <a:spcPts val="0"/>
+                </a:spcAft>
+                <a:buClrTx/>
+                <a:buSzTx/>
+                <a:buFontTx/>
+                <a:buNone/>
+                <a:tabLst/>
+                <a:defRPr/>
+              </a:pPr>
+              <a:endParaRPr kumimoji="0" sz="2000" b="0" i="0" u="none" strike="noStrike" kern="1200" cap="none" spc="0" normalizeH="0" baseline="0" noProof="0">
+                <a:ln>
+                  <a:noFill/>
+                </a:ln>
+                <a:solidFill>
+                  <a:prstClr val="black"/>
+                </a:solidFill>
+                <a:effectLst/>
+                <a:uLnTx/>
+                <a:uFillTx/>
+                <a:latin typeface="Calibri"/>
+                <a:ea typeface="+mn-ea"/>
+                <a:cs typeface="+mn-cs"/>
+              </a:endParaRPr>
+            </a:p>
+          </p:txBody>
+        </p:sp>
+        <p:sp>
+          <p:nvSpPr>
+            <p:cNvPr id="33" name="pl33"/>
+            <p:cNvSpPr/>
+            <p:nvPr/>
+          </p:nvSpPr>
+          <p:spPr>
+            <a:xfrm>
+              <a:off x="4885949" y="4080456"/>
+              <a:ext cx="0" cy="46094"/>
             </a:xfrm>
             <a:custGeom>
               <a:avLst/>
@@ -10346,12 +11286,12 @@
               <a:cxnLst/>
               <a:rect l="0" t="0" r="0" b="0"/>
               <a:pathLst>
-                <a:path h="164534">
+                <a:path h="46094">
                   <a:moveTo>
                     <a:pt x="0" y="0"/>
                   </a:moveTo>
                   <a:lnTo>
-                    <a:pt x="0" y="164534"/>
+                    <a:pt x="0" y="46094"/>
                   </a:lnTo>
                 </a:path>
               </a:pathLst>
@@ -10370,20 +11310,50 @@
             <a:bodyPr/>
             <a:lstStyle/>
             <a:p>
-              <a:endParaRPr/>
-            </a:p>
-          </p:txBody>
-        </p:sp>
-        <p:sp>
-          <p:nvSpPr>
-            <p:cNvPr id="36" name="pl36"/>
-            <p:cNvSpPr/>
-            <p:nvPr/>
-          </p:nvSpPr>
-          <p:spPr>
-            <a:xfrm>
-              <a:off x="4280989" y="4353148"/>
-              <a:ext cx="25557" cy="0"/>
+              <a:pPr marL="0" marR="0" lvl="0" indent="0" algn="l" defTabSz="995964" rtl="0" eaLnBrk="1" fontAlgn="auto" latinLnBrk="0" hangingPunct="1">
+                <a:lnSpc>
+                  <a:spcPct val="100000"/>
+                </a:lnSpc>
+                <a:spcBef>
+                  <a:spcPts val="0"/>
+                </a:spcBef>
+                <a:spcAft>
+                  <a:spcPts val="0"/>
+                </a:spcAft>
+                <a:buClrTx/>
+                <a:buSzTx/>
+                <a:buFontTx/>
+                <a:buNone/>
+                <a:tabLst/>
+                <a:defRPr/>
+              </a:pPr>
+              <a:endParaRPr kumimoji="0" sz="2000" b="0" i="0" u="none" strike="noStrike" kern="1200" cap="none" spc="0" normalizeH="0" baseline="0" noProof="0">
+                <a:ln>
+                  <a:noFill/>
+                </a:ln>
+                <a:solidFill>
+                  <a:prstClr val="black"/>
+                </a:solidFill>
+                <a:effectLst/>
+                <a:uLnTx/>
+                <a:uFillTx/>
+                <a:latin typeface="Calibri"/>
+                <a:ea typeface="+mn-ea"/>
+                <a:cs typeface="+mn-cs"/>
+              </a:endParaRPr>
+            </a:p>
+          </p:txBody>
+        </p:sp>
+        <p:sp>
+          <p:nvSpPr>
+            <p:cNvPr id="34" name="pl34"/>
+            <p:cNvSpPr/>
+            <p:nvPr/>
+          </p:nvSpPr>
+          <p:spPr>
+            <a:xfrm>
+              <a:off x="4869911" y="4126550"/>
+              <a:ext cx="32074" cy="0"/>
             </a:xfrm>
             <a:custGeom>
               <a:avLst/>
@@ -10392,12 +11362,12 @@
               <a:cxnLst/>
               <a:rect l="0" t="0" r="0" b="0"/>
               <a:pathLst>
-                <a:path w="25557">
+                <a:path w="32074">
                   <a:moveTo>
                     <a:pt x="0" y="0"/>
                   </a:moveTo>
                   <a:lnTo>
-                    <a:pt x="25557" y="0"/>
+                    <a:pt x="32074" y="0"/>
                   </a:lnTo>
                 </a:path>
               </a:pathLst>
@@ -10416,20 +11386,50 @@
             <a:bodyPr/>
             <a:lstStyle/>
             <a:p>
-              <a:endParaRPr/>
-            </a:p>
-          </p:txBody>
-        </p:sp>
-        <p:sp>
-          <p:nvSpPr>
-            <p:cNvPr id="37" name="pl37"/>
-            <p:cNvSpPr/>
-            <p:nvPr/>
-          </p:nvSpPr>
-          <p:spPr>
-            <a:xfrm>
-              <a:off x="4792137" y="4315920"/>
-              <a:ext cx="25557" cy="0"/>
+              <a:pPr marL="0" marR="0" lvl="0" indent="0" algn="l" defTabSz="995964" rtl="0" eaLnBrk="1" fontAlgn="auto" latinLnBrk="0" hangingPunct="1">
+                <a:lnSpc>
+                  <a:spcPct val="100000"/>
+                </a:lnSpc>
+                <a:spcBef>
+                  <a:spcPts val="0"/>
+                </a:spcBef>
+                <a:spcAft>
+                  <a:spcPts val="0"/>
+                </a:spcAft>
+                <a:buClrTx/>
+                <a:buSzTx/>
+                <a:buFontTx/>
+                <a:buNone/>
+                <a:tabLst/>
+                <a:defRPr/>
+              </a:pPr>
+              <a:endParaRPr kumimoji="0" sz="2000" b="0" i="0" u="none" strike="noStrike" kern="1200" cap="none" spc="0" normalizeH="0" baseline="0" noProof="0">
+                <a:ln>
+                  <a:noFill/>
+                </a:ln>
+                <a:solidFill>
+                  <a:prstClr val="black"/>
+                </a:solidFill>
+                <a:effectLst/>
+                <a:uLnTx/>
+                <a:uFillTx/>
+                <a:latin typeface="Calibri"/>
+                <a:ea typeface="+mn-ea"/>
+                <a:cs typeface="+mn-cs"/>
+              </a:endParaRPr>
+            </a:p>
+          </p:txBody>
+        </p:sp>
+        <p:sp>
+          <p:nvSpPr>
+            <p:cNvPr id="35" name="pl35"/>
+            <p:cNvSpPr/>
+            <p:nvPr/>
+          </p:nvSpPr>
+          <p:spPr>
+            <a:xfrm>
+              <a:off x="5511398" y="1540159"/>
+              <a:ext cx="32074" cy="0"/>
             </a:xfrm>
             <a:custGeom>
               <a:avLst/>
@@ -10438,12 +11438,12 @@
               <a:cxnLst/>
               <a:rect l="0" t="0" r="0" b="0"/>
               <a:pathLst>
-                <a:path w="25557">
+                <a:path w="32074">
                   <a:moveTo>
                     <a:pt x="0" y="0"/>
                   </a:moveTo>
                   <a:lnTo>
-                    <a:pt x="25557" y="0"/>
+                    <a:pt x="32074" y="0"/>
                   </a:lnTo>
                 </a:path>
               </a:pathLst>
@@ -10462,20 +11462,50 @@
             <a:bodyPr/>
             <a:lstStyle/>
             <a:p>
-              <a:endParaRPr/>
-            </a:p>
-          </p:txBody>
-        </p:sp>
-        <p:sp>
-          <p:nvSpPr>
-            <p:cNvPr id="38" name="pl38"/>
-            <p:cNvSpPr/>
-            <p:nvPr/>
-          </p:nvSpPr>
-          <p:spPr>
-            <a:xfrm>
-              <a:off x="4804916" y="4315920"/>
-              <a:ext cx="0" cy="19487"/>
+              <a:pPr marL="0" marR="0" lvl="0" indent="0" algn="l" defTabSz="995964" rtl="0" eaLnBrk="1" fontAlgn="auto" latinLnBrk="0" hangingPunct="1">
+                <a:lnSpc>
+                  <a:spcPct val="100000"/>
+                </a:lnSpc>
+                <a:spcBef>
+                  <a:spcPts val="0"/>
+                </a:spcBef>
+                <a:spcAft>
+                  <a:spcPts val="0"/>
+                </a:spcAft>
+                <a:buClrTx/>
+                <a:buSzTx/>
+                <a:buFontTx/>
+                <a:buNone/>
+                <a:tabLst/>
+                <a:defRPr/>
+              </a:pPr>
+              <a:endParaRPr kumimoji="0" sz="2000" b="0" i="0" u="none" strike="noStrike" kern="1200" cap="none" spc="0" normalizeH="0" baseline="0" noProof="0">
+                <a:ln>
+                  <a:noFill/>
+                </a:ln>
+                <a:solidFill>
+                  <a:prstClr val="black"/>
+                </a:solidFill>
+                <a:effectLst/>
+                <a:uLnTx/>
+                <a:uFillTx/>
+                <a:latin typeface="Calibri"/>
+                <a:ea typeface="+mn-ea"/>
+                <a:cs typeface="+mn-cs"/>
+              </a:endParaRPr>
+            </a:p>
+          </p:txBody>
+        </p:sp>
+        <p:sp>
+          <p:nvSpPr>
+            <p:cNvPr id="36" name="pl36"/>
+            <p:cNvSpPr/>
+            <p:nvPr/>
+          </p:nvSpPr>
+          <p:spPr>
+            <a:xfrm>
+              <a:off x="5527435" y="1540159"/>
+              <a:ext cx="0" cy="2491354"/>
             </a:xfrm>
             <a:custGeom>
               <a:avLst/>
@@ -10484,12 +11514,12 @@
               <a:cxnLst/>
               <a:rect l="0" t="0" r="0" b="0"/>
               <a:pathLst>
-                <a:path h="19487">
+                <a:path h="2491354">
                   <a:moveTo>
                     <a:pt x="0" y="0"/>
                   </a:moveTo>
                   <a:lnTo>
-                    <a:pt x="0" y="19487"/>
+                    <a:pt x="0" y="2491354"/>
                   </a:lnTo>
                 </a:path>
               </a:pathLst>
@@ -10508,20 +11538,50 @@
             <a:bodyPr/>
             <a:lstStyle/>
             <a:p>
-              <a:endParaRPr/>
-            </a:p>
-          </p:txBody>
-        </p:sp>
-        <p:sp>
-          <p:nvSpPr>
-            <p:cNvPr id="39" name="pl39"/>
-            <p:cNvSpPr/>
-            <p:nvPr/>
-          </p:nvSpPr>
-          <p:spPr>
-            <a:xfrm>
-              <a:off x="4792137" y="4335407"/>
-              <a:ext cx="25557" cy="0"/>
+              <a:pPr marL="0" marR="0" lvl="0" indent="0" algn="l" defTabSz="995964" rtl="0" eaLnBrk="1" fontAlgn="auto" latinLnBrk="0" hangingPunct="1">
+                <a:lnSpc>
+                  <a:spcPct val="100000"/>
+                </a:lnSpc>
+                <a:spcBef>
+                  <a:spcPts val="0"/>
+                </a:spcBef>
+                <a:spcAft>
+                  <a:spcPts val="0"/>
+                </a:spcAft>
+                <a:buClrTx/>
+                <a:buSzTx/>
+                <a:buFontTx/>
+                <a:buNone/>
+                <a:tabLst/>
+                <a:defRPr/>
+              </a:pPr>
+              <a:endParaRPr kumimoji="0" sz="2000" b="0" i="0" u="none" strike="noStrike" kern="1200" cap="none" spc="0" normalizeH="0" baseline="0" noProof="0">
+                <a:ln>
+                  <a:noFill/>
+                </a:ln>
+                <a:solidFill>
+                  <a:prstClr val="black"/>
+                </a:solidFill>
+                <a:effectLst/>
+                <a:uLnTx/>
+                <a:uFillTx/>
+                <a:latin typeface="Calibri"/>
+                <a:ea typeface="+mn-ea"/>
+                <a:cs typeface="+mn-cs"/>
+              </a:endParaRPr>
+            </a:p>
+          </p:txBody>
+        </p:sp>
+        <p:sp>
+          <p:nvSpPr>
+            <p:cNvPr id="37" name="pl37"/>
+            <p:cNvSpPr/>
+            <p:nvPr/>
+          </p:nvSpPr>
+          <p:spPr>
+            <a:xfrm>
+              <a:off x="5511398" y="4031513"/>
+              <a:ext cx="32074" cy="0"/>
             </a:xfrm>
             <a:custGeom>
               <a:avLst/>
@@ -10530,12 +11590,12 @@
               <a:cxnLst/>
               <a:rect l="0" t="0" r="0" b="0"/>
               <a:pathLst>
-                <a:path w="25557">
+                <a:path w="32074">
                   <a:moveTo>
                     <a:pt x="0" y="0"/>
                   </a:moveTo>
                   <a:lnTo>
-                    <a:pt x="25557" y="0"/>
+                    <a:pt x="32074" y="0"/>
                   </a:lnTo>
                 </a:path>
               </a:pathLst>
@@ -10554,20 +11614,50 @@
             <a:bodyPr/>
             <a:lstStyle/>
             <a:p>
-              <a:endParaRPr/>
-            </a:p>
-          </p:txBody>
-        </p:sp>
-        <p:sp>
-          <p:nvSpPr>
-            <p:cNvPr id="43" name="pl43"/>
-            <p:cNvSpPr/>
-            <p:nvPr/>
-          </p:nvSpPr>
-          <p:spPr>
-            <a:xfrm>
-              <a:off x="5558859" y="3241969"/>
-              <a:ext cx="25557" cy="0"/>
+              <a:pPr marL="0" marR="0" lvl="0" indent="0" algn="l" defTabSz="995964" rtl="0" eaLnBrk="1" fontAlgn="auto" latinLnBrk="0" hangingPunct="1">
+                <a:lnSpc>
+                  <a:spcPct val="100000"/>
+                </a:lnSpc>
+                <a:spcBef>
+                  <a:spcPts val="0"/>
+                </a:spcBef>
+                <a:spcAft>
+                  <a:spcPts val="0"/>
+                </a:spcAft>
+                <a:buClrTx/>
+                <a:buSzTx/>
+                <a:buFontTx/>
+                <a:buNone/>
+                <a:tabLst/>
+                <a:defRPr/>
+              </a:pPr>
+              <a:endParaRPr kumimoji="0" sz="2000" b="0" i="0" u="none" strike="noStrike" kern="1200" cap="none" spc="0" normalizeH="0" baseline="0" noProof="0">
+                <a:ln>
+                  <a:noFill/>
+                </a:ln>
+                <a:solidFill>
+                  <a:prstClr val="black"/>
+                </a:solidFill>
+                <a:effectLst/>
+                <a:uLnTx/>
+                <a:uFillTx/>
+                <a:latin typeface="Calibri"/>
+                <a:ea typeface="+mn-ea"/>
+                <a:cs typeface="+mn-cs"/>
+              </a:endParaRPr>
+            </a:p>
+          </p:txBody>
+        </p:sp>
+        <p:sp>
+          <p:nvSpPr>
+            <p:cNvPr id="38" name="pl38"/>
+            <p:cNvSpPr/>
+            <p:nvPr/>
+          </p:nvSpPr>
+          <p:spPr>
+            <a:xfrm>
+              <a:off x="5190655" y="3671247"/>
+              <a:ext cx="32074" cy="0"/>
             </a:xfrm>
             <a:custGeom>
               <a:avLst/>
@@ -10576,12 +11666,12 @@
               <a:cxnLst/>
               <a:rect l="0" t="0" r="0" b="0"/>
               <a:pathLst>
-                <a:path w="25557">
+                <a:path w="32074">
                   <a:moveTo>
                     <a:pt x="0" y="0"/>
                   </a:moveTo>
                   <a:lnTo>
-                    <a:pt x="25557" y="0"/>
+                    <a:pt x="32074" y="0"/>
                   </a:lnTo>
                 </a:path>
               </a:pathLst>
@@ -10600,20 +11690,50 @@
             <a:bodyPr/>
             <a:lstStyle/>
             <a:p>
-              <a:endParaRPr/>
-            </a:p>
-          </p:txBody>
-        </p:sp>
-        <p:sp>
-          <p:nvSpPr>
-            <p:cNvPr id="44" name="pl44"/>
-            <p:cNvSpPr/>
-            <p:nvPr/>
-          </p:nvSpPr>
-          <p:spPr>
-            <a:xfrm>
-              <a:off x="5571638" y="3241969"/>
-              <a:ext cx="0" cy="1053258"/>
+              <a:pPr marL="0" marR="0" lvl="0" indent="0" algn="l" defTabSz="995964" rtl="0" eaLnBrk="1" fontAlgn="auto" latinLnBrk="0" hangingPunct="1">
+                <a:lnSpc>
+                  <a:spcPct val="100000"/>
+                </a:lnSpc>
+                <a:spcBef>
+                  <a:spcPts val="0"/>
+                </a:spcBef>
+                <a:spcAft>
+                  <a:spcPts val="0"/>
+                </a:spcAft>
+                <a:buClrTx/>
+                <a:buSzTx/>
+                <a:buFontTx/>
+                <a:buNone/>
+                <a:tabLst/>
+                <a:defRPr/>
+              </a:pPr>
+              <a:endParaRPr kumimoji="0" sz="2000" b="0" i="0" u="none" strike="noStrike" kern="1200" cap="none" spc="0" normalizeH="0" baseline="0" noProof="0">
+                <a:ln>
+                  <a:noFill/>
+                </a:ln>
+                <a:solidFill>
+                  <a:prstClr val="black"/>
+                </a:solidFill>
+                <a:effectLst/>
+                <a:uLnTx/>
+                <a:uFillTx/>
+                <a:latin typeface="Calibri"/>
+                <a:ea typeface="+mn-ea"/>
+                <a:cs typeface="+mn-cs"/>
+              </a:endParaRPr>
+            </a:p>
+          </p:txBody>
+        </p:sp>
+        <p:sp>
+          <p:nvSpPr>
+            <p:cNvPr id="39" name="pl39"/>
+            <p:cNvSpPr/>
+            <p:nvPr/>
+          </p:nvSpPr>
+          <p:spPr>
+            <a:xfrm>
+              <a:off x="5206692" y="3671247"/>
+              <a:ext cx="0" cy="911174"/>
             </a:xfrm>
             <a:custGeom>
               <a:avLst/>
@@ -10622,12 +11742,12 @@
               <a:cxnLst/>
               <a:rect l="0" t="0" r="0" b="0"/>
               <a:pathLst>
-                <a:path h="1053258">
+                <a:path h="911174">
                   <a:moveTo>
                     <a:pt x="0" y="0"/>
                   </a:moveTo>
                   <a:lnTo>
-                    <a:pt x="0" y="1053258"/>
+                    <a:pt x="0" y="911174"/>
                   </a:lnTo>
                 </a:path>
               </a:pathLst>
@@ -10646,20 +11766,50 @@
             <a:bodyPr/>
             <a:lstStyle/>
             <a:p>
-              <a:endParaRPr/>
-            </a:p>
-          </p:txBody>
-        </p:sp>
-        <p:sp>
-          <p:nvSpPr>
-            <p:cNvPr id="45" name="pl45"/>
-            <p:cNvSpPr/>
-            <p:nvPr/>
-          </p:nvSpPr>
-          <p:spPr>
-            <a:xfrm>
-              <a:off x="5558859" y="4295228"/>
-              <a:ext cx="25557" cy="0"/>
+              <a:pPr marL="0" marR="0" lvl="0" indent="0" algn="l" defTabSz="995964" rtl="0" eaLnBrk="1" fontAlgn="auto" latinLnBrk="0" hangingPunct="1">
+                <a:lnSpc>
+                  <a:spcPct val="100000"/>
+                </a:lnSpc>
+                <a:spcBef>
+                  <a:spcPts val="0"/>
+                </a:spcBef>
+                <a:spcAft>
+                  <a:spcPts val="0"/>
+                </a:spcAft>
+                <a:buClrTx/>
+                <a:buSzTx/>
+                <a:buFontTx/>
+                <a:buNone/>
+                <a:tabLst/>
+                <a:defRPr/>
+              </a:pPr>
+              <a:endParaRPr kumimoji="0" sz="2000" b="0" i="0" u="none" strike="noStrike" kern="1200" cap="none" spc="0" normalizeH="0" baseline="0" noProof="0">
+                <a:ln>
+                  <a:noFill/>
+                </a:ln>
+                <a:solidFill>
+                  <a:prstClr val="black"/>
+                </a:solidFill>
+                <a:effectLst/>
+                <a:uLnTx/>
+                <a:uFillTx/>
+                <a:latin typeface="Calibri"/>
+                <a:ea typeface="+mn-ea"/>
+                <a:cs typeface="+mn-cs"/>
+              </a:endParaRPr>
+            </a:p>
+          </p:txBody>
+        </p:sp>
+        <p:sp>
+          <p:nvSpPr>
+            <p:cNvPr id="40" name="pl40"/>
+            <p:cNvSpPr/>
+            <p:nvPr/>
+          </p:nvSpPr>
+          <p:spPr>
+            <a:xfrm>
+              <a:off x="5190655" y="4582421"/>
+              <a:ext cx="32074" cy="0"/>
             </a:xfrm>
             <a:custGeom>
               <a:avLst/>
@@ -10668,12 +11818,12 @@
               <a:cxnLst/>
               <a:rect l="0" t="0" r="0" b="0"/>
               <a:pathLst>
-                <a:path w="25557">
+                <a:path w="32074">
                   <a:moveTo>
                     <a:pt x="0" y="0"/>
                   </a:moveTo>
                   <a:lnTo>
-                    <a:pt x="25557" y="0"/>
+                    <a:pt x="32074" y="0"/>
                   </a:lnTo>
                 </a:path>
               </a:pathLst>
@@ -10692,20 +11842,50 @@
             <a:bodyPr/>
             <a:lstStyle/>
             <a:p>
-              <a:endParaRPr/>
-            </a:p>
-          </p:txBody>
-        </p:sp>
-        <p:sp>
-          <p:nvSpPr>
-            <p:cNvPr id="46" name="pl46"/>
-            <p:cNvSpPr/>
-            <p:nvPr/>
-          </p:nvSpPr>
-          <p:spPr>
-            <a:xfrm>
-              <a:off x="5303285" y="4142920"/>
-              <a:ext cx="25557" cy="0"/>
+              <a:pPr marL="0" marR="0" lvl="0" indent="0" algn="l" defTabSz="995964" rtl="0" eaLnBrk="1" fontAlgn="auto" latinLnBrk="0" hangingPunct="1">
+                <a:lnSpc>
+                  <a:spcPct val="100000"/>
+                </a:lnSpc>
+                <a:spcBef>
+                  <a:spcPts val="0"/>
+                </a:spcBef>
+                <a:spcAft>
+                  <a:spcPts val="0"/>
+                </a:spcAft>
+                <a:buClrTx/>
+                <a:buSzTx/>
+                <a:buFontTx/>
+                <a:buNone/>
+                <a:tabLst/>
+                <a:defRPr/>
+              </a:pPr>
+              <a:endParaRPr kumimoji="0" sz="2000" b="0" i="0" u="none" strike="noStrike" kern="1200" cap="none" spc="0" normalizeH="0" baseline="0" noProof="0">
+                <a:ln>
+                  <a:noFill/>
+                </a:ln>
+                <a:solidFill>
+                  <a:prstClr val="black"/>
+                </a:solidFill>
+                <a:effectLst/>
+                <a:uLnTx/>
+                <a:uFillTx/>
+                <a:latin typeface="Calibri"/>
+                <a:ea typeface="+mn-ea"/>
+                <a:cs typeface="+mn-cs"/>
+              </a:endParaRPr>
+            </a:p>
+          </p:txBody>
+        </p:sp>
+        <p:sp>
+          <p:nvSpPr>
+            <p:cNvPr id="41" name="pl41"/>
+            <p:cNvSpPr/>
+            <p:nvPr/>
+          </p:nvSpPr>
+          <p:spPr>
+            <a:xfrm>
+              <a:off x="5832141" y="3954858"/>
+              <a:ext cx="32074" cy="0"/>
             </a:xfrm>
             <a:custGeom>
               <a:avLst/>
@@ -10714,12 +11894,12 @@
               <a:cxnLst/>
               <a:rect l="0" t="0" r="0" b="0"/>
               <a:pathLst>
-                <a:path w="25557">
+                <a:path w="32074">
                   <a:moveTo>
                     <a:pt x="0" y="0"/>
                   </a:moveTo>
                   <a:lnTo>
-                    <a:pt x="25557" y="0"/>
+                    <a:pt x="32074" y="0"/>
                   </a:lnTo>
                 </a:path>
               </a:pathLst>
@@ -10738,20 +11918,50 @@
             <a:bodyPr/>
             <a:lstStyle/>
             <a:p>
-              <a:endParaRPr/>
-            </a:p>
-          </p:txBody>
-        </p:sp>
-        <p:sp>
-          <p:nvSpPr>
-            <p:cNvPr id="47" name="pl47"/>
-            <p:cNvSpPr/>
-            <p:nvPr/>
-          </p:nvSpPr>
-          <p:spPr>
-            <a:xfrm>
-              <a:off x="5316064" y="4142920"/>
-              <a:ext cx="0" cy="385213"/>
+              <a:pPr marL="0" marR="0" lvl="0" indent="0" algn="l" defTabSz="995964" rtl="0" eaLnBrk="1" fontAlgn="auto" latinLnBrk="0" hangingPunct="1">
+                <a:lnSpc>
+                  <a:spcPct val="100000"/>
+                </a:lnSpc>
+                <a:spcBef>
+                  <a:spcPts val="0"/>
+                </a:spcBef>
+                <a:spcAft>
+                  <a:spcPts val="0"/>
+                </a:spcAft>
+                <a:buClrTx/>
+                <a:buSzTx/>
+                <a:buFontTx/>
+                <a:buNone/>
+                <a:tabLst/>
+                <a:defRPr/>
+              </a:pPr>
+              <a:endParaRPr kumimoji="0" sz="2000" b="0" i="0" u="none" strike="noStrike" kern="1200" cap="none" spc="0" normalizeH="0" baseline="0" noProof="0">
+                <a:ln>
+                  <a:noFill/>
+                </a:ln>
+                <a:solidFill>
+                  <a:prstClr val="black"/>
+                </a:solidFill>
+                <a:effectLst/>
+                <a:uLnTx/>
+                <a:uFillTx/>
+                <a:latin typeface="Calibri"/>
+                <a:ea typeface="+mn-ea"/>
+                <a:cs typeface="+mn-cs"/>
+              </a:endParaRPr>
+            </a:p>
+          </p:txBody>
+        </p:sp>
+        <p:sp>
+          <p:nvSpPr>
+            <p:cNvPr id="42" name="pl42"/>
+            <p:cNvSpPr/>
+            <p:nvPr/>
+          </p:nvSpPr>
+          <p:spPr>
+            <a:xfrm>
+              <a:off x="5848178" y="3954858"/>
+              <a:ext cx="0" cy="249550"/>
             </a:xfrm>
             <a:custGeom>
               <a:avLst/>
@@ -10760,12 +11970,12 @@
               <a:cxnLst/>
               <a:rect l="0" t="0" r="0" b="0"/>
               <a:pathLst>
-                <a:path h="385213">
+                <a:path h="249550">
                   <a:moveTo>
                     <a:pt x="0" y="0"/>
                   </a:moveTo>
                   <a:lnTo>
-                    <a:pt x="0" y="385213"/>
+                    <a:pt x="0" y="249550"/>
                   </a:lnTo>
                 </a:path>
               </a:pathLst>
@@ -10784,20 +11994,50 @@
             <a:bodyPr/>
             <a:lstStyle/>
             <a:p>
-              <a:endParaRPr/>
-            </a:p>
-          </p:txBody>
-        </p:sp>
-        <p:sp>
-          <p:nvSpPr>
-            <p:cNvPr id="48" name="pl48"/>
-            <p:cNvSpPr/>
-            <p:nvPr/>
-          </p:nvSpPr>
-          <p:spPr>
-            <a:xfrm>
-              <a:off x="5303285" y="4528133"/>
-              <a:ext cx="25557" cy="0"/>
+              <a:pPr marL="0" marR="0" lvl="0" indent="0" algn="l" defTabSz="995964" rtl="0" eaLnBrk="1" fontAlgn="auto" latinLnBrk="0" hangingPunct="1">
+                <a:lnSpc>
+                  <a:spcPct val="100000"/>
+                </a:lnSpc>
+                <a:spcBef>
+                  <a:spcPts val="0"/>
+                </a:spcBef>
+                <a:spcAft>
+                  <a:spcPts val="0"/>
+                </a:spcAft>
+                <a:buClrTx/>
+                <a:buSzTx/>
+                <a:buFontTx/>
+                <a:buNone/>
+                <a:tabLst/>
+                <a:defRPr/>
+              </a:pPr>
+              <a:endParaRPr kumimoji="0" sz="2000" b="0" i="0" u="none" strike="noStrike" kern="1200" cap="none" spc="0" normalizeH="0" baseline="0" noProof="0">
+                <a:ln>
+                  <a:noFill/>
+                </a:ln>
+                <a:solidFill>
+                  <a:prstClr val="black"/>
+                </a:solidFill>
+                <a:effectLst/>
+                <a:uLnTx/>
+                <a:uFillTx/>
+                <a:latin typeface="Calibri"/>
+                <a:ea typeface="+mn-ea"/>
+                <a:cs typeface="+mn-cs"/>
+              </a:endParaRPr>
+            </a:p>
+          </p:txBody>
+        </p:sp>
+        <p:sp>
+          <p:nvSpPr>
+            <p:cNvPr id="43" name="pl43"/>
+            <p:cNvSpPr/>
+            <p:nvPr/>
+          </p:nvSpPr>
+          <p:spPr>
+            <a:xfrm>
+              <a:off x="5832141" y="4204408"/>
+              <a:ext cx="32074" cy="0"/>
             </a:xfrm>
             <a:custGeom>
               <a:avLst/>
@@ -10806,12 +12046,12 @@
               <a:cxnLst/>
               <a:rect l="0" t="0" r="0" b="0"/>
               <a:pathLst>
-                <a:path w="25557">
+                <a:path w="32074">
                   <a:moveTo>
                     <a:pt x="0" y="0"/>
                   </a:moveTo>
                   <a:lnTo>
-                    <a:pt x="25557" y="0"/>
+                    <a:pt x="32074" y="0"/>
                   </a:lnTo>
                 </a:path>
               </a:pathLst>
@@ -10830,20 +12070,50 @@
             <a:bodyPr/>
             <a:lstStyle/>
             <a:p>
-              <a:endParaRPr/>
-            </a:p>
-          </p:txBody>
-        </p:sp>
-        <p:sp>
-          <p:nvSpPr>
-            <p:cNvPr id="49" name="pl49"/>
-            <p:cNvSpPr/>
-            <p:nvPr/>
-          </p:nvSpPr>
-          <p:spPr>
-            <a:xfrm>
-              <a:off x="5814434" y="4262821"/>
-              <a:ext cx="25557" cy="0"/>
+              <a:pPr marL="0" marR="0" lvl="0" indent="0" algn="l" defTabSz="995964" rtl="0" eaLnBrk="1" fontAlgn="auto" latinLnBrk="0" hangingPunct="1">
+                <a:lnSpc>
+                  <a:spcPct val="100000"/>
+                </a:lnSpc>
+                <a:spcBef>
+                  <a:spcPts val="0"/>
+                </a:spcBef>
+                <a:spcAft>
+                  <a:spcPts val="0"/>
+                </a:spcAft>
+                <a:buClrTx/>
+                <a:buSzTx/>
+                <a:buFontTx/>
+                <a:buNone/>
+                <a:tabLst/>
+                <a:defRPr/>
+              </a:pPr>
+              <a:endParaRPr kumimoji="0" sz="2000" b="0" i="0" u="none" strike="noStrike" kern="1200" cap="none" spc="0" normalizeH="0" baseline="0" noProof="0">
+                <a:ln>
+                  <a:noFill/>
+                </a:ln>
+                <a:solidFill>
+                  <a:prstClr val="black"/>
+                </a:solidFill>
+                <a:effectLst/>
+                <a:uLnTx/>
+                <a:uFillTx/>
+                <a:latin typeface="Calibri"/>
+                <a:ea typeface="+mn-ea"/>
+                <a:cs typeface="+mn-cs"/>
+              </a:endParaRPr>
+            </a:p>
+          </p:txBody>
+        </p:sp>
+        <p:sp>
+          <p:nvSpPr>
+            <p:cNvPr id="44" name="pl44"/>
+            <p:cNvSpPr/>
+            <p:nvPr/>
+          </p:nvSpPr>
+          <p:spPr>
+            <a:xfrm>
+              <a:off x="6473627" y="2843411"/>
+              <a:ext cx="32074" cy="0"/>
             </a:xfrm>
             <a:custGeom>
               <a:avLst/>
@@ -10852,12 +12122,12 @@
               <a:cxnLst/>
               <a:rect l="0" t="0" r="0" b="0"/>
               <a:pathLst>
-                <a:path w="25557">
+                <a:path w="32074">
                   <a:moveTo>
                     <a:pt x="0" y="0"/>
                   </a:moveTo>
                   <a:lnTo>
-                    <a:pt x="25557" y="0"/>
+                    <a:pt x="32074" y="0"/>
                   </a:lnTo>
                 </a:path>
               </a:pathLst>
@@ -10876,20 +12146,50 @@
             <a:bodyPr/>
             <a:lstStyle/>
             <a:p>
-              <a:endParaRPr/>
-            </a:p>
-          </p:txBody>
-        </p:sp>
-        <p:sp>
-          <p:nvSpPr>
-            <p:cNvPr id="50" name="pl50"/>
-            <p:cNvSpPr/>
-            <p:nvPr/>
-          </p:nvSpPr>
-          <p:spPr>
-            <a:xfrm>
-              <a:off x="5827212" y="4262821"/>
-              <a:ext cx="0" cy="105501"/>
+              <a:pPr marL="0" marR="0" lvl="0" indent="0" algn="l" defTabSz="995964" rtl="0" eaLnBrk="1" fontAlgn="auto" latinLnBrk="0" hangingPunct="1">
+                <a:lnSpc>
+                  <a:spcPct val="100000"/>
+                </a:lnSpc>
+                <a:spcBef>
+                  <a:spcPts val="0"/>
+                </a:spcBef>
+                <a:spcAft>
+                  <a:spcPts val="0"/>
+                </a:spcAft>
+                <a:buClrTx/>
+                <a:buSzTx/>
+                <a:buFontTx/>
+                <a:buNone/>
+                <a:tabLst/>
+                <a:defRPr/>
+              </a:pPr>
+              <a:endParaRPr kumimoji="0" sz="2000" b="0" i="0" u="none" strike="noStrike" kern="1200" cap="none" spc="0" normalizeH="0" baseline="0" noProof="0">
+                <a:ln>
+                  <a:noFill/>
+                </a:ln>
+                <a:solidFill>
+                  <a:prstClr val="black"/>
+                </a:solidFill>
+                <a:effectLst/>
+                <a:uLnTx/>
+                <a:uFillTx/>
+                <a:latin typeface="Calibri"/>
+                <a:ea typeface="+mn-ea"/>
+                <a:cs typeface="+mn-cs"/>
+              </a:endParaRPr>
+            </a:p>
+          </p:txBody>
+        </p:sp>
+        <p:sp>
+          <p:nvSpPr>
+            <p:cNvPr id="45" name="pl45"/>
+            <p:cNvSpPr/>
+            <p:nvPr/>
+          </p:nvSpPr>
+          <p:spPr>
+            <a:xfrm>
+              <a:off x="6489664" y="2843411"/>
+              <a:ext cx="0" cy="2104900"/>
             </a:xfrm>
             <a:custGeom>
               <a:avLst/>
@@ -10898,12 +12198,12 @@
               <a:cxnLst/>
               <a:rect l="0" t="0" r="0" b="0"/>
               <a:pathLst>
-                <a:path h="105501">
+                <a:path h="2104900">
                   <a:moveTo>
                     <a:pt x="0" y="0"/>
                   </a:moveTo>
                   <a:lnTo>
-                    <a:pt x="0" y="105501"/>
+                    <a:pt x="0" y="2104900"/>
                   </a:lnTo>
                 </a:path>
               </a:pathLst>
@@ -10922,20 +12222,50 @@
             <a:bodyPr/>
             <a:lstStyle/>
             <a:p>
-              <a:endParaRPr/>
-            </a:p>
-          </p:txBody>
-        </p:sp>
-        <p:sp>
-          <p:nvSpPr>
-            <p:cNvPr id="51" name="pl51"/>
-            <p:cNvSpPr/>
-            <p:nvPr/>
-          </p:nvSpPr>
-          <p:spPr>
-            <a:xfrm>
-              <a:off x="5814434" y="4368322"/>
-              <a:ext cx="25557" cy="0"/>
+              <a:pPr marL="0" marR="0" lvl="0" indent="0" algn="l" defTabSz="995964" rtl="0" eaLnBrk="1" fontAlgn="auto" latinLnBrk="0" hangingPunct="1">
+                <a:lnSpc>
+                  <a:spcPct val="100000"/>
+                </a:lnSpc>
+                <a:spcBef>
+                  <a:spcPts val="0"/>
+                </a:spcBef>
+                <a:spcAft>
+                  <a:spcPts val="0"/>
+                </a:spcAft>
+                <a:buClrTx/>
+                <a:buSzTx/>
+                <a:buFontTx/>
+                <a:buNone/>
+                <a:tabLst/>
+                <a:defRPr/>
+              </a:pPr>
+              <a:endParaRPr kumimoji="0" sz="2000" b="0" i="0" u="none" strike="noStrike" kern="1200" cap="none" spc="0" normalizeH="0" baseline="0" noProof="0">
+                <a:ln>
+                  <a:noFill/>
+                </a:ln>
+                <a:solidFill>
+                  <a:prstClr val="black"/>
+                </a:solidFill>
+                <a:effectLst/>
+                <a:uLnTx/>
+                <a:uFillTx/>
+                <a:latin typeface="Calibri"/>
+                <a:ea typeface="+mn-ea"/>
+                <a:cs typeface="+mn-cs"/>
+              </a:endParaRPr>
+            </a:p>
+          </p:txBody>
+        </p:sp>
+        <p:sp>
+          <p:nvSpPr>
+            <p:cNvPr id="46" name="pl46"/>
+            <p:cNvSpPr/>
+            <p:nvPr/>
+          </p:nvSpPr>
+          <p:spPr>
+            <a:xfrm>
+              <a:off x="6473627" y="4948311"/>
+              <a:ext cx="32074" cy="0"/>
             </a:xfrm>
             <a:custGeom>
               <a:avLst/>
@@ -10944,12 +12274,12 @@
               <a:cxnLst/>
               <a:rect l="0" t="0" r="0" b="0"/>
               <a:pathLst>
-                <a:path w="25557">
+                <a:path w="32074">
                   <a:moveTo>
                     <a:pt x="0" y="0"/>
                   </a:moveTo>
                   <a:lnTo>
-                    <a:pt x="25557" y="0"/>
+                    <a:pt x="32074" y="0"/>
                   </a:lnTo>
                 </a:path>
               </a:pathLst>
@@ -10968,20 +12298,50 @@
             <a:bodyPr/>
             <a:lstStyle/>
             <a:p>
-              <a:endParaRPr/>
-            </a:p>
-          </p:txBody>
-        </p:sp>
-        <p:sp>
-          <p:nvSpPr>
-            <p:cNvPr id="55" name="pl55"/>
-            <p:cNvSpPr/>
-            <p:nvPr/>
-          </p:nvSpPr>
-          <p:spPr>
-            <a:xfrm>
-              <a:off x="6581156" y="3792940"/>
-              <a:ext cx="25557" cy="0"/>
+              <a:pPr marL="0" marR="0" lvl="0" indent="0" algn="l" defTabSz="995964" rtl="0" eaLnBrk="1" fontAlgn="auto" latinLnBrk="0" hangingPunct="1">
+                <a:lnSpc>
+                  <a:spcPct val="100000"/>
+                </a:lnSpc>
+                <a:spcBef>
+                  <a:spcPts val="0"/>
+                </a:spcBef>
+                <a:spcAft>
+                  <a:spcPts val="0"/>
+                </a:spcAft>
+                <a:buClrTx/>
+                <a:buSzTx/>
+                <a:buFontTx/>
+                <a:buNone/>
+                <a:tabLst/>
+                <a:defRPr/>
+              </a:pPr>
+              <a:endParaRPr kumimoji="0" sz="2000" b="0" i="0" u="none" strike="noStrike" kern="1200" cap="none" spc="0" normalizeH="0" baseline="0" noProof="0">
+                <a:ln>
+                  <a:noFill/>
+                </a:ln>
+                <a:solidFill>
+                  <a:prstClr val="black"/>
+                </a:solidFill>
+                <a:effectLst/>
+                <a:uLnTx/>
+                <a:uFillTx/>
+                <a:latin typeface="Calibri"/>
+                <a:ea typeface="+mn-ea"/>
+                <a:cs typeface="+mn-cs"/>
+              </a:endParaRPr>
+            </a:p>
+          </p:txBody>
+        </p:sp>
+        <p:sp>
+          <p:nvSpPr>
+            <p:cNvPr id="47" name="pl47"/>
+            <p:cNvSpPr/>
+            <p:nvPr/>
+          </p:nvSpPr>
+          <p:spPr>
+            <a:xfrm>
+              <a:off x="6152884" y="2790062"/>
+              <a:ext cx="32074" cy="0"/>
             </a:xfrm>
             <a:custGeom>
               <a:avLst/>
@@ -10990,12 +12350,12 @@
               <a:cxnLst/>
               <a:rect l="0" t="0" r="0" b="0"/>
               <a:pathLst>
-                <a:path w="25557">
+                <a:path w="32074">
                   <a:moveTo>
                     <a:pt x="0" y="0"/>
                   </a:moveTo>
                   <a:lnTo>
-                    <a:pt x="25557" y="0"/>
+                    <a:pt x="32074" y="0"/>
                   </a:lnTo>
                 </a:path>
               </a:pathLst>
@@ -11014,20 +12374,50 @@
             <a:bodyPr/>
             <a:lstStyle/>
             <a:p>
-              <a:endParaRPr/>
-            </a:p>
-          </p:txBody>
-        </p:sp>
-        <p:sp>
-          <p:nvSpPr>
-            <p:cNvPr id="56" name="pl56"/>
-            <p:cNvSpPr/>
-            <p:nvPr/>
-          </p:nvSpPr>
-          <p:spPr>
-            <a:xfrm>
-              <a:off x="6593935" y="3792940"/>
-              <a:ext cx="0" cy="889879"/>
+              <a:pPr marL="0" marR="0" lvl="0" indent="0" algn="l" defTabSz="995964" rtl="0" eaLnBrk="1" fontAlgn="auto" latinLnBrk="0" hangingPunct="1">
+                <a:lnSpc>
+                  <a:spcPct val="100000"/>
+                </a:lnSpc>
+                <a:spcBef>
+                  <a:spcPts val="0"/>
+                </a:spcBef>
+                <a:spcAft>
+                  <a:spcPts val="0"/>
+                </a:spcAft>
+                <a:buClrTx/>
+                <a:buSzTx/>
+                <a:buFontTx/>
+                <a:buNone/>
+                <a:tabLst/>
+                <a:defRPr/>
+              </a:pPr>
+              <a:endParaRPr kumimoji="0" sz="2000" b="0" i="0" u="none" strike="noStrike" kern="1200" cap="none" spc="0" normalizeH="0" baseline="0" noProof="0">
+                <a:ln>
+                  <a:noFill/>
+                </a:ln>
+                <a:solidFill>
+                  <a:prstClr val="black"/>
+                </a:solidFill>
+                <a:effectLst/>
+                <a:uLnTx/>
+                <a:uFillTx/>
+                <a:latin typeface="Calibri"/>
+                <a:ea typeface="+mn-ea"/>
+                <a:cs typeface="+mn-cs"/>
+              </a:endParaRPr>
+            </a:p>
+          </p:txBody>
+        </p:sp>
+        <p:sp>
+          <p:nvSpPr>
+            <p:cNvPr id="48" name="pl48"/>
+            <p:cNvSpPr/>
+            <p:nvPr/>
+          </p:nvSpPr>
+          <p:spPr>
+            <a:xfrm>
+              <a:off x="6168921" y="2790062"/>
+              <a:ext cx="0" cy="1478948"/>
             </a:xfrm>
             <a:custGeom>
               <a:avLst/>
@@ -11036,12 +12426,12 @@
               <a:cxnLst/>
               <a:rect l="0" t="0" r="0" b="0"/>
               <a:pathLst>
-                <a:path h="889879">
+                <a:path h="1478948">
                   <a:moveTo>
                     <a:pt x="0" y="0"/>
                   </a:moveTo>
                   <a:lnTo>
-                    <a:pt x="0" y="889879"/>
+                    <a:pt x="0" y="1478948"/>
                   </a:lnTo>
                 </a:path>
               </a:pathLst>
@@ -11060,20 +12450,50 @@
             <a:bodyPr/>
             <a:lstStyle/>
             <a:p>
-              <a:endParaRPr/>
-            </a:p>
-          </p:txBody>
-        </p:sp>
-        <p:sp>
-          <p:nvSpPr>
-            <p:cNvPr id="57" name="pl57"/>
-            <p:cNvSpPr/>
-            <p:nvPr/>
-          </p:nvSpPr>
-          <p:spPr>
-            <a:xfrm>
-              <a:off x="6581156" y="4682819"/>
-              <a:ext cx="25557" cy="0"/>
+              <a:pPr marL="0" marR="0" lvl="0" indent="0" algn="l" defTabSz="995964" rtl="0" eaLnBrk="1" fontAlgn="auto" latinLnBrk="0" hangingPunct="1">
+                <a:lnSpc>
+                  <a:spcPct val="100000"/>
+                </a:lnSpc>
+                <a:spcBef>
+                  <a:spcPts val="0"/>
+                </a:spcBef>
+                <a:spcAft>
+                  <a:spcPts val="0"/>
+                </a:spcAft>
+                <a:buClrTx/>
+                <a:buSzTx/>
+                <a:buFontTx/>
+                <a:buNone/>
+                <a:tabLst/>
+                <a:defRPr/>
+              </a:pPr>
+              <a:endParaRPr kumimoji="0" sz="2000" b="0" i="0" u="none" strike="noStrike" kern="1200" cap="none" spc="0" normalizeH="0" baseline="0" noProof="0">
+                <a:ln>
+                  <a:noFill/>
+                </a:ln>
+                <a:solidFill>
+                  <a:prstClr val="black"/>
+                </a:solidFill>
+                <a:effectLst/>
+                <a:uLnTx/>
+                <a:uFillTx/>
+                <a:latin typeface="Calibri"/>
+                <a:ea typeface="+mn-ea"/>
+                <a:cs typeface="+mn-cs"/>
+              </a:endParaRPr>
+            </a:p>
+          </p:txBody>
+        </p:sp>
+        <p:sp>
+          <p:nvSpPr>
+            <p:cNvPr id="49" name="pl49"/>
+            <p:cNvSpPr/>
+            <p:nvPr/>
+          </p:nvSpPr>
+          <p:spPr>
+            <a:xfrm>
+              <a:off x="6152884" y="4269011"/>
+              <a:ext cx="32074" cy="0"/>
             </a:xfrm>
             <a:custGeom>
               <a:avLst/>
@@ -11082,12 +12502,12 @@
               <a:cxnLst/>
               <a:rect l="0" t="0" r="0" b="0"/>
               <a:pathLst>
-                <a:path w="25557">
+                <a:path w="32074">
                   <a:moveTo>
                     <a:pt x="0" y="0"/>
                   </a:moveTo>
                   <a:lnTo>
-                    <a:pt x="25557" y="0"/>
+                    <a:pt x="32074" y="0"/>
                   </a:lnTo>
                 </a:path>
               </a:pathLst>
@@ -11106,20 +12526,50 @@
             <a:bodyPr/>
             <a:lstStyle/>
             <a:p>
-              <a:endParaRPr/>
-            </a:p>
-          </p:txBody>
-        </p:sp>
-        <p:sp>
-          <p:nvSpPr>
-            <p:cNvPr id="58" name="pl58"/>
-            <p:cNvSpPr/>
-            <p:nvPr/>
-          </p:nvSpPr>
-          <p:spPr>
-            <a:xfrm>
-              <a:off x="6325582" y="3770385"/>
-              <a:ext cx="25557" cy="0"/>
+              <a:pPr marL="0" marR="0" lvl="0" indent="0" algn="l" defTabSz="995964" rtl="0" eaLnBrk="1" fontAlgn="auto" latinLnBrk="0" hangingPunct="1">
+                <a:lnSpc>
+                  <a:spcPct val="100000"/>
+                </a:lnSpc>
+                <a:spcBef>
+                  <a:spcPts val="0"/>
+                </a:spcBef>
+                <a:spcAft>
+                  <a:spcPts val="0"/>
+                </a:spcAft>
+                <a:buClrTx/>
+                <a:buSzTx/>
+                <a:buFontTx/>
+                <a:buNone/>
+                <a:tabLst/>
+                <a:defRPr/>
+              </a:pPr>
+              <a:endParaRPr kumimoji="0" sz="2000" b="0" i="0" u="none" strike="noStrike" kern="1200" cap="none" spc="0" normalizeH="0" baseline="0" noProof="0">
+                <a:ln>
+                  <a:noFill/>
+                </a:ln>
+                <a:solidFill>
+                  <a:prstClr val="black"/>
+                </a:solidFill>
+                <a:effectLst/>
+                <a:uLnTx/>
+                <a:uFillTx/>
+                <a:latin typeface="Calibri"/>
+                <a:ea typeface="+mn-ea"/>
+                <a:cs typeface="+mn-cs"/>
+              </a:endParaRPr>
+            </a:p>
+          </p:txBody>
+        </p:sp>
+        <p:sp>
+          <p:nvSpPr>
+            <p:cNvPr id="50" name="pl50"/>
+            <p:cNvSpPr/>
+            <p:nvPr/>
+          </p:nvSpPr>
+          <p:spPr>
+            <a:xfrm>
+              <a:off x="6794370" y="4054655"/>
+              <a:ext cx="32074" cy="0"/>
             </a:xfrm>
             <a:custGeom>
               <a:avLst/>
@@ -11128,12 +12578,12 @@
               <a:cxnLst/>
               <a:rect l="0" t="0" r="0" b="0"/>
               <a:pathLst>
-                <a:path w="25557">
+                <a:path w="32074">
                   <a:moveTo>
                     <a:pt x="0" y="0"/>
                   </a:moveTo>
                   <a:lnTo>
-                    <a:pt x="25557" y="0"/>
+                    <a:pt x="32074" y="0"/>
                   </a:lnTo>
                 </a:path>
               </a:pathLst>
@@ -11152,20 +12602,50 @@
             <a:bodyPr/>
             <a:lstStyle/>
             <a:p>
-              <a:endParaRPr/>
-            </a:p>
-          </p:txBody>
-        </p:sp>
-        <p:sp>
-          <p:nvSpPr>
-            <p:cNvPr id="59" name="pl59"/>
-            <p:cNvSpPr/>
-            <p:nvPr/>
-          </p:nvSpPr>
-          <p:spPr>
-            <a:xfrm>
-              <a:off x="6338360" y="3770385"/>
-              <a:ext cx="0" cy="625248"/>
+              <a:pPr marL="0" marR="0" lvl="0" indent="0" algn="l" defTabSz="995964" rtl="0" eaLnBrk="1" fontAlgn="auto" latinLnBrk="0" hangingPunct="1">
+                <a:lnSpc>
+                  <a:spcPct val="100000"/>
+                </a:lnSpc>
+                <a:spcBef>
+                  <a:spcPts val="0"/>
+                </a:spcBef>
+                <a:spcAft>
+                  <a:spcPts val="0"/>
+                </a:spcAft>
+                <a:buClrTx/>
+                <a:buSzTx/>
+                <a:buFontTx/>
+                <a:buNone/>
+                <a:tabLst/>
+                <a:defRPr/>
+              </a:pPr>
+              <a:endParaRPr kumimoji="0" sz="2000" b="0" i="0" u="none" strike="noStrike" kern="1200" cap="none" spc="0" normalizeH="0" baseline="0" noProof="0">
+                <a:ln>
+                  <a:noFill/>
+                </a:ln>
+                <a:solidFill>
+                  <a:prstClr val="black"/>
+                </a:solidFill>
+                <a:effectLst/>
+                <a:uLnTx/>
+                <a:uFillTx/>
+                <a:latin typeface="Calibri"/>
+                <a:ea typeface="+mn-ea"/>
+                <a:cs typeface="+mn-cs"/>
+              </a:endParaRPr>
+            </a:p>
+          </p:txBody>
+        </p:sp>
+        <p:sp>
+          <p:nvSpPr>
+            <p:cNvPr id="51" name="pl51"/>
+            <p:cNvSpPr/>
+            <p:nvPr/>
+          </p:nvSpPr>
+          <p:spPr>
+            <a:xfrm>
+              <a:off x="6810407" y="4054655"/>
+              <a:ext cx="0" cy="289845"/>
             </a:xfrm>
             <a:custGeom>
               <a:avLst/>
@@ -11174,12 +12654,12 @@
               <a:cxnLst/>
               <a:rect l="0" t="0" r="0" b="0"/>
               <a:pathLst>
-                <a:path h="625248">
+                <a:path h="289845">
                   <a:moveTo>
                     <a:pt x="0" y="0"/>
                   </a:moveTo>
                   <a:lnTo>
-                    <a:pt x="0" y="625248"/>
+                    <a:pt x="0" y="289845"/>
                   </a:lnTo>
                 </a:path>
               </a:pathLst>
@@ -11198,20 +12678,50 @@
             <a:bodyPr/>
             <a:lstStyle/>
             <a:p>
-              <a:endParaRPr/>
-            </a:p>
-          </p:txBody>
-        </p:sp>
-        <p:sp>
-          <p:nvSpPr>
-            <p:cNvPr id="60" name="pl60"/>
-            <p:cNvSpPr/>
-            <p:nvPr/>
-          </p:nvSpPr>
-          <p:spPr>
-            <a:xfrm>
-              <a:off x="6325582" y="4395634"/>
-              <a:ext cx="25557" cy="0"/>
+              <a:pPr marL="0" marR="0" lvl="0" indent="0" algn="l" defTabSz="995964" rtl="0" eaLnBrk="1" fontAlgn="auto" latinLnBrk="0" hangingPunct="1">
+                <a:lnSpc>
+                  <a:spcPct val="100000"/>
+                </a:lnSpc>
+                <a:spcBef>
+                  <a:spcPts val="0"/>
+                </a:spcBef>
+                <a:spcAft>
+                  <a:spcPts val="0"/>
+                </a:spcAft>
+                <a:buClrTx/>
+                <a:buSzTx/>
+                <a:buFontTx/>
+                <a:buNone/>
+                <a:tabLst/>
+                <a:defRPr/>
+              </a:pPr>
+              <a:endParaRPr kumimoji="0" sz="2000" b="0" i="0" u="none" strike="noStrike" kern="1200" cap="none" spc="0" normalizeH="0" baseline="0" noProof="0">
+                <a:ln>
+                  <a:noFill/>
+                </a:ln>
+                <a:solidFill>
+                  <a:prstClr val="black"/>
+                </a:solidFill>
+                <a:effectLst/>
+                <a:uLnTx/>
+                <a:uFillTx/>
+                <a:latin typeface="Calibri"/>
+                <a:ea typeface="+mn-ea"/>
+                <a:cs typeface="+mn-cs"/>
+              </a:endParaRPr>
+            </a:p>
+          </p:txBody>
+        </p:sp>
+        <p:sp>
+          <p:nvSpPr>
+            <p:cNvPr id="52" name="pl52"/>
+            <p:cNvSpPr/>
+            <p:nvPr/>
+          </p:nvSpPr>
+          <p:spPr>
+            <a:xfrm>
+              <a:off x="6794370" y="4344501"/>
+              <a:ext cx="32074" cy="0"/>
             </a:xfrm>
             <a:custGeom>
               <a:avLst/>
@@ -11220,12 +12730,12 @@
               <a:cxnLst/>
               <a:rect l="0" t="0" r="0" b="0"/>
               <a:pathLst>
-                <a:path w="25557">
+                <a:path w="32074">
                   <a:moveTo>
                     <a:pt x="0" y="0"/>
                   </a:moveTo>
                   <a:lnTo>
-                    <a:pt x="25557" y="0"/>
+                    <a:pt x="32074" y="0"/>
                   </a:lnTo>
                 </a:path>
               </a:pathLst>
@@ -11244,20 +12754,50 @@
             <a:bodyPr/>
             <a:lstStyle/>
             <a:p>
-              <a:endParaRPr/>
-            </a:p>
-          </p:txBody>
-        </p:sp>
-        <p:sp>
-          <p:nvSpPr>
-            <p:cNvPr id="61" name="pl61"/>
-            <p:cNvSpPr/>
-            <p:nvPr/>
-          </p:nvSpPr>
-          <p:spPr>
-            <a:xfrm>
-              <a:off x="6836730" y="4305012"/>
-              <a:ext cx="25557" cy="0"/>
+              <a:pPr marL="0" marR="0" lvl="0" indent="0" algn="l" defTabSz="995964" rtl="0" eaLnBrk="1" fontAlgn="auto" latinLnBrk="0" hangingPunct="1">
+                <a:lnSpc>
+                  <a:spcPct val="100000"/>
+                </a:lnSpc>
+                <a:spcBef>
+                  <a:spcPts val="0"/>
+                </a:spcBef>
+                <a:spcAft>
+                  <a:spcPts val="0"/>
+                </a:spcAft>
+                <a:buClrTx/>
+                <a:buSzTx/>
+                <a:buFontTx/>
+                <a:buNone/>
+                <a:tabLst/>
+                <a:defRPr/>
+              </a:pPr>
+              <a:endParaRPr kumimoji="0" sz="2000" b="0" i="0" u="none" strike="noStrike" kern="1200" cap="none" spc="0" normalizeH="0" baseline="0" noProof="0">
+                <a:ln>
+                  <a:noFill/>
+                </a:ln>
+                <a:solidFill>
+                  <a:prstClr val="black"/>
+                </a:solidFill>
+                <a:effectLst/>
+                <a:uLnTx/>
+                <a:uFillTx/>
+                <a:latin typeface="Calibri"/>
+                <a:ea typeface="+mn-ea"/>
+                <a:cs typeface="+mn-cs"/>
+              </a:endParaRPr>
+            </a:p>
+          </p:txBody>
+        </p:sp>
+        <p:sp>
+          <p:nvSpPr>
+            <p:cNvPr id="53" name="pl53"/>
+            <p:cNvSpPr/>
+            <p:nvPr/>
+          </p:nvSpPr>
+          <p:spPr>
+            <a:xfrm>
+              <a:off x="3266196" y="2015320"/>
+              <a:ext cx="32074" cy="0"/>
             </a:xfrm>
             <a:custGeom>
               <a:avLst/>
@@ -11266,12 +12806,12 @@
               <a:cxnLst/>
               <a:rect l="0" t="0" r="0" b="0"/>
               <a:pathLst>
-                <a:path w="25557">
+                <a:path w="32074">
                   <a:moveTo>
                     <a:pt x="0" y="0"/>
                   </a:moveTo>
                   <a:lnTo>
-                    <a:pt x="25557" y="0"/>
+                    <a:pt x="32074" y="0"/>
                   </a:lnTo>
                 </a:path>
               </a:pathLst>
@@ -11290,20 +12830,50 @@
             <a:bodyPr/>
             <a:lstStyle/>
             <a:p>
-              <a:endParaRPr/>
-            </a:p>
-          </p:txBody>
-        </p:sp>
-        <p:sp>
-          <p:nvSpPr>
-            <p:cNvPr id="62" name="pl62"/>
-            <p:cNvSpPr/>
-            <p:nvPr/>
-          </p:nvSpPr>
-          <p:spPr>
-            <a:xfrm>
-              <a:off x="6849509" y="4305012"/>
-              <a:ext cx="0" cy="122536"/>
+              <a:pPr marL="0" marR="0" lvl="0" indent="0" algn="l" defTabSz="995964" rtl="0" eaLnBrk="1" fontAlgn="auto" latinLnBrk="0" hangingPunct="1">
+                <a:lnSpc>
+                  <a:spcPct val="100000"/>
+                </a:lnSpc>
+                <a:spcBef>
+                  <a:spcPts val="0"/>
+                </a:spcBef>
+                <a:spcAft>
+                  <a:spcPts val="0"/>
+                </a:spcAft>
+                <a:buClrTx/>
+                <a:buSzTx/>
+                <a:buFontTx/>
+                <a:buNone/>
+                <a:tabLst/>
+                <a:defRPr/>
+              </a:pPr>
+              <a:endParaRPr kumimoji="0" sz="2000" b="0" i="0" u="none" strike="noStrike" kern="1200" cap="none" spc="0" normalizeH="0" baseline="0" noProof="0">
+                <a:ln>
+                  <a:noFill/>
+                </a:ln>
+                <a:solidFill>
+                  <a:prstClr val="black"/>
+                </a:solidFill>
+                <a:effectLst/>
+                <a:uLnTx/>
+                <a:uFillTx/>
+                <a:latin typeface="Calibri"/>
+                <a:ea typeface="+mn-ea"/>
+                <a:cs typeface="+mn-cs"/>
+              </a:endParaRPr>
+            </a:p>
+          </p:txBody>
+        </p:sp>
+        <p:sp>
+          <p:nvSpPr>
+            <p:cNvPr id="54" name="pl54"/>
+            <p:cNvSpPr/>
+            <p:nvPr/>
+          </p:nvSpPr>
+          <p:spPr>
+            <a:xfrm>
+              <a:off x="3282233" y="2015320"/>
+              <a:ext cx="0" cy="1704921"/>
             </a:xfrm>
             <a:custGeom>
               <a:avLst/>
@@ -11312,12 +12882,12 @@
               <a:cxnLst/>
               <a:rect l="0" t="0" r="0" b="0"/>
               <a:pathLst>
-                <a:path h="122536">
+                <a:path h="1704921">
                   <a:moveTo>
                     <a:pt x="0" y="0"/>
                   </a:moveTo>
                   <a:lnTo>
-                    <a:pt x="0" y="122536"/>
+                    <a:pt x="0" y="1704921"/>
                   </a:lnTo>
                 </a:path>
               </a:pathLst>
@@ -11336,20 +12906,50 @@
             <a:bodyPr/>
             <a:lstStyle/>
             <a:p>
-              <a:endParaRPr/>
-            </a:p>
-          </p:txBody>
-        </p:sp>
-        <p:sp>
-          <p:nvSpPr>
-            <p:cNvPr id="63" name="pl63"/>
-            <p:cNvSpPr/>
-            <p:nvPr/>
-          </p:nvSpPr>
-          <p:spPr>
-            <a:xfrm>
-              <a:off x="6836730" y="4427549"/>
-              <a:ext cx="25557" cy="0"/>
+              <a:pPr marL="0" marR="0" lvl="0" indent="0" algn="l" defTabSz="995964" rtl="0" eaLnBrk="1" fontAlgn="auto" latinLnBrk="0" hangingPunct="1">
+                <a:lnSpc>
+                  <a:spcPct val="100000"/>
+                </a:lnSpc>
+                <a:spcBef>
+                  <a:spcPts val="0"/>
+                </a:spcBef>
+                <a:spcAft>
+                  <a:spcPts val="0"/>
+                </a:spcAft>
+                <a:buClrTx/>
+                <a:buSzTx/>
+                <a:buFontTx/>
+                <a:buNone/>
+                <a:tabLst/>
+                <a:defRPr/>
+              </a:pPr>
+              <a:endParaRPr kumimoji="0" sz="2000" b="0" i="0" u="none" strike="noStrike" kern="1200" cap="none" spc="0" normalizeH="0" baseline="0" noProof="0">
+                <a:ln>
+                  <a:noFill/>
+                </a:ln>
+                <a:solidFill>
+                  <a:prstClr val="black"/>
+                </a:solidFill>
+                <a:effectLst/>
+                <a:uLnTx/>
+                <a:uFillTx/>
+                <a:latin typeface="Calibri"/>
+                <a:ea typeface="+mn-ea"/>
+                <a:cs typeface="+mn-cs"/>
+              </a:endParaRPr>
+            </a:p>
+          </p:txBody>
+        </p:sp>
+        <p:sp>
+          <p:nvSpPr>
+            <p:cNvPr id="55" name="pl55"/>
+            <p:cNvSpPr/>
+            <p:nvPr/>
+          </p:nvSpPr>
+          <p:spPr>
+            <a:xfrm>
+              <a:off x="3266196" y="3720241"/>
+              <a:ext cx="32074" cy="0"/>
             </a:xfrm>
             <a:custGeom>
               <a:avLst/>
@@ -11358,12 +12958,12 @@
               <a:cxnLst/>
               <a:rect l="0" t="0" r="0" b="0"/>
               <a:pathLst>
-                <a:path w="25557">
+                <a:path w="32074">
                   <a:moveTo>
                     <a:pt x="0" y="0"/>
                   </a:moveTo>
                   <a:lnTo>
-                    <a:pt x="25557" y="0"/>
+                    <a:pt x="32074" y="0"/>
                   </a:lnTo>
                 </a:path>
               </a:pathLst>
@@ -11382,20 +12982,50 @@
             <a:bodyPr/>
             <a:lstStyle/>
             <a:p>
-              <a:endParaRPr/>
-            </a:p>
-          </p:txBody>
-        </p:sp>
-        <p:sp>
-          <p:nvSpPr>
-            <p:cNvPr id="64" name="pl64"/>
-            <p:cNvSpPr/>
-            <p:nvPr/>
-          </p:nvSpPr>
-          <p:spPr>
-            <a:xfrm>
-              <a:off x="3258692" y="3442851"/>
-              <a:ext cx="25557" cy="0"/>
+              <a:pPr marL="0" marR="0" lvl="0" indent="0" algn="l" defTabSz="995964" rtl="0" eaLnBrk="1" fontAlgn="auto" latinLnBrk="0" hangingPunct="1">
+                <a:lnSpc>
+                  <a:spcPct val="100000"/>
+                </a:lnSpc>
+                <a:spcBef>
+                  <a:spcPts val="0"/>
+                </a:spcBef>
+                <a:spcAft>
+                  <a:spcPts val="0"/>
+                </a:spcAft>
+                <a:buClrTx/>
+                <a:buSzTx/>
+                <a:buFontTx/>
+                <a:buNone/>
+                <a:tabLst/>
+                <a:defRPr/>
+              </a:pPr>
+              <a:endParaRPr kumimoji="0" sz="2000" b="0" i="0" u="none" strike="noStrike" kern="1200" cap="none" spc="0" normalizeH="0" baseline="0" noProof="0">
+                <a:ln>
+                  <a:noFill/>
+                </a:ln>
+                <a:solidFill>
+                  <a:prstClr val="black"/>
+                </a:solidFill>
+                <a:effectLst/>
+                <a:uLnTx/>
+                <a:uFillTx/>
+                <a:latin typeface="Calibri"/>
+                <a:ea typeface="+mn-ea"/>
+                <a:cs typeface="+mn-cs"/>
+              </a:endParaRPr>
+            </a:p>
+          </p:txBody>
+        </p:sp>
+        <p:sp>
+          <p:nvSpPr>
+            <p:cNvPr id="56" name="pl56"/>
+            <p:cNvSpPr/>
+            <p:nvPr/>
+          </p:nvSpPr>
+          <p:spPr>
+            <a:xfrm>
+              <a:off x="3586939" y="2065019"/>
+              <a:ext cx="32074" cy="0"/>
             </a:xfrm>
             <a:custGeom>
               <a:avLst/>
@@ -11404,12 +13034,12 @@
               <a:cxnLst/>
               <a:rect l="0" t="0" r="0" b="0"/>
               <a:pathLst>
-                <a:path w="25557">
+                <a:path w="32074">
                   <a:moveTo>
                     <a:pt x="0" y="0"/>
                   </a:moveTo>
                   <a:lnTo>
-                    <a:pt x="25557" y="0"/>
+                    <a:pt x="32074" y="0"/>
                   </a:lnTo>
                 </a:path>
               </a:pathLst>
@@ -11428,20 +13058,50 @@
             <a:bodyPr/>
             <a:lstStyle/>
             <a:p>
-              <a:endParaRPr/>
-            </a:p>
-          </p:txBody>
-        </p:sp>
-        <p:sp>
-          <p:nvSpPr>
-            <p:cNvPr id="65" name="pl65"/>
-            <p:cNvSpPr/>
-            <p:nvPr/>
-          </p:nvSpPr>
-          <p:spPr>
-            <a:xfrm>
-              <a:off x="3271471" y="3442851"/>
-              <a:ext cx="0" cy="720782"/>
+              <a:pPr marL="0" marR="0" lvl="0" indent="0" algn="l" defTabSz="995964" rtl="0" eaLnBrk="1" fontAlgn="auto" latinLnBrk="0" hangingPunct="1">
+                <a:lnSpc>
+                  <a:spcPct val="100000"/>
+                </a:lnSpc>
+                <a:spcBef>
+                  <a:spcPts val="0"/>
+                </a:spcBef>
+                <a:spcAft>
+                  <a:spcPts val="0"/>
+                </a:spcAft>
+                <a:buClrTx/>
+                <a:buSzTx/>
+                <a:buFontTx/>
+                <a:buNone/>
+                <a:tabLst/>
+                <a:defRPr/>
+              </a:pPr>
+              <a:endParaRPr kumimoji="0" sz="2000" b="0" i="0" u="none" strike="noStrike" kern="1200" cap="none" spc="0" normalizeH="0" baseline="0" noProof="0">
+                <a:ln>
+                  <a:noFill/>
+                </a:ln>
+                <a:solidFill>
+                  <a:prstClr val="black"/>
+                </a:solidFill>
+                <a:effectLst/>
+                <a:uLnTx/>
+                <a:uFillTx/>
+                <a:latin typeface="Calibri"/>
+                <a:ea typeface="+mn-ea"/>
+                <a:cs typeface="+mn-cs"/>
+              </a:endParaRPr>
+            </a:p>
+          </p:txBody>
+        </p:sp>
+        <p:sp>
+          <p:nvSpPr>
+            <p:cNvPr id="57" name="pl57"/>
+            <p:cNvSpPr/>
+            <p:nvPr/>
+          </p:nvSpPr>
+          <p:spPr>
+            <a:xfrm>
+              <a:off x="3602976" y="2065019"/>
+              <a:ext cx="0" cy="1698543"/>
             </a:xfrm>
             <a:custGeom>
               <a:avLst/>
@@ -11450,12 +13110,12 @@
               <a:cxnLst/>
               <a:rect l="0" t="0" r="0" b="0"/>
               <a:pathLst>
-                <a:path h="720782">
+                <a:path h="1698543">
                   <a:moveTo>
                     <a:pt x="0" y="0"/>
                   </a:moveTo>
                   <a:lnTo>
-                    <a:pt x="0" y="720782"/>
+                    <a:pt x="0" y="1698543"/>
                   </a:lnTo>
                 </a:path>
               </a:pathLst>
@@ -11474,20 +13134,50 @@
             <a:bodyPr/>
             <a:lstStyle/>
             <a:p>
-              <a:endParaRPr/>
-            </a:p>
-          </p:txBody>
-        </p:sp>
-        <p:sp>
-          <p:nvSpPr>
-            <p:cNvPr id="66" name="pl66"/>
-            <p:cNvSpPr/>
-            <p:nvPr/>
-          </p:nvSpPr>
-          <p:spPr>
-            <a:xfrm>
-              <a:off x="3258692" y="4163633"/>
-              <a:ext cx="25557" cy="0"/>
+              <a:pPr marL="0" marR="0" lvl="0" indent="0" algn="l" defTabSz="995964" rtl="0" eaLnBrk="1" fontAlgn="auto" latinLnBrk="0" hangingPunct="1">
+                <a:lnSpc>
+                  <a:spcPct val="100000"/>
+                </a:lnSpc>
+                <a:spcBef>
+                  <a:spcPts val="0"/>
+                </a:spcBef>
+                <a:spcAft>
+                  <a:spcPts val="0"/>
+                </a:spcAft>
+                <a:buClrTx/>
+                <a:buSzTx/>
+                <a:buFontTx/>
+                <a:buNone/>
+                <a:tabLst/>
+                <a:defRPr/>
+              </a:pPr>
+              <a:endParaRPr kumimoji="0" sz="2000" b="0" i="0" u="none" strike="noStrike" kern="1200" cap="none" spc="0" normalizeH="0" baseline="0" noProof="0">
+                <a:ln>
+                  <a:noFill/>
+                </a:ln>
+                <a:solidFill>
+                  <a:prstClr val="black"/>
+                </a:solidFill>
+                <a:effectLst/>
+                <a:uLnTx/>
+                <a:uFillTx/>
+                <a:latin typeface="Calibri"/>
+                <a:ea typeface="+mn-ea"/>
+                <a:cs typeface="+mn-cs"/>
+              </a:endParaRPr>
+            </a:p>
+          </p:txBody>
+        </p:sp>
+        <p:sp>
+          <p:nvSpPr>
+            <p:cNvPr id="58" name="pl58"/>
+            <p:cNvSpPr/>
+            <p:nvPr/>
+          </p:nvSpPr>
+          <p:spPr>
+            <a:xfrm>
+              <a:off x="3586939" y="3763563"/>
+              <a:ext cx="32074" cy="0"/>
             </a:xfrm>
             <a:custGeom>
               <a:avLst/>
@@ -11496,12 +13186,12 @@
               <a:cxnLst/>
               <a:rect l="0" t="0" r="0" b="0"/>
               <a:pathLst>
-                <a:path w="25557">
+                <a:path w="32074">
                   <a:moveTo>
                     <a:pt x="0" y="0"/>
                   </a:moveTo>
                   <a:lnTo>
-                    <a:pt x="25557" y="0"/>
+                    <a:pt x="32074" y="0"/>
                   </a:lnTo>
                 </a:path>
               </a:pathLst>
@@ -11520,20 +13210,50 @@
             <a:bodyPr/>
             <a:lstStyle/>
             <a:p>
-              <a:endParaRPr/>
-            </a:p>
-          </p:txBody>
-        </p:sp>
-        <p:sp>
-          <p:nvSpPr>
-            <p:cNvPr id="67" name="pl67"/>
-            <p:cNvSpPr/>
-            <p:nvPr/>
-          </p:nvSpPr>
-          <p:spPr>
-            <a:xfrm>
-              <a:off x="3514266" y="3463862"/>
-              <a:ext cx="25557" cy="0"/>
+              <a:pPr marL="0" marR="0" lvl="0" indent="0" algn="l" defTabSz="995964" rtl="0" eaLnBrk="1" fontAlgn="auto" latinLnBrk="0" hangingPunct="1">
+                <a:lnSpc>
+                  <a:spcPct val="100000"/>
+                </a:lnSpc>
+                <a:spcBef>
+                  <a:spcPts val="0"/>
+                </a:spcBef>
+                <a:spcAft>
+                  <a:spcPts val="0"/>
+                </a:spcAft>
+                <a:buClrTx/>
+                <a:buSzTx/>
+                <a:buFontTx/>
+                <a:buNone/>
+                <a:tabLst/>
+                <a:defRPr/>
+              </a:pPr>
+              <a:endParaRPr kumimoji="0" sz="2000" b="0" i="0" u="none" strike="noStrike" kern="1200" cap="none" spc="0" normalizeH="0" baseline="0" noProof="0">
+                <a:ln>
+                  <a:noFill/>
+                </a:ln>
+                <a:solidFill>
+                  <a:prstClr val="black"/>
+                </a:solidFill>
+                <a:effectLst/>
+                <a:uLnTx/>
+                <a:uFillTx/>
+                <a:latin typeface="Calibri"/>
+                <a:ea typeface="+mn-ea"/>
+                <a:cs typeface="+mn-cs"/>
+              </a:endParaRPr>
+            </a:p>
+          </p:txBody>
+        </p:sp>
+        <p:sp>
+          <p:nvSpPr>
+            <p:cNvPr id="59" name="pl59"/>
+            <p:cNvSpPr/>
+            <p:nvPr/>
+          </p:nvSpPr>
+          <p:spPr>
+            <a:xfrm>
+              <a:off x="3907682" y="2097101"/>
+              <a:ext cx="32074" cy="0"/>
             </a:xfrm>
             <a:custGeom>
               <a:avLst/>
@@ -11542,12 +13262,12 @@
               <a:cxnLst/>
               <a:rect l="0" t="0" r="0" b="0"/>
               <a:pathLst>
-                <a:path w="25557">
+                <a:path w="32074">
                   <a:moveTo>
                     <a:pt x="0" y="0"/>
                   </a:moveTo>
                   <a:lnTo>
-                    <a:pt x="25557" y="0"/>
+                    <a:pt x="32074" y="0"/>
                   </a:lnTo>
                 </a:path>
               </a:pathLst>
@@ -11566,20 +13286,50 @@
             <a:bodyPr/>
             <a:lstStyle/>
             <a:p>
-              <a:endParaRPr/>
-            </a:p>
-          </p:txBody>
-        </p:sp>
-        <p:sp>
-          <p:nvSpPr>
-            <p:cNvPr id="68" name="pl68"/>
-            <p:cNvSpPr/>
-            <p:nvPr/>
-          </p:nvSpPr>
-          <p:spPr>
-            <a:xfrm>
-              <a:off x="3527045" y="3463862"/>
-              <a:ext cx="0" cy="718085"/>
+              <a:pPr marL="0" marR="0" lvl="0" indent="0" algn="l" defTabSz="995964" rtl="0" eaLnBrk="1" fontAlgn="auto" latinLnBrk="0" hangingPunct="1">
+                <a:lnSpc>
+                  <a:spcPct val="100000"/>
+                </a:lnSpc>
+                <a:spcBef>
+                  <a:spcPts val="0"/>
+                </a:spcBef>
+                <a:spcAft>
+                  <a:spcPts val="0"/>
+                </a:spcAft>
+                <a:buClrTx/>
+                <a:buSzTx/>
+                <a:buFontTx/>
+                <a:buNone/>
+                <a:tabLst/>
+                <a:defRPr/>
+              </a:pPr>
+              <a:endParaRPr kumimoji="0" sz="2000" b="0" i="0" u="none" strike="noStrike" kern="1200" cap="none" spc="0" normalizeH="0" baseline="0" noProof="0">
+                <a:ln>
+                  <a:noFill/>
+                </a:ln>
+                <a:solidFill>
+                  <a:prstClr val="black"/>
+                </a:solidFill>
+                <a:effectLst/>
+                <a:uLnTx/>
+                <a:uFillTx/>
+                <a:latin typeface="Calibri"/>
+                <a:ea typeface="+mn-ea"/>
+                <a:cs typeface="+mn-cs"/>
+              </a:endParaRPr>
+            </a:p>
+          </p:txBody>
+        </p:sp>
+        <p:sp>
+          <p:nvSpPr>
+            <p:cNvPr id="60" name="pl60"/>
+            <p:cNvSpPr/>
+            <p:nvPr/>
+          </p:nvSpPr>
+          <p:spPr>
+            <a:xfrm>
+              <a:off x="3923719" y="2097101"/>
+              <a:ext cx="0" cy="2618806"/>
             </a:xfrm>
             <a:custGeom>
               <a:avLst/>
@@ -11588,12 +13338,12 @@
               <a:cxnLst/>
               <a:rect l="0" t="0" r="0" b="0"/>
               <a:pathLst>
-                <a:path h="718085">
+                <a:path h="2618806">
                   <a:moveTo>
                     <a:pt x="0" y="0"/>
                   </a:moveTo>
                   <a:lnTo>
-                    <a:pt x="0" y="718085"/>
+                    <a:pt x="0" y="2618806"/>
                   </a:lnTo>
                 </a:path>
               </a:pathLst>
@@ -11612,20 +13362,50 @@
             <a:bodyPr/>
             <a:lstStyle/>
             <a:p>
-              <a:endParaRPr/>
-            </a:p>
-          </p:txBody>
-        </p:sp>
-        <p:sp>
-          <p:nvSpPr>
-            <p:cNvPr id="69" name="pl69"/>
-            <p:cNvSpPr/>
-            <p:nvPr/>
-          </p:nvSpPr>
-          <p:spPr>
-            <a:xfrm>
-              <a:off x="3514266" y="4181948"/>
-              <a:ext cx="25557" cy="0"/>
+              <a:pPr marL="0" marR="0" lvl="0" indent="0" algn="l" defTabSz="995964" rtl="0" eaLnBrk="1" fontAlgn="auto" latinLnBrk="0" hangingPunct="1">
+                <a:lnSpc>
+                  <a:spcPct val="100000"/>
+                </a:lnSpc>
+                <a:spcBef>
+                  <a:spcPts val="0"/>
+                </a:spcBef>
+                <a:spcAft>
+                  <a:spcPts val="0"/>
+                </a:spcAft>
+                <a:buClrTx/>
+                <a:buSzTx/>
+                <a:buFontTx/>
+                <a:buNone/>
+                <a:tabLst/>
+                <a:defRPr/>
+              </a:pPr>
+              <a:endParaRPr kumimoji="0" sz="2000" b="0" i="0" u="none" strike="noStrike" kern="1200" cap="none" spc="0" normalizeH="0" baseline="0" noProof="0">
+                <a:ln>
+                  <a:noFill/>
+                </a:ln>
+                <a:solidFill>
+                  <a:prstClr val="black"/>
+                </a:solidFill>
+                <a:effectLst/>
+                <a:uLnTx/>
+                <a:uFillTx/>
+                <a:latin typeface="Calibri"/>
+                <a:ea typeface="+mn-ea"/>
+                <a:cs typeface="+mn-cs"/>
+              </a:endParaRPr>
+            </a:p>
+          </p:txBody>
+        </p:sp>
+        <p:sp>
+          <p:nvSpPr>
+            <p:cNvPr id="61" name="pl61"/>
+            <p:cNvSpPr/>
+            <p:nvPr/>
+          </p:nvSpPr>
+          <p:spPr>
+            <a:xfrm>
+              <a:off x="3907682" y="4715908"/>
+              <a:ext cx="32074" cy="0"/>
             </a:xfrm>
             <a:custGeom>
               <a:avLst/>
@@ -11634,12 +13414,12 @@
               <a:cxnLst/>
               <a:rect l="0" t="0" r="0" b="0"/>
               <a:pathLst>
-                <a:path w="25557">
+                <a:path w="32074">
                   <a:moveTo>
                     <a:pt x="0" y="0"/>
                   </a:moveTo>
                   <a:lnTo>
-                    <a:pt x="25557" y="0"/>
+                    <a:pt x="32074" y="0"/>
                   </a:lnTo>
                 </a:path>
               </a:pathLst>
@@ -11658,157 +13438,49 @@
             <a:bodyPr/>
             <a:lstStyle/>
             <a:p>
-              <a:endParaRPr/>
-            </a:p>
-          </p:txBody>
-        </p:sp>
-        <p:sp>
-          <p:nvSpPr>
-            <p:cNvPr id="70" name="pl70"/>
-            <p:cNvSpPr/>
-            <p:nvPr/>
-          </p:nvSpPr>
-          <p:spPr>
-            <a:xfrm>
-              <a:off x="3769840" y="3477426"/>
-              <a:ext cx="25557" cy="0"/>
-            </a:xfrm>
-            <a:custGeom>
-              <a:avLst/>
-              <a:gdLst/>
-              <a:ahLst/>
-              <a:cxnLst/>
-              <a:rect l="0" t="0" r="0" b="0"/>
-              <a:pathLst>
-                <a:path w="25557">
-                  <a:moveTo>
-                    <a:pt x="0" y="0"/>
-                  </a:moveTo>
-                  <a:lnTo>
-                    <a:pt x="25557" y="0"/>
-                  </a:lnTo>
-                </a:path>
-              </a:pathLst>
-            </a:custGeom>
-            <a:ln w="13550" cap="flat">
-              <a:solidFill>
-                <a:srgbClr val="F8766D">
-                  <a:alpha val="100000"/>
-                </a:srgbClr>
-              </a:solidFill>
-              <a:prstDash val="solid"/>
-              <a:round/>
-            </a:ln>
-          </p:spPr>
-          <p:txBody>
-            <a:bodyPr/>
-            <a:lstStyle/>
-            <a:p>
-              <a:endParaRPr/>
-            </a:p>
-          </p:txBody>
-        </p:sp>
-        <p:sp>
-          <p:nvSpPr>
-            <p:cNvPr id="71" name="pl71"/>
-            <p:cNvSpPr/>
-            <p:nvPr/>
-          </p:nvSpPr>
-          <p:spPr>
-            <a:xfrm>
-              <a:off x="3782619" y="3477426"/>
-              <a:ext cx="0" cy="1107141"/>
-            </a:xfrm>
-            <a:custGeom>
-              <a:avLst/>
-              <a:gdLst/>
-              <a:ahLst/>
-              <a:cxnLst/>
-              <a:rect l="0" t="0" r="0" b="0"/>
-              <a:pathLst>
-                <a:path h="1107141">
-                  <a:moveTo>
-                    <a:pt x="0" y="0"/>
-                  </a:moveTo>
-                  <a:lnTo>
-                    <a:pt x="0" y="1107141"/>
-                  </a:lnTo>
-                </a:path>
-              </a:pathLst>
-            </a:custGeom>
-            <a:ln w="13550" cap="flat">
-              <a:solidFill>
-                <a:srgbClr val="F8766D">
-                  <a:alpha val="100000"/>
-                </a:srgbClr>
-              </a:solidFill>
-              <a:prstDash val="solid"/>
-              <a:round/>
-            </a:ln>
-          </p:spPr>
-          <p:txBody>
-            <a:bodyPr/>
-            <a:lstStyle/>
-            <a:p>
-              <a:endParaRPr/>
-            </a:p>
-          </p:txBody>
-        </p:sp>
-        <p:sp>
-          <p:nvSpPr>
-            <p:cNvPr id="72" name="pl72"/>
-            <p:cNvSpPr/>
-            <p:nvPr/>
-          </p:nvSpPr>
-          <p:spPr>
-            <a:xfrm>
-              <a:off x="3769840" y="4584567"/>
-              <a:ext cx="25557" cy="0"/>
-            </a:xfrm>
-            <a:custGeom>
-              <a:avLst/>
-              <a:gdLst/>
-              <a:ahLst/>
-              <a:cxnLst/>
-              <a:rect l="0" t="0" r="0" b="0"/>
-              <a:pathLst>
-                <a:path w="25557">
-                  <a:moveTo>
-                    <a:pt x="0" y="0"/>
-                  </a:moveTo>
-                  <a:lnTo>
-                    <a:pt x="25557" y="0"/>
-                  </a:lnTo>
-                </a:path>
-              </a:pathLst>
-            </a:custGeom>
-            <a:ln w="13550" cap="flat">
-              <a:solidFill>
-                <a:srgbClr val="F8766D">
-                  <a:alpha val="100000"/>
-                </a:srgbClr>
-              </a:solidFill>
-              <a:prstDash val="solid"/>
-              <a:round/>
-            </a:ln>
-          </p:spPr>
-          <p:txBody>
-            <a:bodyPr/>
-            <a:lstStyle/>
-            <a:p>
-              <a:endParaRPr/>
-            </a:p>
-          </p:txBody>
-        </p:sp>
-        <p:sp>
-          <p:nvSpPr>
-            <p:cNvPr id="74" name="pt74"/>
-            <p:cNvSpPr/>
-            <p:nvPr/>
-          </p:nvSpPr>
-          <p:spPr>
-            <a:xfrm>
-              <a:off x="4524516" y="4143604"/>
+              <a:pPr marL="0" marR="0" lvl="0" indent="0" algn="l" defTabSz="995964" rtl="0" eaLnBrk="1" fontAlgn="auto" latinLnBrk="0" hangingPunct="1">
+                <a:lnSpc>
+                  <a:spcPct val="100000"/>
+                </a:lnSpc>
+                <a:spcBef>
+                  <a:spcPts val="0"/>
+                </a:spcBef>
+                <a:spcAft>
+                  <a:spcPts val="0"/>
+                </a:spcAft>
+                <a:buClrTx/>
+                <a:buSzTx/>
+                <a:buFontTx/>
+                <a:buNone/>
+                <a:tabLst/>
+                <a:defRPr/>
+              </a:pPr>
+              <a:endParaRPr kumimoji="0" sz="2000" b="0" i="0" u="none" strike="noStrike" kern="1200" cap="none" spc="0" normalizeH="0" baseline="0" noProof="0">
+                <a:ln>
+                  <a:noFill/>
+                </a:ln>
+                <a:solidFill>
+                  <a:prstClr val="black"/>
+                </a:solidFill>
+                <a:effectLst/>
+                <a:uLnTx/>
+                <a:uFillTx/>
+                <a:latin typeface="Calibri"/>
+                <a:ea typeface="+mn-ea"/>
+                <a:cs typeface="+mn-cs"/>
+              </a:endParaRPr>
+            </a:p>
+          </p:txBody>
+        </p:sp>
+        <p:sp>
+          <p:nvSpPr>
+            <p:cNvPr id="62" name="pt62"/>
+            <p:cNvSpPr/>
+            <p:nvPr/>
+          </p:nvSpPr>
+          <p:spPr>
+            <a:xfrm>
+              <a:off x="4540379" y="3706760"/>
               <a:ext cx="49651" cy="49651"/>
             </a:xfrm>
             <a:prstGeom prst="ellipse">
@@ -11833,19 +13505,49 @@
             <a:bodyPr/>
             <a:lstStyle/>
             <a:p>
-              <a:endParaRPr/>
-            </a:p>
-          </p:txBody>
-        </p:sp>
-        <p:sp>
-          <p:nvSpPr>
-            <p:cNvPr id="75" name="pt75"/>
-            <p:cNvSpPr/>
-            <p:nvPr/>
-          </p:nvSpPr>
-          <p:spPr>
-            <a:xfrm>
-              <a:off x="4268941" y="4245466"/>
+              <a:pPr marL="0" marR="0" lvl="0" indent="0" algn="l" defTabSz="995964" rtl="0" eaLnBrk="1" fontAlgn="auto" latinLnBrk="0" hangingPunct="1">
+                <a:lnSpc>
+                  <a:spcPct val="100000"/>
+                </a:lnSpc>
+                <a:spcBef>
+                  <a:spcPts val="0"/>
+                </a:spcBef>
+                <a:spcAft>
+                  <a:spcPts val="0"/>
+                </a:spcAft>
+                <a:buClrTx/>
+                <a:buSzTx/>
+                <a:buFontTx/>
+                <a:buNone/>
+                <a:tabLst/>
+                <a:defRPr/>
+              </a:pPr>
+              <a:endParaRPr kumimoji="0" sz="2000" b="0" i="0" u="none" strike="noStrike" kern="1200" cap="none" spc="0" normalizeH="0" baseline="0" noProof="0">
+                <a:ln>
+                  <a:noFill/>
+                </a:ln>
+                <a:solidFill>
+                  <a:prstClr val="black"/>
+                </a:solidFill>
+                <a:effectLst/>
+                <a:uLnTx/>
+                <a:uFillTx/>
+                <a:latin typeface="Calibri"/>
+                <a:ea typeface="+mn-ea"/>
+                <a:cs typeface="+mn-cs"/>
+              </a:endParaRPr>
+            </a:p>
+          </p:txBody>
+        </p:sp>
+        <p:sp>
+          <p:nvSpPr>
+            <p:cNvPr id="63" name="pt63"/>
+            <p:cNvSpPr/>
+            <p:nvPr/>
+          </p:nvSpPr>
+          <p:spPr>
+            <a:xfrm>
+              <a:off x="4219636" y="3947702"/>
               <a:ext cx="49651" cy="49651"/>
             </a:xfrm>
             <a:prstGeom prst="ellipse">
@@ -11870,19 +13572,49 @@
             <a:bodyPr/>
             <a:lstStyle/>
             <a:p>
-              <a:endParaRPr/>
-            </a:p>
-          </p:txBody>
-        </p:sp>
-        <p:sp>
-          <p:nvSpPr>
-            <p:cNvPr id="76" name="pt76"/>
-            <p:cNvSpPr/>
-            <p:nvPr/>
-          </p:nvSpPr>
-          <p:spPr>
-            <a:xfrm>
-              <a:off x="4780090" y="4300907"/>
+              <a:pPr marL="0" marR="0" lvl="0" indent="0" algn="l" defTabSz="995964" rtl="0" eaLnBrk="1" fontAlgn="auto" latinLnBrk="0" hangingPunct="1">
+                <a:lnSpc>
+                  <a:spcPct val="100000"/>
+                </a:lnSpc>
+                <a:spcBef>
+                  <a:spcPts val="0"/>
+                </a:spcBef>
+                <a:spcAft>
+                  <a:spcPts val="0"/>
+                </a:spcAft>
+                <a:buClrTx/>
+                <a:buSzTx/>
+                <a:buFontTx/>
+                <a:buNone/>
+                <a:tabLst/>
+                <a:defRPr/>
+              </a:pPr>
+              <a:endParaRPr kumimoji="0" sz="2000" b="0" i="0" u="none" strike="noStrike" kern="1200" cap="none" spc="0" normalizeH="0" baseline="0" noProof="0">
+                <a:ln>
+                  <a:noFill/>
+                </a:ln>
+                <a:solidFill>
+                  <a:prstClr val="black"/>
+                </a:solidFill>
+                <a:effectLst/>
+                <a:uLnTx/>
+                <a:uFillTx/>
+                <a:latin typeface="Calibri"/>
+                <a:ea typeface="+mn-ea"/>
+                <a:cs typeface="+mn-cs"/>
+              </a:endParaRPr>
+            </a:p>
+          </p:txBody>
+        </p:sp>
+        <p:sp>
+          <p:nvSpPr>
+            <p:cNvPr id="64" name="pt64"/>
+            <p:cNvSpPr/>
+            <p:nvPr/>
+          </p:nvSpPr>
+          <p:spPr>
+            <a:xfrm>
+              <a:off x="4861123" y="4078842"/>
               <a:ext cx="49651" cy="49651"/>
             </a:xfrm>
             <a:prstGeom prst="ellipse">
@@ -11907,19 +13639,49 @@
             <a:bodyPr/>
             <a:lstStyle/>
             <a:p>
-              <a:endParaRPr/>
-            </a:p>
-          </p:txBody>
-        </p:sp>
-        <p:sp>
-          <p:nvSpPr>
-            <p:cNvPr id="78" name="pt78"/>
-            <p:cNvSpPr/>
-            <p:nvPr/>
-          </p:nvSpPr>
-          <p:spPr>
-            <a:xfrm>
-              <a:off x="5546812" y="3744035"/>
+              <a:pPr marL="0" marR="0" lvl="0" indent="0" algn="l" defTabSz="995964" rtl="0" eaLnBrk="1" fontAlgn="auto" latinLnBrk="0" hangingPunct="1">
+                <a:lnSpc>
+                  <a:spcPct val="100000"/>
+                </a:lnSpc>
+                <a:spcBef>
+                  <a:spcPts val="0"/>
+                </a:spcBef>
+                <a:spcAft>
+                  <a:spcPts val="0"/>
+                </a:spcAft>
+                <a:buClrTx/>
+                <a:buSzTx/>
+                <a:buFontTx/>
+                <a:buNone/>
+                <a:tabLst/>
+                <a:defRPr/>
+              </a:pPr>
+              <a:endParaRPr kumimoji="0" sz="2000" b="0" i="0" u="none" strike="noStrike" kern="1200" cap="none" spc="0" normalizeH="0" baseline="0" noProof="0">
+                <a:ln>
+                  <a:noFill/>
+                </a:ln>
+                <a:solidFill>
+                  <a:prstClr val="black"/>
+                </a:solidFill>
+                <a:effectLst/>
+                <a:uLnTx/>
+                <a:uFillTx/>
+                <a:latin typeface="Calibri"/>
+                <a:ea typeface="+mn-ea"/>
+                <a:cs typeface="+mn-cs"/>
+              </a:endParaRPr>
+            </a:p>
+          </p:txBody>
+        </p:sp>
+        <p:sp>
+          <p:nvSpPr>
+            <p:cNvPr id="65" name="pt65"/>
+            <p:cNvSpPr/>
+            <p:nvPr/>
+          </p:nvSpPr>
+          <p:spPr>
+            <a:xfrm>
+              <a:off x="5502609" y="2761630"/>
               <a:ext cx="49651" cy="49651"/>
             </a:xfrm>
             <a:prstGeom prst="ellipse">
@@ -11944,19 +13706,49 @@
             <a:bodyPr/>
             <a:lstStyle/>
             <a:p>
-              <a:endParaRPr/>
-            </a:p>
-          </p:txBody>
-        </p:sp>
-        <p:sp>
-          <p:nvSpPr>
-            <p:cNvPr id="79" name="pt79"/>
-            <p:cNvSpPr/>
-            <p:nvPr/>
-          </p:nvSpPr>
-          <p:spPr>
-            <a:xfrm>
-              <a:off x="5291238" y="4308253"/>
+              <a:pPr marL="0" marR="0" lvl="0" indent="0" algn="l" defTabSz="995964" rtl="0" eaLnBrk="1" fontAlgn="auto" latinLnBrk="0" hangingPunct="1">
+                <a:lnSpc>
+                  <a:spcPct val="100000"/>
+                </a:lnSpc>
+                <a:spcBef>
+                  <a:spcPts val="0"/>
+                </a:spcBef>
+                <a:spcAft>
+                  <a:spcPts val="0"/>
+                </a:spcAft>
+                <a:buClrTx/>
+                <a:buSzTx/>
+                <a:buFontTx/>
+                <a:buNone/>
+                <a:tabLst/>
+                <a:defRPr/>
+              </a:pPr>
+              <a:endParaRPr kumimoji="0" sz="2000" b="0" i="0" u="none" strike="noStrike" kern="1200" cap="none" spc="0" normalizeH="0" baseline="0" noProof="0">
+                <a:ln>
+                  <a:noFill/>
+                </a:ln>
+                <a:solidFill>
+                  <a:prstClr val="black"/>
+                </a:solidFill>
+                <a:effectLst/>
+                <a:uLnTx/>
+                <a:uFillTx/>
+                <a:latin typeface="Calibri"/>
+                <a:ea typeface="+mn-ea"/>
+                <a:cs typeface="+mn-cs"/>
+              </a:endParaRPr>
+            </a:p>
+          </p:txBody>
+        </p:sp>
+        <p:sp>
+          <p:nvSpPr>
+            <p:cNvPr id="66" name="pt66"/>
+            <p:cNvSpPr/>
+            <p:nvPr/>
+          </p:nvSpPr>
+          <p:spPr>
+            <a:xfrm>
+              <a:off x="5181866" y="4096218"/>
               <a:ext cx="49651" cy="49651"/>
             </a:xfrm>
             <a:prstGeom prst="ellipse">
@@ -11981,19 +13773,49 @@
             <a:bodyPr/>
             <a:lstStyle/>
             <a:p>
-              <a:endParaRPr/>
-            </a:p>
-          </p:txBody>
-        </p:sp>
-        <p:sp>
-          <p:nvSpPr>
-            <p:cNvPr id="80" name="pt80"/>
-            <p:cNvSpPr/>
-            <p:nvPr/>
-          </p:nvSpPr>
-          <p:spPr>
-            <a:xfrm>
-              <a:off x="5802386" y="4291416"/>
+              <a:pPr marL="0" marR="0" lvl="0" indent="0" algn="l" defTabSz="995964" rtl="0" eaLnBrk="1" fontAlgn="auto" latinLnBrk="0" hangingPunct="1">
+                <a:lnSpc>
+                  <a:spcPct val="100000"/>
+                </a:lnSpc>
+                <a:spcBef>
+                  <a:spcPts val="0"/>
+                </a:spcBef>
+                <a:spcAft>
+                  <a:spcPts val="0"/>
+                </a:spcAft>
+                <a:buClrTx/>
+                <a:buSzTx/>
+                <a:buFontTx/>
+                <a:buNone/>
+                <a:tabLst/>
+                <a:defRPr/>
+              </a:pPr>
+              <a:endParaRPr kumimoji="0" sz="2000" b="0" i="0" u="none" strike="noStrike" kern="1200" cap="none" spc="0" normalizeH="0" baseline="0" noProof="0">
+                <a:ln>
+                  <a:noFill/>
+                </a:ln>
+                <a:solidFill>
+                  <a:prstClr val="black"/>
+                </a:solidFill>
+                <a:effectLst/>
+                <a:uLnTx/>
+                <a:uFillTx/>
+                <a:latin typeface="Calibri"/>
+                <a:ea typeface="+mn-ea"/>
+                <a:cs typeface="+mn-cs"/>
+              </a:endParaRPr>
+            </a:p>
+          </p:txBody>
+        </p:sp>
+        <p:sp>
+          <p:nvSpPr>
+            <p:cNvPr id="67" name="pt67"/>
+            <p:cNvSpPr/>
+            <p:nvPr/>
+          </p:nvSpPr>
+          <p:spPr>
+            <a:xfrm>
+              <a:off x="5823352" y="4056393"/>
               <a:ext cx="49651" cy="49651"/>
             </a:xfrm>
             <a:prstGeom prst="ellipse">
@@ -12018,19 +13840,49 @@
             <a:bodyPr/>
             <a:lstStyle/>
             <a:p>
-              <a:endParaRPr/>
-            </a:p>
-          </p:txBody>
-        </p:sp>
-        <p:sp>
-          <p:nvSpPr>
-            <p:cNvPr id="82" name="pt82"/>
-            <p:cNvSpPr/>
-            <p:nvPr/>
-          </p:nvSpPr>
-          <p:spPr>
-            <a:xfrm>
-              <a:off x="6569109" y="4205238"/>
+              <a:pPr marL="0" marR="0" lvl="0" indent="0" algn="l" defTabSz="995964" rtl="0" eaLnBrk="1" fontAlgn="auto" latinLnBrk="0" hangingPunct="1">
+                <a:lnSpc>
+                  <a:spcPct val="100000"/>
+                </a:lnSpc>
+                <a:spcBef>
+                  <a:spcPts val="0"/>
+                </a:spcBef>
+                <a:spcAft>
+                  <a:spcPts val="0"/>
+                </a:spcAft>
+                <a:buClrTx/>
+                <a:buSzTx/>
+                <a:buFontTx/>
+                <a:buNone/>
+                <a:tabLst/>
+                <a:defRPr/>
+              </a:pPr>
+              <a:endParaRPr kumimoji="0" sz="2000" b="0" i="0" u="none" strike="noStrike" kern="1200" cap="none" spc="0" normalizeH="0" baseline="0" noProof="0">
+                <a:ln>
+                  <a:noFill/>
+                </a:ln>
+                <a:solidFill>
+                  <a:prstClr val="black"/>
+                </a:solidFill>
+                <a:effectLst/>
+                <a:uLnTx/>
+                <a:uFillTx/>
+                <a:latin typeface="Calibri"/>
+                <a:ea typeface="+mn-ea"/>
+                <a:cs typeface="+mn-cs"/>
+              </a:endParaRPr>
+            </a:p>
+          </p:txBody>
+        </p:sp>
+        <p:sp>
+          <p:nvSpPr>
+            <p:cNvPr id="68" name="pt68"/>
+            <p:cNvSpPr/>
+            <p:nvPr/>
+          </p:nvSpPr>
+          <p:spPr>
+            <a:xfrm>
+              <a:off x="6464838" y="3852549"/>
               <a:ext cx="49651" cy="49651"/>
             </a:xfrm>
             <a:prstGeom prst="ellipse">
@@ -12055,19 +13907,49 @@
             <a:bodyPr/>
             <a:lstStyle/>
             <a:p>
-              <a:endParaRPr/>
-            </a:p>
-          </p:txBody>
-        </p:sp>
-        <p:sp>
-          <p:nvSpPr>
-            <p:cNvPr id="83" name="pt83"/>
-            <p:cNvSpPr/>
-            <p:nvPr/>
-          </p:nvSpPr>
-          <p:spPr>
-            <a:xfrm>
-              <a:off x="6313535" y="4063810"/>
+              <a:pPr marL="0" marR="0" lvl="0" indent="0" algn="l" defTabSz="995964" rtl="0" eaLnBrk="1" fontAlgn="auto" latinLnBrk="0" hangingPunct="1">
+                <a:lnSpc>
+                  <a:spcPct val="100000"/>
+                </a:lnSpc>
+                <a:spcBef>
+                  <a:spcPts val="0"/>
+                </a:spcBef>
+                <a:spcAft>
+                  <a:spcPts val="0"/>
+                </a:spcAft>
+                <a:buClrTx/>
+                <a:buSzTx/>
+                <a:buFontTx/>
+                <a:buNone/>
+                <a:tabLst/>
+                <a:defRPr/>
+              </a:pPr>
+              <a:endParaRPr kumimoji="0" sz="2000" b="0" i="0" u="none" strike="noStrike" kern="1200" cap="none" spc="0" normalizeH="0" baseline="0" noProof="0">
+                <a:ln>
+                  <a:noFill/>
+                </a:ln>
+                <a:solidFill>
+                  <a:prstClr val="black"/>
+                </a:solidFill>
+                <a:effectLst/>
+                <a:uLnTx/>
+                <a:uFillTx/>
+                <a:latin typeface="Calibri"/>
+                <a:ea typeface="+mn-ea"/>
+                <a:cs typeface="+mn-cs"/>
+              </a:endParaRPr>
+            </a:p>
+          </p:txBody>
+        </p:sp>
+        <p:sp>
+          <p:nvSpPr>
+            <p:cNvPr id="69" name="pt69"/>
+            <p:cNvSpPr/>
+            <p:nvPr/>
+          </p:nvSpPr>
+          <p:spPr>
+            <a:xfrm>
+              <a:off x="6144095" y="3518019"/>
               <a:ext cx="49651" cy="49651"/>
             </a:xfrm>
             <a:prstGeom prst="ellipse">
@@ -12092,19 +13974,49 @@
             <a:bodyPr/>
             <a:lstStyle/>
             <a:p>
-              <a:endParaRPr/>
-            </a:p>
-          </p:txBody>
-        </p:sp>
-        <p:sp>
-          <p:nvSpPr>
-            <p:cNvPr id="84" name="pt84"/>
-            <p:cNvSpPr/>
-            <p:nvPr/>
-          </p:nvSpPr>
-          <p:spPr>
-            <a:xfrm>
-              <a:off x="6824683" y="4340352"/>
+              <a:pPr marL="0" marR="0" lvl="0" indent="0" algn="l" defTabSz="995964" rtl="0" eaLnBrk="1" fontAlgn="auto" latinLnBrk="0" hangingPunct="1">
+                <a:lnSpc>
+                  <a:spcPct val="100000"/>
+                </a:lnSpc>
+                <a:spcBef>
+                  <a:spcPts val="0"/>
+                </a:spcBef>
+                <a:spcAft>
+                  <a:spcPts val="0"/>
+                </a:spcAft>
+                <a:buClrTx/>
+                <a:buSzTx/>
+                <a:buFontTx/>
+                <a:buNone/>
+                <a:tabLst/>
+                <a:defRPr/>
+              </a:pPr>
+              <a:endParaRPr kumimoji="0" sz="2000" b="0" i="0" u="none" strike="noStrike" kern="1200" cap="none" spc="0" normalizeH="0" baseline="0" noProof="0">
+                <a:ln>
+                  <a:noFill/>
+                </a:ln>
+                <a:solidFill>
+                  <a:prstClr val="black"/>
+                </a:solidFill>
+                <a:effectLst/>
+                <a:uLnTx/>
+                <a:uFillTx/>
+                <a:latin typeface="Calibri"/>
+                <a:ea typeface="+mn-ea"/>
+                <a:cs typeface="+mn-cs"/>
+              </a:endParaRPr>
+            </a:p>
+          </p:txBody>
+        </p:sp>
+        <p:sp>
+          <p:nvSpPr>
+            <p:cNvPr id="70" name="pt70"/>
+            <p:cNvSpPr/>
+            <p:nvPr/>
+          </p:nvSpPr>
+          <p:spPr>
+            <a:xfrm>
+              <a:off x="6785581" y="4172144"/>
               <a:ext cx="49651" cy="49651"/>
             </a:xfrm>
             <a:prstGeom prst="ellipse">
@@ -12129,19 +14041,49 @@
             <a:bodyPr/>
             <a:lstStyle/>
             <a:p>
-              <a:endParaRPr/>
-            </a:p>
-          </p:txBody>
-        </p:sp>
-        <p:sp>
-          <p:nvSpPr>
-            <p:cNvPr id="85" name="pt85"/>
-            <p:cNvSpPr/>
-            <p:nvPr/>
-          </p:nvSpPr>
-          <p:spPr>
-            <a:xfrm>
-              <a:off x="3246645" y="3800641"/>
+              <a:pPr marL="0" marR="0" lvl="0" indent="0" algn="l" defTabSz="995964" rtl="0" eaLnBrk="1" fontAlgn="auto" latinLnBrk="0" hangingPunct="1">
+                <a:lnSpc>
+                  <a:spcPct val="100000"/>
+                </a:lnSpc>
+                <a:spcBef>
+                  <a:spcPts val="0"/>
+                </a:spcBef>
+                <a:spcAft>
+                  <a:spcPts val="0"/>
+                </a:spcAft>
+                <a:buClrTx/>
+                <a:buSzTx/>
+                <a:buFontTx/>
+                <a:buNone/>
+                <a:tabLst/>
+                <a:defRPr/>
+              </a:pPr>
+              <a:endParaRPr kumimoji="0" sz="2000" b="0" i="0" u="none" strike="noStrike" kern="1200" cap="none" spc="0" normalizeH="0" baseline="0" noProof="0">
+                <a:ln>
+                  <a:noFill/>
+                </a:ln>
+                <a:solidFill>
+                  <a:prstClr val="black"/>
+                </a:solidFill>
+                <a:effectLst/>
+                <a:uLnTx/>
+                <a:uFillTx/>
+                <a:latin typeface="Calibri"/>
+                <a:ea typeface="+mn-ea"/>
+                <a:cs typeface="+mn-cs"/>
+              </a:endParaRPr>
+            </a:p>
+          </p:txBody>
+        </p:sp>
+        <p:sp>
+          <p:nvSpPr>
+            <p:cNvPr id="71" name="pt71"/>
+            <p:cNvSpPr/>
+            <p:nvPr/>
+          </p:nvSpPr>
+          <p:spPr>
+            <a:xfrm>
+              <a:off x="3257407" y="2895525"/>
               <a:ext cx="49651" cy="49651"/>
             </a:xfrm>
             <a:prstGeom prst="ellipse">
@@ -12166,19 +14108,49 @@
             <a:bodyPr/>
             <a:lstStyle/>
             <a:p>
-              <a:endParaRPr/>
-            </a:p>
-          </p:txBody>
-        </p:sp>
-        <p:sp>
-          <p:nvSpPr>
-            <p:cNvPr id="86" name="pt86"/>
-            <p:cNvSpPr/>
-            <p:nvPr/>
-          </p:nvSpPr>
-          <p:spPr>
-            <a:xfrm>
-              <a:off x="3502219" y="3816097"/>
+              <a:pPr marL="0" marR="0" lvl="0" indent="0" algn="l" defTabSz="995964" rtl="0" eaLnBrk="1" fontAlgn="auto" latinLnBrk="0" hangingPunct="1">
+                <a:lnSpc>
+                  <a:spcPct val="100000"/>
+                </a:lnSpc>
+                <a:spcBef>
+                  <a:spcPts val="0"/>
+                </a:spcBef>
+                <a:spcAft>
+                  <a:spcPts val="0"/>
+                </a:spcAft>
+                <a:buClrTx/>
+                <a:buSzTx/>
+                <a:buFontTx/>
+                <a:buNone/>
+                <a:tabLst/>
+                <a:defRPr/>
+              </a:pPr>
+              <a:endParaRPr kumimoji="0" sz="2000" b="0" i="0" u="none" strike="noStrike" kern="1200" cap="none" spc="0" normalizeH="0" baseline="0" noProof="0">
+                <a:ln>
+                  <a:noFill/>
+                </a:ln>
+                <a:solidFill>
+                  <a:prstClr val="black"/>
+                </a:solidFill>
+                <a:effectLst/>
+                <a:uLnTx/>
+                <a:uFillTx/>
+                <a:latin typeface="Calibri"/>
+                <a:ea typeface="+mn-ea"/>
+                <a:cs typeface="+mn-cs"/>
+              </a:endParaRPr>
+            </a:p>
+          </p:txBody>
+        </p:sp>
+        <p:sp>
+          <p:nvSpPr>
+            <p:cNvPr id="72" name="pt72"/>
+            <p:cNvSpPr/>
+            <p:nvPr/>
+          </p:nvSpPr>
+          <p:spPr>
+            <a:xfrm>
+              <a:off x="3578150" y="2932083"/>
               <a:ext cx="49651" cy="49651"/>
             </a:xfrm>
             <a:prstGeom prst="ellipse">
@@ -12203,19 +14175,49 @@
             <a:bodyPr/>
             <a:lstStyle/>
             <a:p>
-              <a:endParaRPr/>
-            </a:p>
-          </p:txBody>
-        </p:sp>
-        <p:sp>
-          <p:nvSpPr>
-            <p:cNvPr id="87" name="pt87"/>
-            <p:cNvSpPr/>
-            <p:nvPr/>
-          </p:nvSpPr>
-          <p:spPr>
-            <a:xfrm>
-              <a:off x="3757793" y="4006890"/>
+              <a:pPr marL="0" marR="0" lvl="0" indent="0" algn="l" defTabSz="995964" rtl="0" eaLnBrk="1" fontAlgn="auto" latinLnBrk="0" hangingPunct="1">
+                <a:lnSpc>
+                  <a:spcPct val="100000"/>
+                </a:lnSpc>
+                <a:spcBef>
+                  <a:spcPts val="0"/>
+                </a:spcBef>
+                <a:spcAft>
+                  <a:spcPts val="0"/>
+                </a:spcAft>
+                <a:buClrTx/>
+                <a:buSzTx/>
+                <a:buFontTx/>
+                <a:buNone/>
+                <a:tabLst/>
+                <a:defRPr/>
+              </a:pPr>
+              <a:endParaRPr kumimoji="0" sz="2000" b="0" i="0" u="none" strike="noStrike" kern="1200" cap="none" spc="0" normalizeH="0" baseline="0" noProof="0">
+                <a:ln>
+                  <a:noFill/>
+                </a:ln>
+                <a:solidFill>
+                  <a:prstClr val="black"/>
+                </a:solidFill>
+                <a:effectLst/>
+                <a:uLnTx/>
+                <a:uFillTx/>
+                <a:latin typeface="Calibri"/>
+                <a:ea typeface="+mn-ea"/>
+                <a:cs typeface="+mn-cs"/>
+              </a:endParaRPr>
+            </a:p>
+          </p:txBody>
+        </p:sp>
+        <p:sp>
+          <p:nvSpPr>
+            <p:cNvPr id="73" name="pt73"/>
+            <p:cNvSpPr/>
+            <p:nvPr/>
+          </p:nvSpPr>
+          <p:spPr>
+            <a:xfrm>
+              <a:off x="3898893" y="3383380"/>
               <a:ext cx="49651" cy="49651"/>
             </a:xfrm>
             <a:prstGeom prst="ellipse">
@@ -12240,20 +14242,50 @@
             <a:bodyPr/>
             <a:lstStyle/>
             <a:p>
-              <a:endParaRPr/>
-            </a:p>
-          </p:txBody>
-        </p:sp>
-        <p:sp>
-          <p:nvSpPr>
-            <p:cNvPr id="88" name="tx88"/>
-            <p:cNvSpPr/>
-            <p:nvPr/>
-          </p:nvSpPr>
-          <p:spPr>
-            <a:xfrm>
-              <a:off x="2843602" y="4272485"/>
-              <a:ext cx="70631" cy="92831"/>
+              <a:pPr marL="0" marR="0" lvl="0" indent="0" algn="l" defTabSz="995964" rtl="0" eaLnBrk="1" fontAlgn="auto" latinLnBrk="0" hangingPunct="1">
+                <a:lnSpc>
+                  <a:spcPct val="100000"/>
+                </a:lnSpc>
+                <a:spcBef>
+                  <a:spcPts val="0"/>
+                </a:spcBef>
+                <a:spcAft>
+                  <a:spcPts val="0"/>
+                </a:spcAft>
+                <a:buClrTx/>
+                <a:buSzTx/>
+                <a:buFontTx/>
+                <a:buNone/>
+                <a:tabLst/>
+                <a:defRPr/>
+              </a:pPr>
+              <a:endParaRPr kumimoji="0" sz="2000" b="0" i="0" u="none" strike="noStrike" kern="1200" cap="none" spc="0" normalizeH="0" baseline="0" noProof="0">
+                <a:ln>
+                  <a:noFill/>
+                </a:ln>
+                <a:solidFill>
+                  <a:prstClr val="black"/>
+                </a:solidFill>
+                <a:effectLst/>
+                <a:uLnTx/>
+                <a:uFillTx/>
+                <a:latin typeface="Calibri"/>
+                <a:ea typeface="+mn-ea"/>
+                <a:cs typeface="+mn-cs"/>
+              </a:endParaRPr>
+            </a:p>
+          </p:txBody>
+        </p:sp>
+        <p:sp>
+          <p:nvSpPr>
+            <p:cNvPr id="74" name="tx74"/>
+            <p:cNvSpPr/>
+            <p:nvPr/>
+          </p:nvSpPr>
+          <p:spPr>
+            <a:xfrm>
+              <a:off x="2843602" y="5052270"/>
+              <a:ext cx="183554" cy="92831"/>
             </a:xfrm>
             <a:prstGeom prst="rect">
               <a:avLst/>
@@ -12264,7 +14296,7 @@
             <a:bodyPr wrap="none" lIns="0" tIns="0" rIns="0" bIns="0" anchor="ctr" anchorCtr="1"/>
             <a:lstStyle/>
             <a:p>
-              <a:pPr marL="0" marR="0" indent="0" algn="l">
+              <a:pPr marL="0" marR="0" lvl="0" indent="0" algn="l" defTabSz="995964" rtl="0" eaLnBrk="1" fontAlgn="auto" latinLnBrk="0" hangingPunct="1">
                 <a:lnSpc>
                   <a:spcPts val="1000"/>
                 </a:lnSpc>
@@ -12274,32 +14306,45 @@
                 <a:spcAft>
                   <a:spcPts val="0"/>
                 </a:spcAft>
+                <a:buClrTx/>
+                <a:buSzTx/>
+                <a:buFontTx/>
+                <a:buNone/>
+                <a:tabLst/>
+                <a:defRPr/>
               </a:pPr>
               <a:r>
-                <a:rPr sz="1000">
+                <a:rPr kumimoji="0" sz="1000" b="0" i="0" u="none" strike="noStrike" kern="1200" cap="none" spc="0" normalizeH="0" baseline="0" noProof="0">
+                  <a:ln>
+                    <a:noFill/>
+                  </a:ln>
                   <a:solidFill>
                     <a:srgbClr val="000000">
                       <a:alpha val="100000"/>
                     </a:srgbClr>
                   </a:solidFill>
+                  <a:effectLst/>
+                  <a:uLnTx/>
+                  <a:uFillTx/>
                   <a:latin typeface="Arial"/>
+                  <a:ea typeface="+mn-ea"/>
                   <a:cs typeface="Arial"/>
                 </a:rPr>
-                <a:t>0</a:t>
+                <a:t>-20</a:t>
               </a:r>
             </a:p>
           </p:txBody>
         </p:sp>
         <p:sp>
           <p:nvSpPr>
-            <p:cNvPr id="89" name="tx89"/>
-            <p:cNvSpPr/>
-            <p:nvPr/>
-          </p:nvSpPr>
-          <p:spPr>
-            <a:xfrm>
-              <a:off x="2843602" y="3205143"/>
-              <a:ext cx="141262" cy="92831"/>
+            <p:cNvPr id="75" name="tx75"/>
+            <p:cNvSpPr/>
+            <p:nvPr/>
+          </p:nvSpPr>
+          <p:spPr>
+            <a:xfrm>
+              <a:off x="2843602" y="4042404"/>
+              <a:ext cx="70631" cy="92831"/>
             </a:xfrm>
             <a:prstGeom prst="rect">
               <a:avLst/>
@@ -12310,7 +14355,7 @@
             <a:bodyPr wrap="none" lIns="0" tIns="0" rIns="0" bIns="0" anchor="ctr" anchorCtr="1"/>
             <a:lstStyle/>
             <a:p>
-              <a:pPr marL="0" marR="0" indent="0" algn="l">
+              <a:pPr marL="0" marR="0" lvl="0" indent="0" algn="l" defTabSz="995964" rtl="0" eaLnBrk="1" fontAlgn="auto" latinLnBrk="0" hangingPunct="1">
                 <a:lnSpc>
                   <a:spcPts val="1000"/>
                 </a:lnSpc>
@@ -12320,32 +14365,45 @@
                 <a:spcAft>
                   <a:spcPts val="0"/>
                 </a:spcAft>
+                <a:buClrTx/>
+                <a:buSzTx/>
+                <a:buFontTx/>
+                <a:buNone/>
+                <a:tabLst/>
+                <a:defRPr/>
               </a:pPr>
               <a:r>
-                <a:rPr sz="1000">
+                <a:rPr kumimoji="0" sz="1000" b="0" i="0" u="none" strike="noStrike" kern="1200" cap="none" spc="0" normalizeH="0" baseline="0" noProof="0">
+                  <a:ln>
+                    <a:noFill/>
+                  </a:ln>
                   <a:solidFill>
                     <a:srgbClr val="000000">
                       <a:alpha val="100000"/>
                     </a:srgbClr>
                   </a:solidFill>
+                  <a:effectLst/>
+                  <a:uLnTx/>
+                  <a:uFillTx/>
                   <a:latin typeface="Arial"/>
+                  <a:ea typeface="+mn-ea"/>
                   <a:cs typeface="Arial"/>
                 </a:rPr>
-                <a:t>50</a:t>
+                <a:t>0</a:t>
               </a:r>
             </a:p>
           </p:txBody>
         </p:sp>
         <p:sp>
           <p:nvSpPr>
-            <p:cNvPr id="90" name="tx90"/>
-            <p:cNvSpPr/>
-            <p:nvPr/>
-          </p:nvSpPr>
-          <p:spPr>
-            <a:xfrm>
-              <a:off x="2843602" y="2137801"/>
-              <a:ext cx="211894" cy="92831"/>
+            <p:cNvPr id="76" name="tx76"/>
+            <p:cNvSpPr/>
+            <p:nvPr/>
+          </p:nvSpPr>
+          <p:spPr>
+            <a:xfrm>
+              <a:off x="2843602" y="3032538"/>
+              <a:ext cx="141262" cy="92831"/>
             </a:xfrm>
             <a:prstGeom prst="rect">
               <a:avLst/>
@@ -12356,7 +14414,7 @@
             <a:bodyPr wrap="none" lIns="0" tIns="0" rIns="0" bIns="0" anchor="ctr" anchorCtr="1"/>
             <a:lstStyle/>
             <a:p>
-              <a:pPr marL="0" marR="0" indent="0" algn="l">
+              <a:pPr marL="0" marR="0" lvl="0" indent="0" algn="l" defTabSz="995964" rtl="0" eaLnBrk="1" fontAlgn="auto" latinLnBrk="0" hangingPunct="1">
                 <a:lnSpc>
                   <a:spcPts val="1000"/>
                 </a:lnSpc>
@@ -12366,31 +14424,103 @@
                 <a:spcAft>
                   <a:spcPts val="0"/>
                 </a:spcAft>
+                <a:buClrTx/>
+                <a:buSzTx/>
+                <a:buFontTx/>
+                <a:buNone/>
+                <a:tabLst/>
+                <a:defRPr/>
               </a:pPr>
               <a:r>
-                <a:rPr sz="1000">
+                <a:rPr kumimoji="0" sz="1000" b="0" i="0" u="none" strike="noStrike" kern="1200" cap="none" spc="0" normalizeH="0" baseline="0" noProof="0">
+                  <a:ln>
+                    <a:noFill/>
+                  </a:ln>
                   <a:solidFill>
                     <a:srgbClr val="000000">
                       <a:alpha val="100000"/>
                     </a:srgbClr>
                   </a:solidFill>
+                  <a:effectLst/>
+                  <a:uLnTx/>
+                  <a:uFillTx/>
                   <a:latin typeface="Arial"/>
+                  <a:ea typeface="+mn-ea"/>
                   <a:cs typeface="Arial"/>
                 </a:rPr>
-                <a:t>100</a:t>
+                <a:t>20</a:t>
               </a:r>
             </a:p>
           </p:txBody>
         </p:sp>
         <p:sp>
           <p:nvSpPr>
-            <p:cNvPr id="91" name="pl91"/>
-            <p:cNvSpPr/>
-            <p:nvPr/>
-          </p:nvSpPr>
-          <p:spPr>
-            <a:xfrm>
-              <a:off x="3083332" y="4319862"/>
+            <p:cNvPr id="77" name="tx77"/>
+            <p:cNvSpPr/>
+            <p:nvPr/>
+          </p:nvSpPr>
+          <p:spPr>
+            <a:xfrm>
+              <a:off x="2843602" y="2022671"/>
+              <a:ext cx="141262" cy="92831"/>
+            </a:xfrm>
+            <a:prstGeom prst="rect">
+              <a:avLst/>
+            </a:prstGeom>
+            <a:noFill/>
+          </p:spPr>
+          <p:txBody>
+            <a:bodyPr wrap="none" lIns="0" tIns="0" rIns="0" bIns="0" anchor="ctr" anchorCtr="1"/>
+            <a:lstStyle/>
+            <a:p>
+              <a:pPr marL="0" marR="0" lvl="0" indent="0" algn="l" defTabSz="995964" rtl="0" eaLnBrk="1" fontAlgn="auto" latinLnBrk="0" hangingPunct="1">
+                <a:lnSpc>
+                  <a:spcPts val="1000"/>
+                </a:lnSpc>
+                <a:spcBef>
+                  <a:spcPts val="0"/>
+                </a:spcBef>
+                <a:spcAft>
+                  <a:spcPts val="0"/>
+                </a:spcAft>
+                <a:buClrTx/>
+                <a:buSzTx/>
+                <a:buFontTx/>
+                <a:buNone/>
+                <a:tabLst/>
+                <a:defRPr/>
+              </a:pPr>
+              <a:r>
+                <a:rPr kumimoji="0" sz="1000" b="0" i="0" u="none" strike="noStrike" kern="1200" cap="none" spc="0" normalizeH="0" baseline="0" noProof="0">
+                  <a:ln>
+                    <a:noFill/>
+                  </a:ln>
+                  <a:solidFill>
+                    <a:srgbClr val="000000">
+                      <a:alpha val="100000"/>
+                    </a:srgbClr>
+                  </a:solidFill>
+                  <a:effectLst/>
+                  <a:uLnTx/>
+                  <a:uFillTx/>
+                  <a:latin typeface="Arial"/>
+                  <a:ea typeface="+mn-ea"/>
+                  <a:cs typeface="Arial"/>
+                </a:rPr>
+                <a:t>40</a:t>
+              </a:r>
+            </a:p>
+          </p:txBody>
+        </p:sp>
+        <p:sp>
+          <p:nvSpPr>
+            <p:cNvPr id="78" name="pl78"/>
+            <p:cNvSpPr/>
+            <p:nvPr/>
+          </p:nvSpPr>
+          <p:spPr>
+            <a:xfrm>
+              <a:off x="3054992" y="5099647"/>
               <a:ext cx="34794" cy="0"/>
             </a:xfrm>
             <a:custGeom>
@@ -12424,19 +14554,49 @@
             <a:bodyPr/>
             <a:lstStyle/>
             <a:p>
-              <a:endParaRPr/>
-            </a:p>
-          </p:txBody>
-        </p:sp>
-        <p:sp>
-          <p:nvSpPr>
-            <p:cNvPr id="92" name="pl92"/>
-            <p:cNvSpPr/>
-            <p:nvPr/>
-          </p:nvSpPr>
-          <p:spPr>
-            <a:xfrm>
-              <a:off x="3083332" y="3252520"/>
+              <a:pPr marL="0" marR="0" lvl="0" indent="0" algn="l" defTabSz="995964" rtl="0" eaLnBrk="1" fontAlgn="auto" latinLnBrk="0" hangingPunct="1">
+                <a:lnSpc>
+                  <a:spcPct val="100000"/>
+                </a:lnSpc>
+                <a:spcBef>
+                  <a:spcPts val="0"/>
+                </a:spcBef>
+                <a:spcAft>
+                  <a:spcPts val="0"/>
+                </a:spcAft>
+                <a:buClrTx/>
+                <a:buSzTx/>
+                <a:buFontTx/>
+                <a:buNone/>
+                <a:tabLst/>
+                <a:defRPr/>
+              </a:pPr>
+              <a:endParaRPr kumimoji="0" sz="2000" b="0" i="0" u="none" strike="noStrike" kern="1200" cap="none" spc="0" normalizeH="0" baseline="0" noProof="0">
+                <a:ln>
+                  <a:noFill/>
+                </a:ln>
+                <a:solidFill>
+                  <a:prstClr val="black"/>
+                </a:solidFill>
+                <a:effectLst/>
+                <a:uLnTx/>
+                <a:uFillTx/>
+                <a:latin typeface="Calibri"/>
+                <a:ea typeface="+mn-ea"/>
+                <a:cs typeface="+mn-cs"/>
+              </a:endParaRPr>
+            </a:p>
+          </p:txBody>
+        </p:sp>
+        <p:sp>
+          <p:nvSpPr>
+            <p:cNvPr id="79" name="pl79"/>
+            <p:cNvSpPr/>
+            <p:nvPr/>
+          </p:nvSpPr>
+          <p:spPr>
+            <a:xfrm>
+              <a:off x="3054992" y="4089781"/>
               <a:ext cx="34794" cy="0"/>
             </a:xfrm>
             <a:custGeom>
@@ -12470,19 +14630,49 @@
             <a:bodyPr/>
             <a:lstStyle/>
             <a:p>
-              <a:endParaRPr/>
-            </a:p>
-          </p:txBody>
-        </p:sp>
-        <p:sp>
-          <p:nvSpPr>
-            <p:cNvPr id="93" name="pl93"/>
-            <p:cNvSpPr/>
-            <p:nvPr/>
-          </p:nvSpPr>
-          <p:spPr>
-            <a:xfrm>
-              <a:off x="3083332" y="2185178"/>
+              <a:pPr marL="0" marR="0" lvl="0" indent="0" algn="l" defTabSz="995964" rtl="0" eaLnBrk="1" fontAlgn="auto" latinLnBrk="0" hangingPunct="1">
+                <a:lnSpc>
+                  <a:spcPct val="100000"/>
+                </a:lnSpc>
+                <a:spcBef>
+                  <a:spcPts val="0"/>
+                </a:spcBef>
+                <a:spcAft>
+                  <a:spcPts val="0"/>
+                </a:spcAft>
+                <a:buClrTx/>
+                <a:buSzTx/>
+                <a:buFontTx/>
+                <a:buNone/>
+                <a:tabLst/>
+                <a:defRPr/>
+              </a:pPr>
+              <a:endParaRPr kumimoji="0" sz="2000" b="0" i="0" u="none" strike="noStrike" kern="1200" cap="none" spc="0" normalizeH="0" baseline="0" noProof="0">
+                <a:ln>
+                  <a:noFill/>
+                </a:ln>
+                <a:solidFill>
+                  <a:prstClr val="black"/>
+                </a:solidFill>
+                <a:effectLst/>
+                <a:uLnTx/>
+                <a:uFillTx/>
+                <a:latin typeface="Calibri"/>
+                <a:ea typeface="+mn-ea"/>
+                <a:cs typeface="+mn-cs"/>
+              </a:endParaRPr>
+            </a:p>
+          </p:txBody>
+        </p:sp>
+        <p:sp>
+          <p:nvSpPr>
+            <p:cNvPr id="80" name="pl80"/>
+            <p:cNvSpPr/>
+            <p:nvPr/>
+          </p:nvSpPr>
+          <p:spPr>
+            <a:xfrm>
+              <a:off x="3054992" y="3079915"/>
               <a:ext cx="34794" cy="0"/>
             </a:xfrm>
             <a:custGeom>
@@ -12516,19 +14706,125 @@
             <a:bodyPr/>
             <a:lstStyle/>
             <a:p>
-              <a:endParaRPr/>
-            </a:p>
-          </p:txBody>
-        </p:sp>
-        <p:sp>
-          <p:nvSpPr>
-            <p:cNvPr id="94" name="pl94"/>
-            <p:cNvSpPr/>
-            <p:nvPr/>
-          </p:nvSpPr>
-          <p:spPr>
-            <a:xfrm>
-              <a:off x="3271471" y="5118718"/>
+              <a:pPr marL="0" marR="0" lvl="0" indent="0" algn="l" defTabSz="995964" rtl="0" eaLnBrk="1" fontAlgn="auto" latinLnBrk="0" hangingPunct="1">
+                <a:lnSpc>
+                  <a:spcPct val="100000"/>
+                </a:lnSpc>
+                <a:spcBef>
+                  <a:spcPts val="0"/>
+                </a:spcBef>
+                <a:spcAft>
+                  <a:spcPts val="0"/>
+                </a:spcAft>
+                <a:buClrTx/>
+                <a:buSzTx/>
+                <a:buFontTx/>
+                <a:buNone/>
+                <a:tabLst/>
+                <a:defRPr/>
+              </a:pPr>
+              <a:endParaRPr kumimoji="0" sz="2000" b="0" i="0" u="none" strike="noStrike" kern="1200" cap="none" spc="0" normalizeH="0" baseline="0" noProof="0">
+                <a:ln>
+                  <a:noFill/>
+                </a:ln>
+                <a:solidFill>
+                  <a:prstClr val="black"/>
+                </a:solidFill>
+                <a:effectLst/>
+                <a:uLnTx/>
+                <a:uFillTx/>
+                <a:latin typeface="Calibri"/>
+                <a:ea typeface="+mn-ea"/>
+                <a:cs typeface="+mn-cs"/>
+              </a:endParaRPr>
+            </a:p>
+          </p:txBody>
+        </p:sp>
+        <p:sp>
+          <p:nvSpPr>
+            <p:cNvPr id="81" name="pl81"/>
+            <p:cNvSpPr/>
+            <p:nvPr/>
+          </p:nvSpPr>
+          <p:spPr>
+            <a:xfrm>
+              <a:off x="3054992" y="2070048"/>
+              <a:ext cx="34794" cy="0"/>
+            </a:xfrm>
+            <a:custGeom>
+              <a:avLst/>
+              <a:gdLst/>
+              <a:ahLst/>
+              <a:cxnLst/>
+              <a:rect l="0" t="0" r="0" b="0"/>
+              <a:pathLst>
+                <a:path w="34794">
+                  <a:moveTo>
+                    <a:pt x="0" y="0"/>
+                  </a:moveTo>
+                  <a:lnTo>
+                    <a:pt x="34794" y="0"/>
+                  </a:lnTo>
+                </a:path>
+              </a:pathLst>
+            </a:custGeom>
+            <a:ln w="13550" cap="flat">
+              <a:solidFill>
+                <a:srgbClr val="333333">
+                  <a:alpha val="100000"/>
+                </a:srgbClr>
+              </a:solidFill>
+              <a:prstDash val="solid"/>
+              <a:round/>
+            </a:ln>
+          </p:spPr>
+          <p:txBody>
+            <a:bodyPr/>
+            <a:lstStyle/>
+            <a:p>
+              <a:pPr marL="0" marR="0" lvl="0" indent="0" algn="l" defTabSz="995964" rtl="0" eaLnBrk="1" fontAlgn="auto" latinLnBrk="0" hangingPunct="1">
+                <a:lnSpc>
+                  <a:spcPct val="100000"/>
+                </a:lnSpc>
+                <a:spcBef>
+                  <a:spcPts val="0"/>
+                </a:spcBef>
+                <a:spcAft>
+                  <a:spcPts val="0"/>
+                </a:spcAft>
+                <a:buClrTx/>
+                <a:buSzTx/>
+                <a:buFontTx/>
+                <a:buNone/>
+                <a:tabLst/>
+                <a:defRPr/>
+              </a:pPr>
+              <a:endParaRPr kumimoji="0" sz="2000" b="0" i="0" u="none" strike="noStrike" kern="1200" cap="none" spc="0" normalizeH="0" baseline="0" noProof="0">
+                <a:ln>
+                  <a:noFill/>
+                </a:ln>
+                <a:solidFill>
+                  <a:prstClr val="black"/>
+                </a:solidFill>
+                <a:effectLst/>
+                <a:uLnTx/>
+                <a:uFillTx/>
+                <a:latin typeface="Calibri"/>
+                <a:ea typeface="+mn-ea"/>
+                <a:cs typeface="+mn-cs"/>
+              </a:endParaRPr>
+            </a:p>
+          </p:txBody>
+        </p:sp>
+        <p:sp>
+          <p:nvSpPr>
+            <p:cNvPr id="82" name="pl82"/>
+            <p:cNvSpPr/>
+            <p:nvPr/>
+          </p:nvSpPr>
+          <p:spPr>
+            <a:xfrm>
+              <a:off x="3282233" y="5118718"/>
               <a:ext cx="0" cy="34794"/>
             </a:xfrm>
             <a:custGeom>
@@ -12562,19 +14858,49 @@
             <a:bodyPr/>
             <a:lstStyle/>
             <a:p>
-              <a:endParaRPr/>
-            </a:p>
-          </p:txBody>
-        </p:sp>
-        <p:sp>
-          <p:nvSpPr>
-            <p:cNvPr id="95" name="pl95"/>
-            <p:cNvSpPr/>
-            <p:nvPr/>
-          </p:nvSpPr>
-          <p:spPr>
-            <a:xfrm>
-              <a:off x="3527045" y="5118718"/>
+              <a:pPr marL="0" marR="0" lvl="0" indent="0" algn="l" defTabSz="995964" rtl="0" eaLnBrk="1" fontAlgn="auto" latinLnBrk="0" hangingPunct="1">
+                <a:lnSpc>
+                  <a:spcPct val="100000"/>
+                </a:lnSpc>
+                <a:spcBef>
+                  <a:spcPts val="0"/>
+                </a:spcBef>
+                <a:spcAft>
+                  <a:spcPts val="0"/>
+                </a:spcAft>
+                <a:buClrTx/>
+                <a:buSzTx/>
+                <a:buFontTx/>
+                <a:buNone/>
+                <a:tabLst/>
+                <a:defRPr/>
+              </a:pPr>
+              <a:endParaRPr kumimoji="0" sz="2000" b="0" i="0" u="none" strike="noStrike" kern="1200" cap="none" spc="0" normalizeH="0" baseline="0" noProof="0">
+                <a:ln>
+                  <a:noFill/>
+                </a:ln>
+                <a:solidFill>
+                  <a:prstClr val="black"/>
+                </a:solidFill>
+                <a:effectLst/>
+                <a:uLnTx/>
+                <a:uFillTx/>
+                <a:latin typeface="Calibri"/>
+                <a:ea typeface="+mn-ea"/>
+                <a:cs typeface="+mn-cs"/>
+              </a:endParaRPr>
+            </a:p>
+          </p:txBody>
+        </p:sp>
+        <p:sp>
+          <p:nvSpPr>
+            <p:cNvPr id="83" name="pl83"/>
+            <p:cNvSpPr/>
+            <p:nvPr/>
+          </p:nvSpPr>
+          <p:spPr>
+            <a:xfrm>
+              <a:off x="3602976" y="5118718"/>
               <a:ext cx="0" cy="34794"/>
             </a:xfrm>
             <a:custGeom>
@@ -12608,19 +14934,49 @@
             <a:bodyPr/>
             <a:lstStyle/>
             <a:p>
-              <a:endParaRPr/>
-            </a:p>
-          </p:txBody>
-        </p:sp>
-        <p:sp>
-          <p:nvSpPr>
-            <p:cNvPr id="96" name="pl96"/>
-            <p:cNvSpPr/>
-            <p:nvPr/>
-          </p:nvSpPr>
-          <p:spPr>
-            <a:xfrm>
-              <a:off x="3782619" y="5118718"/>
+              <a:pPr marL="0" marR="0" lvl="0" indent="0" algn="l" defTabSz="995964" rtl="0" eaLnBrk="1" fontAlgn="auto" latinLnBrk="0" hangingPunct="1">
+                <a:lnSpc>
+                  <a:spcPct val="100000"/>
+                </a:lnSpc>
+                <a:spcBef>
+                  <a:spcPts val="0"/>
+                </a:spcBef>
+                <a:spcAft>
+                  <a:spcPts val="0"/>
+                </a:spcAft>
+                <a:buClrTx/>
+                <a:buSzTx/>
+                <a:buFontTx/>
+                <a:buNone/>
+                <a:tabLst/>
+                <a:defRPr/>
+              </a:pPr>
+              <a:endParaRPr kumimoji="0" sz="2000" b="0" i="0" u="none" strike="noStrike" kern="1200" cap="none" spc="0" normalizeH="0" baseline="0" noProof="0">
+                <a:ln>
+                  <a:noFill/>
+                </a:ln>
+                <a:solidFill>
+                  <a:prstClr val="black"/>
+                </a:solidFill>
+                <a:effectLst/>
+                <a:uLnTx/>
+                <a:uFillTx/>
+                <a:latin typeface="Calibri"/>
+                <a:ea typeface="+mn-ea"/>
+                <a:cs typeface="+mn-cs"/>
+              </a:endParaRPr>
+            </a:p>
+          </p:txBody>
+        </p:sp>
+        <p:sp>
+          <p:nvSpPr>
+            <p:cNvPr id="84" name="pl84"/>
+            <p:cNvSpPr/>
+            <p:nvPr/>
+          </p:nvSpPr>
+          <p:spPr>
+            <a:xfrm>
+              <a:off x="3923719" y="5118718"/>
               <a:ext cx="0" cy="34794"/>
             </a:xfrm>
             <a:custGeom>
@@ -12654,19 +15010,49 @@
             <a:bodyPr/>
             <a:lstStyle/>
             <a:p>
-              <a:endParaRPr/>
-            </a:p>
-          </p:txBody>
-        </p:sp>
-        <p:sp>
-          <p:nvSpPr>
-            <p:cNvPr id="98" name="pl98"/>
-            <p:cNvSpPr/>
-            <p:nvPr/>
-          </p:nvSpPr>
-          <p:spPr>
-            <a:xfrm>
-              <a:off x="4293767" y="5118718"/>
+              <a:pPr marL="0" marR="0" lvl="0" indent="0" algn="l" defTabSz="995964" rtl="0" eaLnBrk="1" fontAlgn="auto" latinLnBrk="0" hangingPunct="1">
+                <a:lnSpc>
+                  <a:spcPct val="100000"/>
+                </a:lnSpc>
+                <a:spcBef>
+                  <a:spcPts val="0"/>
+                </a:spcBef>
+                <a:spcAft>
+                  <a:spcPts val="0"/>
+                </a:spcAft>
+                <a:buClrTx/>
+                <a:buSzTx/>
+                <a:buFontTx/>
+                <a:buNone/>
+                <a:tabLst/>
+                <a:defRPr/>
+              </a:pPr>
+              <a:endParaRPr kumimoji="0" sz="2000" b="0" i="0" u="none" strike="noStrike" kern="1200" cap="none" spc="0" normalizeH="0" baseline="0" noProof="0">
+                <a:ln>
+                  <a:noFill/>
+                </a:ln>
+                <a:solidFill>
+                  <a:prstClr val="black"/>
+                </a:solidFill>
+                <a:effectLst/>
+                <a:uLnTx/>
+                <a:uFillTx/>
+                <a:latin typeface="Calibri"/>
+                <a:ea typeface="+mn-ea"/>
+                <a:cs typeface="+mn-cs"/>
+              </a:endParaRPr>
+            </a:p>
+          </p:txBody>
+        </p:sp>
+        <p:sp>
+          <p:nvSpPr>
+            <p:cNvPr id="85" name="pl85"/>
+            <p:cNvSpPr/>
+            <p:nvPr/>
+          </p:nvSpPr>
+          <p:spPr>
+            <a:xfrm>
+              <a:off x="4244462" y="5118718"/>
               <a:ext cx="0" cy="34794"/>
             </a:xfrm>
             <a:custGeom>
@@ -12700,19 +15086,49 @@
             <a:bodyPr/>
             <a:lstStyle/>
             <a:p>
-              <a:endParaRPr/>
-            </a:p>
-          </p:txBody>
-        </p:sp>
-        <p:sp>
-          <p:nvSpPr>
-            <p:cNvPr id="99" name="pl99"/>
-            <p:cNvSpPr/>
-            <p:nvPr/>
-          </p:nvSpPr>
-          <p:spPr>
-            <a:xfrm>
-              <a:off x="4549342" y="5118718"/>
+              <a:pPr marL="0" marR="0" lvl="0" indent="0" algn="l" defTabSz="995964" rtl="0" eaLnBrk="1" fontAlgn="auto" latinLnBrk="0" hangingPunct="1">
+                <a:lnSpc>
+                  <a:spcPct val="100000"/>
+                </a:lnSpc>
+                <a:spcBef>
+                  <a:spcPts val="0"/>
+                </a:spcBef>
+                <a:spcAft>
+                  <a:spcPts val="0"/>
+                </a:spcAft>
+                <a:buClrTx/>
+                <a:buSzTx/>
+                <a:buFontTx/>
+                <a:buNone/>
+                <a:tabLst/>
+                <a:defRPr/>
+              </a:pPr>
+              <a:endParaRPr kumimoji="0" sz="2000" b="0" i="0" u="none" strike="noStrike" kern="1200" cap="none" spc="0" normalizeH="0" baseline="0" noProof="0">
+                <a:ln>
+                  <a:noFill/>
+                </a:ln>
+                <a:solidFill>
+                  <a:prstClr val="black"/>
+                </a:solidFill>
+                <a:effectLst/>
+                <a:uLnTx/>
+                <a:uFillTx/>
+                <a:latin typeface="Calibri"/>
+                <a:ea typeface="+mn-ea"/>
+                <a:cs typeface="+mn-cs"/>
+              </a:endParaRPr>
+            </a:p>
+          </p:txBody>
+        </p:sp>
+        <p:sp>
+          <p:nvSpPr>
+            <p:cNvPr id="86" name="pl86"/>
+            <p:cNvSpPr/>
+            <p:nvPr/>
+          </p:nvSpPr>
+          <p:spPr>
+            <a:xfrm>
+              <a:off x="4565205" y="5118718"/>
               <a:ext cx="0" cy="34794"/>
             </a:xfrm>
             <a:custGeom>
@@ -12746,19 +15162,49 @@
             <a:bodyPr/>
             <a:lstStyle/>
             <a:p>
-              <a:endParaRPr/>
-            </a:p>
-          </p:txBody>
-        </p:sp>
-        <p:sp>
-          <p:nvSpPr>
-            <p:cNvPr id="100" name="pl100"/>
-            <p:cNvSpPr/>
-            <p:nvPr/>
-          </p:nvSpPr>
-          <p:spPr>
-            <a:xfrm>
-              <a:off x="4804916" y="5118718"/>
+              <a:pPr marL="0" marR="0" lvl="0" indent="0" algn="l" defTabSz="995964" rtl="0" eaLnBrk="1" fontAlgn="auto" latinLnBrk="0" hangingPunct="1">
+                <a:lnSpc>
+                  <a:spcPct val="100000"/>
+                </a:lnSpc>
+                <a:spcBef>
+                  <a:spcPts val="0"/>
+                </a:spcBef>
+                <a:spcAft>
+                  <a:spcPts val="0"/>
+                </a:spcAft>
+                <a:buClrTx/>
+                <a:buSzTx/>
+                <a:buFontTx/>
+                <a:buNone/>
+                <a:tabLst/>
+                <a:defRPr/>
+              </a:pPr>
+              <a:endParaRPr kumimoji="0" sz="2000" b="0" i="0" u="none" strike="noStrike" kern="1200" cap="none" spc="0" normalizeH="0" baseline="0" noProof="0">
+                <a:ln>
+                  <a:noFill/>
+                </a:ln>
+                <a:solidFill>
+                  <a:prstClr val="black"/>
+                </a:solidFill>
+                <a:effectLst/>
+                <a:uLnTx/>
+                <a:uFillTx/>
+                <a:latin typeface="Calibri"/>
+                <a:ea typeface="+mn-ea"/>
+                <a:cs typeface="+mn-cs"/>
+              </a:endParaRPr>
+            </a:p>
+          </p:txBody>
+        </p:sp>
+        <p:sp>
+          <p:nvSpPr>
+            <p:cNvPr id="87" name="pl87"/>
+            <p:cNvSpPr/>
+            <p:nvPr/>
+          </p:nvSpPr>
+          <p:spPr>
+            <a:xfrm>
+              <a:off x="4885949" y="5118718"/>
               <a:ext cx="0" cy="34794"/>
             </a:xfrm>
             <a:custGeom>
@@ -12792,19 +15238,49 @@
             <a:bodyPr/>
             <a:lstStyle/>
             <a:p>
-              <a:endParaRPr/>
-            </a:p>
-          </p:txBody>
-        </p:sp>
-        <p:sp>
-          <p:nvSpPr>
-            <p:cNvPr id="102" name="pl102"/>
-            <p:cNvSpPr/>
-            <p:nvPr/>
-          </p:nvSpPr>
-          <p:spPr>
-            <a:xfrm>
-              <a:off x="5316064" y="5118718"/>
+              <a:pPr marL="0" marR="0" lvl="0" indent="0" algn="l" defTabSz="995964" rtl="0" eaLnBrk="1" fontAlgn="auto" latinLnBrk="0" hangingPunct="1">
+                <a:lnSpc>
+                  <a:spcPct val="100000"/>
+                </a:lnSpc>
+                <a:spcBef>
+                  <a:spcPts val="0"/>
+                </a:spcBef>
+                <a:spcAft>
+                  <a:spcPts val="0"/>
+                </a:spcAft>
+                <a:buClrTx/>
+                <a:buSzTx/>
+                <a:buFontTx/>
+                <a:buNone/>
+                <a:tabLst/>
+                <a:defRPr/>
+              </a:pPr>
+              <a:endParaRPr kumimoji="0" sz="2000" b="0" i="0" u="none" strike="noStrike" kern="1200" cap="none" spc="0" normalizeH="0" baseline="0" noProof="0">
+                <a:ln>
+                  <a:noFill/>
+                </a:ln>
+                <a:solidFill>
+                  <a:prstClr val="black"/>
+                </a:solidFill>
+                <a:effectLst/>
+                <a:uLnTx/>
+                <a:uFillTx/>
+                <a:latin typeface="Calibri"/>
+                <a:ea typeface="+mn-ea"/>
+                <a:cs typeface="+mn-cs"/>
+              </a:endParaRPr>
+            </a:p>
+          </p:txBody>
+        </p:sp>
+        <p:sp>
+          <p:nvSpPr>
+            <p:cNvPr id="88" name="pl88"/>
+            <p:cNvSpPr/>
+            <p:nvPr/>
+          </p:nvSpPr>
+          <p:spPr>
+            <a:xfrm>
+              <a:off x="5206692" y="5118718"/>
               <a:ext cx="0" cy="34794"/>
             </a:xfrm>
             <a:custGeom>
@@ -12838,19 +15314,49 @@
             <a:bodyPr/>
             <a:lstStyle/>
             <a:p>
-              <a:endParaRPr/>
-            </a:p>
-          </p:txBody>
-        </p:sp>
-        <p:sp>
-          <p:nvSpPr>
-            <p:cNvPr id="103" name="pl103"/>
-            <p:cNvSpPr/>
-            <p:nvPr/>
-          </p:nvSpPr>
-          <p:spPr>
-            <a:xfrm>
-              <a:off x="5571638" y="5118718"/>
+              <a:pPr marL="0" marR="0" lvl="0" indent="0" algn="l" defTabSz="995964" rtl="0" eaLnBrk="1" fontAlgn="auto" latinLnBrk="0" hangingPunct="1">
+                <a:lnSpc>
+                  <a:spcPct val="100000"/>
+                </a:lnSpc>
+                <a:spcBef>
+                  <a:spcPts val="0"/>
+                </a:spcBef>
+                <a:spcAft>
+                  <a:spcPts val="0"/>
+                </a:spcAft>
+                <a:buClrTx/>
+                <a:buSzTx/>
+                <a:buFontTx/>
+                <a:buNone/>
+                <a:tabLst/>
+                <a:defRPr/>
+              </a:pPr>
+              <a:endParaRPr kumimoji="0" sz="2000" b="0" i="0" u="none" strike="noStrike" kern="1200" cap="none" spc="0" normalizeH="0" baseline="0" noProof="0">
+                <a:ln>
+                  <a:noFill/>
+                </a:ln>
+                <a:solidFill>
+                  <a:prstClr val="black"/>
+                </a:solidFill>
+                <a:effectLst/>
+                <a:uLnTx/>
+                <a:uFillTx/>
+                <a:latin typeface="Calibri"/>
+                <a:ea typeface="+mn-ea"/>
+                <a:cs typeface="+mn-cs"/>
+              </a:endParaRPr>
+            </a:p>
+          </p:txBody>
+        </p:sp>
+        <p:sp>
+          <p:nvSpPr>
+            <p:cNvPr id="89" name="pl89"/>
+            <p:cNvSpPr/>
+            <p:nvPr/>
+          </p:nvSpPr>
+          <p:spPr>
+            <a:xfrm>
+              <a:off x="5527435" y="5118718"/>
               <a:ext cx="0" cy="34794"/>
             </a:xfrm>
             <a:custGeom>
@@ -12884,19 +15390,49 @@
             <a:bodyPr/>
             <a:lstStyle/>
             <a:p>
-              <a:endParaRPr/>
-            </a:p>
-          </p:txBody>
-        </p:sp>
-        <p:sp>
-          <p:nvSpPr>
-            <p:cNvPr id="104" name="pl104"/>
-            <p:cNvSpPr/>
-            <p:nvPr/>
-          </p:nvSpPr>
-          <p:spPr>
-            <a:xfrm>
-              <a:off x="5827212" y="5118718"/>
+              <a:pPr marL="0" marR="0" lvl="0" indent="0" algn="l" defTabSz="995964" rtl="0" eaLnBrk="1" fontAlgn="auto" latinLnBrk="0" hangingPunct="1">
+                <a:lnSpc>
+                  <a:spcPct val="100000"/>
+                </a:lnSpc>
+                <a:spcBef>
+                  <a:spcPts val="0"/>
+                </a:spcBef>
+                <a:spcAft>
+                  <a:spcPts val="0"/>
+                </a:spcAft>
+                <a:buClrTx/>
+                <a:buSzTx/>
+                <a:buFontTx/>
+                <a:buNone/>
+                <a:tabLst/>
+                <a:defRPr/>
+              </a:pPr>
+              <a:endParaRPr kumimoji="0" sz="2000" b="0" i="0" u="none" strike="noStrike" kern="1200" cap="none" spc="0" normalizeH="0" baseline="0" noProof="0">
+                <a:ln>
+                  <a:noFill/>
+                </a:ln>
+                <a:solidFill>
+                  <a:prstClr val="black"/>
+                </a:solidFill>
+                <a:effectLst/>
+                <a:uLnTx/>
+                <a:uFillTx/>
+                <a:latin typeface="Calibri"/>
+                <a:ea typeface="+mn-ea"/>
+                <a:cs typeface="+mn-cs"/>
+              </a:endParaRPr>
+            </a:p>
+          </p:txBody>
+        </p:sp>
+        <p:sp>
+          <p:nvSpPr>
+            <p:cNvPr id="90" name="pl90"/>
+            <p:cNvSpPr/>
+            <p:nvPr/>
+          </p:nvSpPr>
+          <p:spPr>
+            <a:xfrm>
+              <a:off x="5848178" y="5118718"/>
               <a:ext cx="0" cy="34794"/>
             </a:xfrm>
             <a:custGeom>
@@ -12930,19 +15466,49 @@
             <a:bodyPr/>
             <a:lstStyle/>
             <a:p>
-              <a:endParaRPr/>
-            </a:p>
-          </p:txBody>
-        </p:sp>
-        <p:sp>
-          <p:nvSpPr>
-            <p:cNvPr id="106" name="pl106"/>
-            <p:cNvSpPr/>
-            <p:nvPr/>
-          </p:nvSpPr>
-          <p:spPr>
-            <a:xfrm>
-              <a:off x="6338360" y="5118718"/>
+              <a:pPr marL="0" marR="0" lvl="0" indent="0" algn="l" defTabSz="995964" rtl="0" eaLnBrk="1" fontAlgn="auto" latinLnBrk="0" hangingPunct="1">
+                <a:lnSpc>
+                  <a:spcPct val="100000"/>
+                </a:lnSpc>
+                <a:spcBef>
+                  <a:spcPts val="0"/>
+                </a:spcBef>
+                <a:spcAft>
+                  <a:spcPts val="0"/>
+                </a:spcAft>
+                <a:buClrTx/>
+                <a:buSzTx/>
+                <a:buFontTx/>
+                <a:buNone/>
+                <a:tabLst/>
+                <a:defRPr/>
+              </a:pPr>
+              <a:endParaRPr kumimoji="0" sz="2000" b="0" i="0" u="none" strike="noStrike" kern="1200" cap="none" spc="0" normalizeH="0" baseline="0" noProof="0">
+                <a:ln>
+                  <a:noFill/>
+                </a:ln>
+                <a:solidFill>
+                  <a:prstClr val="black"/>
+                </a:solidFill>
+                <a:effectLst/>
+                <a:uLnTx/>
+                <a:uFillTx/>
+                <a:latin typeface="Calibri"/>
+                <a:ea typeface="+mn-ea"/>
+                <a:cs typeface="+mn-cs"/>
+              </a:endParaRPr>
+            </a:p>
+          </p:txBody>
+        </p:sp>
+        <p:sp>
+          <p:nvSpPr>
+            <p:cNvPr id="91" name="pl91"/>
+            <p:cNvSpPr/>
+            <p:nvPr/>
+          </p:nvSpPr>
+          <p:spPr>
+            <a:xfrm>
+              <a:off x="6168921" y="5118718"/>
               <a:ext cx="0" cy="34794"/>
             </a:xfrm>
             <a:custGeom>
@@ -12976,19 +15542,49 @@
             <a:bodyPr/>
             <a:lstStyle/>
             <a:p>
-              <a:endParaRPr/>
-            </a:p>
-          </p:txBody>
-        </p:sp>
-        <p:sp>
-          <p:nvSpPr>
-            <p:cNvPr id="107" name="pl107"/>
-            <p:cNvSpPr/>
-            <p:nvPr/>
-          </p:nvSpPr>
-          <p:spPr>
-            <a:xfrm>
-              <a:off x="6593935" y="5118718"/>
+              <a:pPr marL="0" marR="0" lvl="0" indent="0" algn="l" defTabSz="995964" rtl="0" eaLnBrk="1" fontAlgn="auto" latinLnBrk="0" hangingPunct="1">
+                <a:lnSpc>
+                  <a:spcPct val="100000"/>
+                </a:lnSpc>
+                <a:spcBef>
+                  <a:spcPts val="0"/>
+                </a:spcBef>
+                <a:spcAft>
+                  <a:spcPts val="0"/>
+                </a:spcAft>
+                <a:buClrTx/>
+                <a:buSzTx/>
+                <a:buFontTx/>
+                <a:buNone/>
+                <a:tabLst/>
+                <a:defRPr/>
+              </a:pPr>
+              <a:endParaRPr kumimoji="0" sz="2000" b="0" i="0" u="none" strike="noStrike" kern="1200" cap="none" spc="0" normalizeH="0" baseline="0" noProof="0">
+                <a:ln>
+                  <a:noFill/>
+                </a:ln>
+                <a:solidFill>
+                  <a:prstClr val="black"/>
+                </a:solidFill>
+                <a:effectLst/>
+                <a:uLnTx/>
+                <a:uFillTx/>
+                <a:latin typeface="Calibri"/>
+                <a:ea typeface="+mn-ea"/>
+                <a:cs typeface="+mn-cs"/>
+              </a:endParaRPr>
+            </a:p>
+          </p:txBody>
+        </p:sp>
+        <p:sp>
+          <p:nvSpPr>
+            <p:cNvPr id="92" name="pl92"/>
+            <p:cNvSpPr/>
+            <p:nvPr/>
+          </p:nvSpPr>
+          <p:spPr>
+            <a:xfrm>
+              <a:off x="6489664" y="5118718"/>
               <a:ext cx="0" cy="34794"/>
             </a:xfrm>
             <a:custGeom>
@@ -13022,19 +15618,49 @@
             <a:bodyPr/>
             <a:lstStyle/>
             <a:p>
-              <a:endParaRPr/>
-            </a:p>
-          </p:txBody>
-        </p:sp>
-        <p:sp>
-          <p:nvSpPr>
-            <p:cNvPr id="108" name="pl108"/>
-            <p:cNvSpPr/>
-            <p:nvPr/>
-          </p:nvSpPr>
-          <p:spPr>
-            <a:xfrm>
-              <a:off x="6849509" y="5118718"/>
+              <a:pPr marL="0" marR="0" lvl="0" indent="0" algn="l" defTabSz="995964" rtl="0" eaLnBrk="1" fontAlgn="auto" latinLnBrk="0" hangingPunct="1">
+                <a:lnSpc>
+                  <a:spcPct val="100000"/>
+                </a:lnSpc>
+                <a:spcBef>
+                  <a:spcPts val="0"/>
+                </a:spcBef>
+                <a:spcAft>
+                  <a:spcPts val="0"/>
+                </a:spcAft>
+                <a:buClrTx/>
+                <a:buSzTx/>
+                <a:buFontTx/>
+                <a:buNone/>
+                <a:tabLst/>
+                <a:defRPr/>
+              </a:pPr>
+              <a:endParaRPr kumimoji="0" sz="2000" b="0" i="0" u="none" strike="noStrike" kern="1200" cap="none" spc="0" normalizeH="0" baseline="0" noProof="0">
+                <a:ln>
+                  <a:noFill/>
+                </a:ln>
+                <a:solidFill>
+                  <a:prstClr val="black"/>
+                </a:solidFill>
+                <a:effectLst/>
+                <a:uLnTx/>
+                <a:uFillTx/>
+                <a:latin typeface="Calibri"/>
+                <a:ea typeface="+mn-ea"/>
+                <a:cs typeface="+mn-cs"/>
+              </a:endParaRPr>
+            </a:p>
+          </p:txBody>
+        </p:sp>
+        <p:sp>
+          <p:nvSpPr>
+            <p:cNvPr id="93" name="pl93"/>
+            <p:cNvSpPr/>
+            <p:nvPr/>
+          </p:nvSpPr>
+          <p:spPr>
+            <a:xfrm>
+              <a:off x="6810407" y="5118718"/>
               <a:ext cx="0" cy="34794"/>
             </a:xfrm>
             <a:custGeom>
@@ -13068,19 +15694,49 @@
             <a:bodyPr/>
             <a:lstStyle/>
             <a:p>
-              <a:endParaRPr/>
-            </a:p>
-          </p:txBody>
-        </p:sp>
-        <p:sp>
-          <p:nvSpPr>
-            <p:cNvPr id="109" name="tx109"/>
+              <a:pPr marL="0" marR="0" lvl="0" indent="0" algn="l" defTabSz="995964" rtl="0" eaLnBrk="1" fontAlgn="auto" latinLnBrk="0" hangingPunct="1">
+                <a:lnSpc>
+                  <a:spcPct val="100000"/>
+                </a:lnSpc>
+                <a:spcBef>
+                  <a:spcPts val="0"/>
+                </a:spcBef>
+                <a:spcAft>
+                  <a:spcPts val="0"/>
+                </a:spcAft>
+                <a:buClrTx/>
+                <a:buSzTx/>
+                <a:buFontTx/>
+                <a:buNone/>
+                <a:tabLst/>
+                <a:defRPr/>
+              </a:pPr>
+              <a:endParaRPr kumimoji="0" sz="2000" b="0" i="0" u="none" strike="noStrike" kern="1200" cap="none" spc="0" normalizeH="0" baseline="0" noProof="0">
+                <a:ln>
+                  <a:noFill/>
+                </a:ln>
+                <a:solidFill>
+                  <a:prstClr val="black"/>
+                </a:solidFill>
+                <a:effectLst/>
+                <a:uLnTx/>
+                <a:uFillTx/>
+                <a:latin typeface="Calibri"/>
+                <a:ea typeface="+mn-ea"/>
+                <a:cs typeface="+mn-cs"/>
+              </a:endParaRPr>
+            </a:p>
+          </p:txBody>
+        </p:sp>
+        <p:sp>
+          <p:nvSpPr>
+            <p:cNvPr id="94" name="tx94"/>
             <p:cNvSpPr/>
             <p:nvPr/>
           </p:nvSpPr>
           <p:spPr>
             <a:xfrm rot="-2700000">
-              <a:off x="2408193" y="5512141"/>
+              <a:off x="2418955" y="5512141"/>
               <a:ext cx="1037952" cy="117698"/>
             </a:xfrm>
             <a:prstGeom prst="rect">
@@ -13092,7 +15748,7 @@
             <a:bodyPr wrap="none" lIns="0" tIns="0" rIns="0" bIns="0" anchor="ctr" anchorCtr="1"/>
             <a:lstStyle/>
             <a:p>
-              <a:pPr marL="0" marR="0" indent="0" algn="l">
+              <a:pPr marL="0" marR="0" lvl="0" indent="0" algn="l" defTabSz="995964" rtl="0" eaLnBrk="1" fontAlgn="auto" latinLnBrk="0" hangingPunct="1">
                 <a:lnSpc>
                   <a:spcPts val="1000"/>
                 </a:lnSpc>
@@ -13102,15 +15758,28 @@
                 <a:spcAft>
                   <a:spcPts val="0"/>
                 </a:spcAft>
+                <a:buClrTx/>
+                <a:buSzTx/>
+                <a:buFontTx/>
+                <a:buNone/>
+                <a:tabLst/>
+                <a:defRPr/>
               </a:pPr>
               <a:r>
-                <a:rPr sz="1000">
+                <a:rPr kumimoji="0" sz="1000" b="0" i="0" u="none" strike="noStrike" kern="1200" cap="none" spc="0" normalizeH="0" baseline="0" noProof="0">
+                  <a:ln>
+                    <a:noFill/>
+                  </a:ln>
                   <a:solidFill>
                     <a:srgbClr val="000000">
                       <a:alpha val="100000"/>
                     </a:srgbClr>
                   </a:solidFill>
+                  <a:effectLst/>
+                  <a:uLnTx/>
+                  <a:uFillTx/>
                   <a:latin typeface="Arial"/>
+                  <a:ea typeface="+mn-ea"/>
                   <a:cs typeface="Arial"/>
                 </a:rPr>
                 <a:t>Cor_spp_1_spp_2</a:t>
@@ -13120,13 +15789,13 @@
         </p:sp>
         <p:sp>
           <p:nvSpPr>
-            <p:cNvPr id="110" name="tx110"/>
+            <p:cNvPr id="95" name="tx95"/>
             <p:cNvSpPr/>
             <p:nvPr/>
           </p:nvSpPr>
           <p:spPr>
             <a:xfrm rot="-2700000">
-              <a:off x="2663767" y="5512141"/>
+              <a:off x="2739698" y="5512141"/>
               <a:ext cx="1037952" cy="117698"/>
             </a:xfrm>
             <a:prstGeom prst="rect">
@@ -13138,7 +15807,7 @@
             <a:bodyPr wrap="none" lIns="0" tIns="0" rIns="0" bIns="0" anchor="ctr" anchorCtr="1"/>
             <a:lstStyle/>
             <a:p>
-              <a:pPr marL="0" marR="0" indent="0" algn="l">
+              <a:pPr marL="0" marR="0" lvl="0" indent="0" algn="l" defTabSz="995964" rtl="0" eaLnBrk="1" fontAlgn="auto" latinLnBrk="0" hangingPunct="1">
                 <a:lnSpc>
                   <a:spcPts val="1000"/>
                 </a:lnSpc>
@@ -13148,15 +15817,28 @@
                 <a:spcAft>
                   <a:spcPts val="0"/>
                 </a:spcAft>
+                <a:buClrTx/>
+                <a:buSzTx/>
+                <a:buFontTx/>
+                <a:buNone/>
+                <a:tabLst/>
+                <a:defRPr/>
               </a:pPr>
               <a:r>
-                <a:rPr sz="1000">
+                <a:rPr kumimoji="0" sz="1000" b="0" i="0" u="none" strike="noStrike" kern="1200" cap="none" spc="0" normalizeH="0" baseline="0" noProof="0">
+                  <a:ln>
+                    <a:noFill/>
+                  </a:ln>
                   <a:solidFill>
                     <a:srgbClr val="000000">
                       <a:alpha val="100000"/>
                     </a:srgbClr>
                   </a:solidFill>
+                  <a:effectLst/>
+                  <a:uLnTx/>
+                  <a:uFillTx/>
                   <a:latin typeface="Arial"/>
+                  <a:ea typeface="+mn-ea"/>
                   <a:cs typeface="Arial"/>
                 </a:rPr>
                 <a:t>Cor_spp_1_spp_3</a:t>
@@ -13166,13 +15848,13 @@
         </p:sp>
         <p:sp>
           <p:nvSpPr>
-            <p:cNvPr id="111" name="tx111"/>
+            <p:cNvPr id="96" name="tx96"/>
             <p:cNvSpPr/>
             <p:nvPr/>
           </p:nvSpPr>
           <p:spPr>
             <a:xfrm rot="-2700000">
-              <a:off x="2919341" y="5512141"/>
+              <a:off x="3060441" y="5512141"/>
               <a:ext cx="1037952" cy="117698"/>
             </a:xfrm>
             <a:prstGeom prst="rect">
@@ -13184,7 +15866,7 @@
             <a:bodyPr wrap="none" lIns="0" tIns="0" rIns="0" bIns="0" anchor="ctr" anchorCtr="1"/>
             <a:lstStyle/>
             <a:p>
-              <a:pPr marL="0" marR="0" indent="0" algn="l">
+              <a:pPr marL="0" marR="0" lvl="0" indent="0" algn="l" defTabSz="995964" rtl="0" eaLnBrk="1" fontAlgn="auto" latinLnBrk="0" hangingPunct="1">
                 <a:lnSpc>
                   <a:spcPts val="1000"/>
                 </a:lnSpc>
@@ -13194,15 +15876,28 @@
                 <a:spcAft>
                   <a:spcPts val="0"/>
                 </a:spcAft>
+                <a:buClrTx/>
+                <a:buSzTx/>
+                <a:buFontTx/>
+                <a:buNone/>
+                <a:tabLst/>
+                <a:defRPr/>
               </a:pPr>
               <a:r>
-                <a:rPr sz="1000">
+                <a:rPr kumimoji="0" sz="1000" b="0" i="0" u="none" strike="noStrike" kern="1200" cap="none" spc="0" normalizeH="0" baseline="0" noProof="0">
+                  <a:ln>
+                    <a:noFill/>
+                  </a:ln>
                   <a:solidFill>
                     <a:srgbClr val="000000">
                       <a:alpha val="100000"/>
                     </a:srgbClr>
                   </a:solidFill>
+                  <a:effectLst/>
+                  <a:uLnTx/>
+                  <a:uFillTx/>
                   <a:latin typeface="Arial"/>
+                  <a:ea typeface="+mn-ea"/>
                   <a:cs typeface="Arial"/>
                 </a:rPr>
                 <a:t>Cor_spp_2_spp_3</a:t>
@@ -13212,13 +15907,13 @@
         </p:sp>
         <p:sp>
           <p:nvSpPr>
-            <p:cNvPr id="113" name="tx113"/>
+            <p:cNvPr id="97" name="tx97"/>
             <p:cNvSpPr/>
             <p:nvPr/>
           </p:nvSpPr>
           <p:spPr>
             <a:xfrm rot="-2700000">
-              <a:off x="3394755" y="5528121"/>
+              <a:off x="3345450" y="5528121"/>
               <a:ext cx="1080306" cy="116520"/>
             </a:xfrm>
             <a:prstGeom prst="rect">
@@ -13230,7 +15925,7 @@
             <a:bodyPr wrap="none" lIns="0" tIns="0" rIns="0" bIns="0" anchor="ctr" anchorCtr="1"/>
             <a:lstStyle/>
             <a:p>
-              <a:pPr marL="0" marR="0" indent="0" algn="l">
+              <a:pPr marL="0" marR="0" lvl="0" indent="0" algn="l" defTabSz="995964" rtl="0" eaLnBrk="1" fontAlgn="auto" latinLnBrk="0" hangingPunct="1">
                 <a:lnSpc>
                   <a:spcPts val="1000"/>
                 </a:lnSpc>
@@ -13240,15 +15935,28 @@
                 <a:spcAft>
                   <a:spcPts val="0"/>
                 </a:spcAft>
+                <a:buClrTx/>
+                <a:buSzTx/>
+                <a:buFontTx/>
+                <a:buNone/>
+                <a:tabLst/>
+                <a:defRPr/>
               </a:pPr>
               <a:r>
-                <a:rPr sz="1000">
+                <a:rPr kumimoji="0" sz="1000" b="0" i="0" u="none" strike="noStrike" kern="1200" cap="none" spc="0" normalizeH="0" baseline="0" noProof="0">
+                  <a:ln>
+                    <a:noFill/>
+                  </a:ln>
                   <a:solidFill>
                     <a:srgbClr val="000000">
                       <a:alpha val="100000"/>
                     </a:srgbClr>
                   </a:solidFill>
+                  <a:effectLst/>
+                  <a:uLnTx/>
+                  <a:uFillTx/>
                   <a:latin typeface="Arial"/>
+                  <a:ea typeface="+mn-ea"/>
                   <a:cs typeface="Arial"/>
                 </a:rPr>
                 <a:t>spp_1_Inter_Island</a:t>
@@ -13258,13 +15966,13 @@
         </p:sp>
         <p:sp>
           <p:nvSpPr>
-            <p:cNvPr id="114" name="tx114"/>
+            <p:cNvPr id="98" name="tx98"/>
             <p:cNvSpPr/>
             <p:nvPr/>
           </p:nvSpPr>
           <p:spPr>
             <a:xfrm rot="-2700000">
-              <a:off x="3650329" y="5528121"/>
+              <a:off x="3666193" y="5528121"/>
               <a:ext cx="1080306" cy="116520"/>
             </a:xfrm>
             <a:prstGeom prst="rect">
@@ -13276,7 +15984,7 @@
             <a:bodyPr wrap="none" lIns="0" tIns="0" rIns="0" bIns="0" anchor="ctr" anchorCtr="1"/>
             <a:lstStyle/>
             <a:p>
-              <a:pPr marL="0" marR="0" indent="0" algn="l">
+              <a:pPr marL="0" marR="0" lvl="0" indent="0" algn="l" defTabSz="995964" rtl="0" eaLnBrk="1" fontAlgn="auto" latinLnBrk="0" hangingPunct="1">
                 <a:lnSpc>
                   <a:spcPts val="1000"/>
                 </a:lnSpc>
@@ -13286,15 +15994,28 @@
                 <a:spcAft>
                   <a:spcPts val="0"/>
                 </a:spcAft>
+                <a:buClrTx/>
+                <a:buSzTx/>
+                <a:buFontTx/>
+                <a:buNone/>
+                <a:tabLst/>
+                <a:defRPr/>
               </a:pPr>
               <a:r>
-                <a:rPr sz="1000">
+                <a:rPr kumimoji="0" sz="1000" b="0" i="0" u="none" strike="noStrike" kern="1200" cap="none" spc="0" normalizeH="0" baseline="0" noProof="0">
+                  <a:ln>
+                    <a:noFill/>
+                  </a:ln>
                   <a:solidFill>
                     <a:srgbClr val="000000">
                       <a:alpha val="100000"/>
                     </a:srgbClr>
                   </a:solidFill>
+                  <a:effectLst/>
+                  <a:uLnTx/>
+                  <a:uFillTx/>
                   <a:latin typeface="Arial"/>
+                  <a:ea typeface="+mn-ea"/>
                   <a:cs typeface="Arial"/>
                 </a:rPr>
                 <a:t>spp_1_Intra_Island</a:t>
@@ -13304,13 +16025,13 @@
         </p:sp>
         <p:sp>
           <p:nvSpPr>
-            <p:cNvPr id="115" name="tx115"/>
+            <p:cNvPr id="99" name="tx99"/>
             <p:cNvSpPr/>
             <p:nvPr/>
           </p:nvSpPr>
           <p:spPr>
             <a:xfrm rot="-2700000">
-              <a:off x="4032460" y="5475699"/>
+              <a:off x="4113492" y="5475699"/>
               <a:ext cx="932036" cy="116520"/>
             </a:xfrm>
             <a:prstGeom prst="rect">
@@ -13322,7 +16043,7 @@
             <a:bodyPr wrap="none" lIns="0" tIns="0" rIns="0" bIns="0" anchor="ctr" anchorCtr="1"/>
             <a:lstStyle/>
             <a:p>
-              <a:pPr marL="0" marR="0" indent="0" algn="l">
+              <a:pPr marL="0" marR="0" lvl="0" indent="0" algn="l" defTabSz="995964" rtl="0" eaLnBrk="1" fontAlgn="auto" latinLnBrk="0" hangingPunct="1">
                 <a:lnSpc>
                   <a:spcPts val="1000"/>
                 </a:lnSpc>
@@ -13332,15 +16053,28 @@
                 <a:spcAft>
                   <a:spcPts val="0"/>
                 </a:spcAft>
+                <a:buClrTx/>
+                <a:buSzTx/>
+                <a:buFontTx/>
+                <a:buNone/>
+                <a:tabLst/>
+                <a:defRPr/>
               </a:pPr>
               <a:r>
-                <a:rPr sz="1000">
+                <a:rPr kumimoji="0" sz="1000" b="0" i="0" u="none" strike="noStrike" kern="1200" cap="none" spc="0" normalizeH="0" baseline="0" noProof="0">
+                  <a:ln>
+                    <a:noFill/>
+                  </a:ln>
                   <a:solidFill>
                     <a:srgbClr val="000000">
                       <a:alpha val="100000"/>
                     </a:srgbClr>
                   </a:solidFill>
+                  <a:effectLst/>
+                  <a:uLnTx/>
+                  <a:uFillTx/>
                   <a:latin typeface="Arial"/>
+                  <a:ea typeface="+mn-ea"/>
                   <a:cs typeface="Arial"/>
                 </a:rPr>
                 <a:t>spp_1_Mainland</a:t>
@@ -13350,13 +16084,13 @@
         </p:sp>
         <p:sp>
           <p:nvSpPr>
-            <p:cNvPr id="117" name="tx117"/>
+            <p:cNvPr id="100" name="tx100"/>
             <p:cNvSpPr/>
             <p:nvPr/>
           </p:nvSpPr>
           <p:spPr>
             <a:xfrm rot="-2700000">
-              <a:off x="4417051" y="5528121"/>
+              <a:off x="4307679" y="5528121"/>
               <a:ext cx="1080306" cy="116520"/>
             </a:xfrm>
             <a:prstGeom prst="rect">
@@ -13368,7 +16102,7 @@
             <a:bodyPr wrap="none" lIns="0" tIns="0" rIns="0" bIns="0" anchor="ctr" anchorCtr="1"/>
             <a:lstStyle/>
             <a:p>
-              <a:pPr marL="0" marR="0" indent="0" algn="l">
+              <a:pPr marL="0" marR="0" lvl="0" indent="0" algn="l" defTabSz="995964" rtl="0" eaLnBrk="1" fontAlgn="auto" latinLnBrk="0" hangingPunct="1">
                 <a:lnSpc>
                   <a:spcPts val="1000"/>
                 </a:lnSpc>
@@ -13378,15 +16112,28 @@
                 <a:spcAft>
                   <a:spcPts val="0"/>
                 </a:spcAft>
+                <a:buClrTx/>
+                <a:buSzTx/>
+                <a:buFontTx/>
+                <a:buNone/>
+                <a:tabLst/>
+                <a:defRPr/>
               </a:pPr>
               <a:r>
-                <a:rPr sz="1000">
+                <a:rPr kumimoji="0" sz="1000" b="0" i="0" u="none" strike="noStrike" kern="1200" cap="none" spc="0" normalizeH="0" baseline="0" noProof="0">
+                  <a:ln>
+                    <a:noFill/>
+                  </a:ln>
                   <a:solidFill>
                     <a:srgbClr val="000000">
                       <a:alpha val="100000"/>
                     </a:srgbClr>
                   </a:solidFill>
+                  <a:effectLst/>
+                  <a:uLnTx/>
+                  <a:uFillTx/>
                   <a:latin typeface="Arial"/>
+                  <a:ea typeface="+mn-ea"/>
                   <a:cs typeface="Arial"/>
                 </a:rPr>
                 <a:t>spp_2_Inter_Island</a:t>
@@ -13396,13 +16143,13 @@
         </p:sp>
         <p:sp>
           <p:nvSpPr>
-            <p:cNvPr id="118" name="tx118"/>
+            <p:cNvPr id="101" name="tx101"/>
             <p:cNvSpPr/>
             <p:nvPr/>
           </p:nvSpPr>
           <p:spPr>
             <a:xfrm rot="-2700000">
-              <a:off x="4672626" y="5528121"/>
+              <a:off x="4628422" y="5528121"/>
               <a:ext cx="1080306" cy="116520"/>
             </a:xfrm>
             <a:prstGeom prst="rect">
@@ -13414,7 +16161,7 @@
             <a:bodyPr wrap="none" lIns="0" tIns="0" rIns="0" bIns="0" anchor="ctr" anchorCtr="1"/>
             <a:lstStyle/>
             <a:p>
-              <a:pPr marL="0" marR="0" indent="0" algn="l">
+              <a:pPr marL="0" marR="0" lvl="0" indent="0" algn="l" defTabSz="995964" rtl="0" eaLnBrk="1" fontAlgn="auto" latinLnBrk="0" hangingPunct="1">
                 <a:lnSpc>
                   <a:spcPts val="1000"/>
                 </a:lnSpc>
@@ -13424,15 +16171,28 @@
                 <a:spcAft>
                   <a:spcPts val="0"/>
                 </a:spcAft>
+                <a:buClrTx/>
+                <a:buSzTx/>
+                <a:buFontTx/>
+                <a:buNone/>
+                <a:tabLst/>
+                <a:defRPr/>
               </a:pPr>
               <a:r>
-                <a:rPr sz="1000">
+                <a:rPr kumimoji="0" sz="1000" b="0" i="0" u="none" strike="noStrike" kern="1200" cap="none" spc="0" normalizeH="0" baseline="0" noProof="0">
+                  <a:ln>
+                    <a:noFill/>
+                  </a:ln>
                   <a:solidFill>
                     <a:srgbClr val="000000">
                       <a:alpha val="100000"/>
                     </a:srgbClr>
                   </a:solidFill>
+                  <a:effectLst/>
+                  <a:uLnTx/>
+                  <a:uFillTx/>
                   <a:latin typeface="Arial"/>
+                  <a:ea typeface="+mn-ea"/>
                   <a:cs typeface="Arial"/>
                 </a:rPr>
                 <a:t>spp_2_Intra_Island</a:t>
@@ -13442,13 +16202,13 @@
         </p:sp>
         <p:sp>
           <p:nvSpPr>
-            <p:cNvPr id="119" name="tx119"/>
+            <p:cNvPr id="102" name="tx102"/>
             <p:cNvSpPr/>
             <p:nvPr/>
           </p:nvSpPr>
           <p:spPr>
             <a:xfrm rot="-2700000">
-              <a:off x="5054756" y="5475699"/>
+              <a:off x="5075722" y="5475699"/>
               <a:ext cx="932036" cy="116520"/>
             </a:xfrm>
             <a:prstGeom prst="rect">
@@ -13460,7 +16220,7 @@
             <a:bodyPr wrap="none" lIns="0" tIns="0" rIns="0" bIns="0" anchor="ctr" anchorCtr="1"/>
             <a:lstStyle/>
             <a:p>
-              <a:pPr marL="0" marR="0" indent="0" algn="l">
+              <a:pPr marL="0" marR="0" lvl="0" indent="0" algn="l" defTabSz="995964" rtl="0" eaLnBrk="1" fontAlgn="auto" latinLnBrk="0" hangingPunct="1">
                 <a:lnSpc>
                   <a:spcPts val="1000"/>
                 </a:lnSpc>
@@ -13470,15 +16230,28 @@
                 <a:spcAft>
                   <a:spcPts val="0"/>
                 </a:spcAft>
+                <a:buClrTx/>
+                <a:buSzTx/>
+                <a:buFontTx/>
+                <a:buNone/>
+                <a:tabLst/>
+                <a:defRPr/>
               </a:pPr>
               <a:r>
-                <a:rPr sz="1000">
+                <a:rPr kumimoji="0" sz="1000" b="0" i="0" u="none" strike="noStrike" kern="1200" cap="none" spc="0" normalizeH="0" baseline="0" noProof="0">
+                  <a:ln>
+                    <a:noFill/>
+                  </a:ln>
                   <a:solidFill>
                     <a:srgbClr val="000000">
                       <a:alpha val="100000"/>
                     </a:srgbClr>
                   </a:solidFill>
+                  <a:effectLst/>
+                  <a:uLnTx/>
+                  <a:uFillTx/>
                   <a:latin typeface="Arial"/>
+                  <a:ea typeface="+mn-ea"/>
                   <a:cs typeface="Arial"/>
                 </a:rPr>
                 <a:t>spp_2_Mainland</a:t>
@@ -13488,13 +16261,13 @@
         </p:sp>
         <p:sp>
           <p:nvSpPr>
-            <p:cNvPr id="121" name="tx121"/>
+            <p:cNvPr id="103" name="tx103"/>
             <p:cNvSpPr/>
             <p:nvPr/>
           </p:nvSpPr>
           <p:spPr>
             <a:xfrm rot="-2700000">
-              <a:off x="5439348" y="5528121"/>
+              <a:off x="5269909" y="5528121"/>
               <a:ext cx="1080306" cy="116520"/>
             </a:xfrm>
             <a:prstGeom prst="rect">
@@ -13506,7 +16279,7 @@
             <a:bodyPr wrap="none" lIns="0" tIns="0" rIns="0" bIns="0" anchor="ctr" anchorCtr="1"/>
             <a:lstStyle/>
             <a:p>
-              <a:pPr marL="0" marR="0" indent="0" algn="l">
+              <a:pPr marL="0" marR="0" lvl="0" indent="0" algn="l" defTabSz="995964" rtl="0" eaLnBrk="1" fontAlgn="auto" latinLnBrk="0" hangingPunct="1">
                 <a:lnSpc>
                   <a:spcPts val="1000"/>
                 </a:lnSpc>
@@ -13516,15 +16289,28 @@
                 <a:spcAft>
                   <a:spcPts val="0"/>
                 </a:spcAft>
+                <a:buClrTx/>
+                <a:buSzTx/>
+                <a:buFontTx/>
+                <a:buNone/>
+                <a:tabLst/>
+                <a:defRPr/>
               </a:pPr>
               <a:r>
-                <a:rPr sz="1000">
+                <a:rPr kumimoji="0" sz="1000" b="0" i="0" u="none" strike="noStrike" kern="1200" cap="none" spc="0" normalizeH="0" baseline="0" noProof="0">
+                  <a:ln>
+                    <a:noFill/>
+                  </a:ln>
                   <a:solidFill>
                     <a:srgbClr val="000000">
                       <a:alpha val="100000"/>
                     </a:srgbClr>
                   </a:solidFill>
+                  <a:effectLst/>
+                  <a:uLnTx/>
+                  <a:uFillTx/>
                   <a:latin typeface="Arial"/>
+                  <a:ea typeface="+mn-ea"/>
                   <a:cs typeface="Arial"/>
                 </a:rPr>
                 <a:t>spp_3_Inter_Island</a:t>
@@ -13534,13 +16320,13 @@
         </p:sp>
         <p:sp>
           <p:nvSpPr>
-            <p:cNvPr id="122" name="tx122"/>
+            <p:cNvPr id="104" name="tx104"/>
             <p:cNvSpPr/>
             <p:nvPr/>
           </p:nvSpPr>
           <p:spPr>
             <a:xfrm rot="-2700000">
-              <a:off x="5694922" y="5528121"/>
+              <a:off x="5590652" y="5528121"/>
               <a:ext cx="1080306" cy="116520"/>
             </a:xfrm>
             <a:prstGeom prst="rect">
@@ -13552,7 +16338,7 @@
             <a:bodyPr wrap="none" lIns="0" tIns="0" rIns="0" bIns="0" anchor="ctr" anchorCtr="1"/>
             <a:lstStyle/>
             <a:p>
-              <a:pPr marL="0" marR="0" indent="0" algn="l">
+              <a:pPr marL="0" marR="0" lvl="0" indent="0" algn="l" defTabSz="995964" rtl="0" eaLnBrk="1" fontAlgn="auto" latinLnBrk="0" hangingPunct="1">
                 <a:lnSpc>
                   <a:spcPts val="1000"/>
                 </a:lnSpc>
@@ -13562,15 +16348,28 @@
                 <a:spcAft>
                   <a:spcPts val="0"/>
                 </a:spcAft>
+                <a:buClrTx/>
+                <a:buSzTx/>
+                <a:buFontTx/>
+                <a:buNone/>
+                <a:tabLst/>
+                <a:defRPr/>
               </a:pPr>
               <a:r>
-                <a:rPr sz="1000">
+                <a:rPr kumimoji="0" sz="1000" b="0" i="0" u="none" strike="noStrike" kern="1200" cap="none" spc="0" normalizeH="0" baseline="0" noProof="0">
+                  <a:ln>
+                    <a:noFill/>
+                  </a:ln>
                   <a:solidFill>
                     <a:srgbClr val="000000">
                       <a:alpha val="100000"/>
                     </a:srgbClr>
                   </a:solidFill>
+                  <a:effectLst/>
+                  <a:uLnTx/>
+                  <a:uFillTx/>
                   <a:latin typeface="Arial"/>
+                  <a:ea typeface="+mn-ea"/>
                   <a:cs typeface="Arial"/>
                 </a:rPr>
                 <a:t>spp_3_Intra_Island</a:t>
@@ -13580,13 +16379,13 @@
         </p:sp>
         <p:sp>
           <p:nvSpPr>
-            <p:cNvPr id="123" name="tx123"/>
+            <p:cNvPr id="105" name="tx105"/>
             <p:cNvSpPr/>
             <p:nvPr/>
           </p:nvSpPr>
           <p:spPr>
             <a:xfrm rot="-2700000">
-              <a:off x="6077053" y="5475699"/>
+              <a:off x="6037951" y="5475699"/>
               <a:ext cx="932036" cy="116520"/>
             </a:xfrm>
             <a:prstGeom prst="rect">
@@ -13598,7 +16397,7 @@
             <a:bodyPr wrap="none" lIns="0" tIns="0" rIns="0" bIns="0" anchor="ctr" anchorCtr="1"/>
             <a:lstStyle/>
             <a:p>
-              <a:pPr marL="0" marR="0" indent="0" algn="l">
+              <a:pPr marL="0" marR="0" lvl="0" indent="0" algn="l" defTabSz="995964" rtl="0" eaLnBrk="1" fontAlgn="auto" latinLnBrk="0" hangingPunct="1">
                 <a:lnSpc>
                   <a:spcPts val="1000"/>
                 </a:lnSpc>
@@ -13608,15 +16407,28 @@
                 <a:spcAft>
                   <a:spcPts val="0"/>
                 </a:spcAft>
+                <a:buClrTx/>
+                <a:buSzTx/>
+                <a:buFontTx/>
+                <a:buNone/>
+                <a:tabLst/>
+                <a:defRPr/>
               </a:pPr>
               <a:r>
-                <a:rPr sz="1000">
+                <a:rPr kumimoji="0" sz="1000" b="0" i="0" u="none" strike="noStrike" kern="1200" cap="none" spc="0" normalizeH="0" baseline="0" noProof="0">
+                  <a:ln>
+                    <a:noFill/>
+                  </a:ln>
                   <a:solidFill>
                     <a:srgbClr val="000000">
                       <a:alpha val="100000"/>
                     </a:srgbClr>
                   </a:solidFill>
+                  <a:effectLst/>
+                  <a:uLnTx/>
+                  <a:uFillTx/>
                   <a:latin typeface="Arial"/>
+                  <a:ea typeface="+mn-ea"/>
                   <a:cs typeface="Arial"/>
                 </a:rPr>
                 <a:t>spp_3_Mainland</a:t>
@@ -13626,13 +16438,13 @@
         </p:sp>
         <p:sp>
           <p:nvSpPr>
-            <p:cNvPr id="124" name="tx124"/>
-            <p:cNvSpPr/>
-            <p:nvPr/>
-          </p:nvSpPr>
-          <p:spPr>
-            <a:xfrm>
-              <a:off x="4742140" y="6039011"/>
+            <p:cNvPr id="106" name="tx106"/>
+            <p:cNvSpPr/>
+            <p:nvPr/>
+          </p:nvSpPr>
+          <p:spPr>
+            <a:xfrm>
+              <a:off x="4727971" y="6039011"/>
               <a:ext cx="636699" cy="125511"/>
             </a:xfrm>
             <a:prstGeom prst="rect">
@@ -13644,7 +16456,7 @@
             <a:bodyPr wrap="none" lIns="0" tIns="0" rIns="0" bIns="0" anchor="ctr" anchorCtr="1"/>
             <a:lstStyle/>
             <a:p>
-              <a:pPr marL="0" marR="0" indent="0" algn="l">
+              <a:pPr marL="0" marR="0" lvl="0" indent="0" algn="l" defTabSz="995964" rtl="0" eaLnBrk="1" fontAlgn="auto" latinLnBrk="0" hangingPunct="1">
                 <a:lnSpc>
                   <a:spcPts val="1100"/>
                 </a:lnSpc>
@@ -13654,15 +16466,28 @@
                 <a:spcAft>
                   <a:spcPts val="0"/>
                 </a:spcAft>
+                <a:buClrTx/>
+                <a:buSzTx/>
+                <a:buFontTx/>
+                <a:buNone/>
+                <a:tabLst/>
+                <a:defRPr/>
               </a:pPr>
               <a:r>
-                <a:rPr sz="1100">
+                <a:rPr kumimoji="0" sz="1100" b="0" i="0" u="none" strike="noStrike" kern="1200" cap="none" spc="0" normalizeH="0" baseline="0" noProof="0">
+                  <a:ln>
+                    <a:noFill/>
+                  </a:ln>
                   <a:solidFill>
                     <a:srgbClr val="000000">
                       <a:alpha val="100000"/>
                     </a:srgbClr>
                   </a:solidFill>
+                  <a:effectLst/>
+                  <a:uLnTx/>
+                  <a:uFillTx/>
                   <a:latin typeface="Arial"/>
+                  <a:ea typeface="+mn-ea"/>
                   <a:cs typeface="Arial"/>
                 </a:rPr>
                 <a:t>parameter</a:t>
@@ -13672,7 +16497,7 @@
         </p:sp>
         <p:sp>
           <p:nvSpPr>
-            <p:cNvPr id="125" name="tx125"/>
+            <p:cNvPr id="107" name="tx107"/>
             <p:cNvSpPr/>
             <p:nvPr/>
           </p:nvSpPr>
@@ -13690,7 +16515,7 @@
             <a:bodyPr wrap="none" lIns="0" tIns="0" rIns="0" bIns="0" anchor="ctr" anchorCtr="1"/>
             <a:lstStyle/>
             <a:p>
-              <a:pPr marL="0" marR="0" indent="0" algn="l">
+              <a:pPr marL="0" marR="0" lvl="0" indent="0" algn="l" defTabSz="995964" rtl="0" eaLnBrk="1" fontAlgn="auto" latinLnBrk="0" hangingPunct="1">
                 <a:lnSpc>
                   <a:spcPts val="1100"/>
                 </a:lnSpc>
@@ -13700,15 +16525,28 @@
                 <a:spcAft>
                   <a:spcPts val="0"/>
                 </a:spcAft>
+                <a:buClrTx/>
+                <a:buSzTx/>
+                <a:buFontTx/>
+                <a:buNone/>
+                <a:tabLst/>
+                <a:defRPr/>
               </a:pPr>
               <a:r>
-                <a:rPr sz="1100">
+                <a:rPr kumimoji="0" sz="1100" b="0" i="0" u="none" strike="noStrike" kern="1200" cap="none" spc="0" normalizeH="0" baseline="0" noProof="0">
+                  <a:ln>
+                    <a:noFill/>
+                  </a:ln>
                   <a:solidFill>
                     <a:srgbClr val="000000">
                       <a:alpha val="100000"/>
                     </a:srgbClr>
                   </a:solidFill>
+                  <a:effectLst/>
+                  <a:uLnTx/>
+                  <a:uFillTx/>
                   <a:latin typeface="Arial"/>
+                  <a:ea typeface="+mn-ea"/>
                   <a:cs typeface="Arial"/>
                 </a:rPr>
                 <a:t>value</a:t>
@@ -13718,7 +16556,7 @@
         </p:sp>
         <p:sp>
           <p:nvSpPr>
-            <p:cNvPr id="126" name="rc126"/>
+            <p:cNvPr id="108" name="rc108"/>
             <p:cNvSpPr/>
             <p:nvPr/>
           </p:nvSpPr>
@@ -13740,13 +16578,43 @@
             <a:bodyPr/>
             <a:lstStyle/>
             <a:p>
-              <a:endParaRPr/>
-            </a:p>
-          </p:txBody>
-        </p:sp>
-        <p:sp>
-          <p:nvSpPr>
-            <p:cNvPr id="127" name="tx127"/>
+              <a:pPr marL="0" marR="0" lvl="0" indent="0" algn="l" defTabSz="995964" rtl="0" eaLnBrk="1" fontAlgn="auto" latinLnBrk="0" hangingPunct="1">
+                <a:lnSpc>
+                  <a:spcPct val="100000"/>
+                </a:lnSpc>
+                <a:spcBef>
+                  <a:spcPts val="0"/>
+                </a:spcBef>
+                <a:spcAft>
+                  <a:spcPts val="0"/>
+                </a:spcAft>
+                <a:buClrTx/>
+                <a:buSzTx/>
+                <a:buFontTx/>
+                <a:buNone/>
+                <a:tabLst/>
+                <a:defRPr/>
+              </a:pPr>
+              <a:endParaRPr kumimoji="0" sz="2000" b="0" i="0" u="none" strike="noStrike" kern="1200" cap="none" spc="0" normalizeH="0" baseline="0" noProof="0">
+                <a:ln>
+                  <a:noFill/>
+                </a:ln>
+                <a:solidFill>
+                  <a:prstClr val="black"/>
+                </a:solidFill>
+                <a:effectLst/>
+                <a:uLnTx/>
+                <a:uFillTx/>
+                <a:latin typeface="Calibri"/>
+                <a:ea typeface="+mn-ea"/>
+                <a:cs typeface="+mn-cs"/>
+              </a:endParaRPr>
+            </a:p>
+          </p:txBody>
+        </p:sp>
+        <p:sp>
+          <p:nvSpPr>
+            <p:cNvPr id="109" name="tx109"/>
             <p:cNvSpPr/>
             <p:nvPr/>
           </p:nvSpPr>
@@ -13764,7 +16632,7 @@
             <a:bodyPr wrap="none" lIns="0" tIns="0" rIns="0" bIns="0" anchor="ctr" anchorCtr="1"/>
             <a:lstStyle/>
             <a:p>
-              <a:pPr marL="0" marR="0" indent="0" algn="l">
+              <a:pPr marL="0" marR="0" lvl="0" indent="0" algn="l" defTabSz="995964" rtl="0" eaLnBrk="1" fontAlgn="auto" latinLnBrk="0" hangingPunct="1">
                 <a:lnSpc>
                   <a:spcPts val="1100"/>
                 </a:lnSpc>
@@ -13774,15 +16642,28 @@
                 <a:spcAft>
                   <a:spcPts val="0"/>
                 </a:spcAft>
+                <a:buClrTx/>
+                <a:buSzTx/>
+                <a:buFontTx/>
+                <a:buNone/>
+                <a:tabLst/>
+                <a:defRPr/>
               </a:pPr>
               <a:r>
-                <a:rPr sz="1100">
+                <a:rPr kumimoji="0" sz="1100" b="0" i="0" u="none" strike="noStrike" kern="1200" cap="none" spc="0" normalizeH="0" baseline="0" noProof="0">
+                  <a:ln>
+                    <a:noFill/>
+                  </a:ln>
                   <a:solidFill>
                     <a:srgbClr val="000000">
                       <a:alpha val="100000"/>
                     </a:srgbClr>
                   </a:solidFill>
+                  <a:effectLst/>
+                  <a:uLnTx/>
+                  <a:uFillTx/>
                   <a:latin typeface="Arial"/>
+                  <a:ea typeface="+mn-ea"/>
                   <a:cs typeface="Arial"/>
                 </a:rPr>
                 <a:t>point</a:t>
@@ -13792,7 +16673,7 @@
         </p:sp>
         <p:sp>
           <p:nvSpPr>
-            <p:cNvPr id="128" name="rc128"/>
+            <p:cNvPr id="110" name="rc110"/>
             <p:cNvSpPr/>
             <p:nvPr/>
           </p:nvSpPr>
@@ -13823,13 +16704,43 @@
             <a:bodyPr/>
             <a:lstStyle/>
             <a:p>
-              <a:endParaRPr/>
-            </a:p>
-          </p:txBody>
-        </p:sp>
-        <p:sp>
-          <p:nvSpPr>
-            <p:cNvPr id="129" name="pl129"/>
+              <a:pPr marL="0" marR="0" lvl="0" indent="0" algn="l" defTabSz="995964" rtl="0" eaLnBrk="1" fontAlgn="auto" latinLnBrk="0" hangingPunct="1">
+                <a:lnSpc>
+                  <a:spcPct val="100000"/>
+                </a:lnSpc>
+                <a:spcBef>
+                  <a:spcPts val="0"/>
+                </a:spcBef>
+                <a:spcAft>
+                  <a:spcPts val="0"/>
+                </a:spcAft>
+                <a:buClrTx/>
+                <a:buSzTx/>
+                <a:buFontTx/>
+                <a:buNone/>
+                <a:tabLst/>
+                <a:defRPr/>
+              </a:pPr>
+              <a:endParaRPr kumimoji="0" sz="2000" b="0" i="0" u="none" strike="noStrike" kern="1200" cap="none" spc="0" normalizeH="0" baseline="0" noProof="0">
+                <a:ln>
+                  <a:noFill/>
+                </a:ln>
+                <a:solidFill>
+                  <a:prstClr val="black"/>
+                </a:solidFill>
+                <a:effectLst/>
+                <a:uLnTx/>
+                <a:uFillTx/>
+                <a:latin typeface="Calibri"/>
+                <a:ea typeface="+mn-ea"/>
+                <a:cs typeface="+mn-cs"/>
+              </a:endParaRPr>
+            </a:p>
+          </p:txBody>
+        </p:sp>
+        <p:sp>
+          <p:nvSpPr>
+            <p:cNvPr id="111" name="pl111"/>
             <p:cNvSpPr/>
             <p:nvPr/>
           </p:nvSpPr>
@@ -13869,13 +16780,43 @@
             <a:bodyPr/>
             <a:lstStyle/>
             <a:p>
-              <a:endParaRPr/>
-            </a:p>
-          </p:txBody>
-        </p:sp>
-        <p:sp>
-          <p:nvSpPr>
-            <p:cNvPr id="130" name="pt130"/>
+              <a:pPr marL="0" marR="0" lvl="0" indent="0" algn="l" defTabSz="995964" rtl="0" eaLnBrk="1" fontAlgn="auto" latinLnBrk="0" hangingPunct="1">
+                <a:lnSpc>
+                  <a:spcPct val="100000"/>
+                </a:lnSpc>
+                <a:spcBef>
+                  <a:spcPts val="0"/>
+                </a:spcBef>
+                <a:spcAft>
+                  <a:spcPts val="0"/>
+                </a:spcAft>
+                <a:buClrTx/>
+                <a:buSzTx/>
+                <a:buFontTx/>
+                <a:buNone/>
+                <a:tabLst/>
+                <a:defRPr/>
+              </a:pPr>
+              <a:endParaRPr kumimoji="0" sz="2000" b="0" i="0" u="none" strike="noStrike" kern="1200" cap="none" spc="0" normalizeH="0" baseline="0" noProof="0">
+                <a:ln>
+                  <a:noFill/>
+                </a:ln>
+                <a:solidFill>
+                  <a:prstClr val="black"/>
+                </a:solidFill>
+                <a:effectLst/>
+                <a:uLnTx/>
+                <a:uFillTx/>
+                <a:latin typeface="Calibri"/>
+                <a:ea typeface="+mn-ea"/>
+                <a:cs typeface="+mn-cs"/>
+              </a:endParaRPr>
+            </a:p>
+          </p:txBody>
+        </p:sp>
+        <p:sp>
+          <p:nvSpPr>
+            <p:cNvPr id="112" name="pt112"/>
             <p:cNvSpPr/>
             <p:nvPr/>
           </p:nvSpPr>
@@ -13906,13 +16847,43 @@
             <a:bodyPr/>
             <a:lstStyle/>
             <a:p>
-              <a:endParaRPr/>
-            </a:p>
-          </p:txBody>
-        </p:sp>
-        <p:sp>
-          <p:nvSpPr>
-            <p:cNvPr id="131" name="tx131"/>
+              <a:pPr marL="0" marR="0" lvl="0" indent="0" algn="l" defTabSz="995964" rtl="0" eaLnBrk="1" fontAlgn="auto" latinLnBrk="0" hangingPunct="1">
+                <a:lnSpc>
+                  <a:spcPct val="100000"/>
+                </a:lnSpc>
+                <a:spcBef>
+                  <a:spcPts val="0"/>
+                </a:spcBef>
+                <a:spcAft>
+                  <a:spcPts val="0"/>
+                </a:spcAft>
+                <a:buClrTx/>
+                <a:buSzTx/>
+                <a:buFontTx/>
+                <a:buNone/>
+                <a:tabLst/>
+                <a:defRPr/>
+              </a:pPr>
+              <a:endParaRPr kumimoji="0" sz="2000" b="0" i="0" u="none" strike="noStrike" kern="1200" cap="none" spc="0" normalizeH="0" baseline="0" noProof="0">
+                <a:ln>
+                  <a:noFill/>
+                </a:ln>
+                <a:solidFill>
+                  <a:prstClr val="black"/>
+                </a:solidFill>
+                <a:effectLst/>
+                <a:uLnTx/>
+                <a:uFillTx/>
+                <a:latin typeface="Calibri"/>
+                <a:ea typeface="+mn-ea"/>
+                <a:cs typeface="+mn-cs"/>
+              </a:endParaRPr>
+            </a:p>
+          </p:txBody>
+        </p:sp>
+        <p:sp>
+          <p:nvSpPr>
+            <p:cNvPr id="113" name="tx113"/>
             <p:cNvSpPr/>
             <p:nvPr/>
           </p:nvSpPr>
@@ -13930,7 +16901,7 @@
             <a:bodyPr wrap="none" lIns="0" tIns="0" rIns="0" bIns="0" anchor="ctr" anchorCtr="1"/>
             <a:lstStyle/>
             <a:p>
-              <a:pPr marL="0" marR="0" indent="0" algn="l">
+              <a:pPr marL="0" marR="0" lvl="0" indent="0" algn="l" defTabSz="995964" rtl="0" eaLnBrk="1" fontAlgn="auto" latinLnBrk="0" hangingPunct="1">
                 <a:lnSpc>
                   <a:spcPts val="880"/>
                 </a:lnSpc>
@@ -13940,15 +16911,28 @@
                 <a:spcAft>
                   <a:spcPts val="0"/>
                 </a:spcAft>
+                <a:buClrTx/>
+                <a:buSzTx/>
+                <a:buFontTx/>
+                <a:buNone/>
+                <a:tabLst/>
+                <a:defRPr/>
               </a:pPr>
               <a:r>
-                <a:rPr sz="880">
+                <a:rPr kumimoji="0" sz="880" b="0" i="0" u="none" strike="noStrike" kern="1200" cap="none" spc="0" normalizeH="0" baseline="0" noProof="0">
+                  <a:ln>
+                    <a:noFill/>
+                  </a:ln>
                   <a:solidFill>
                     <a:srgbClr val="000000">
                       <a:alpha val="100000"/>
                     </a:srgbClr>
                   </a:solidFill>
+                  <a:effectLst/>
+                  <a:uLnTx/>
+                  <a:uFillTx/>
                   <a:latin typeface="Arial"/>
+                  <a:ea typeface="+mn-ea"/>
                   <a:cs typeface="Arial"/>
                 </a:rPr>
                 <a:t>model fit</a:t>
@@ -13960,7 +16944,7 @@
     </p:spTree>
     <p:extLst>
       <p:ext uri="{BB962C8B-B14F-4D97-AF65-F5344CB8AC3E}">
-        <p14:creationId xmlns:p14="http://schemas.microsoft.com/office/powerpoint/2010/main" val="2600537604"/>
+        <p14:creationId xmlns:p14="http://schemas.microsoft.com/office/powerpoint/2010/main" val="4011802992"/>
       </p:ext>
     </p:extLst>
   </p:cSld>
